--- a/Arduino_workshop.pptx
+++ b/Arduino_workshop.pptx
@@ -8,6 +8,18 @@
     <p:sldId id="256" r:id="rId2"/>
     <p:sldId id="257" r:id="rId3"/>
     <p:sldId id="258" r:id="rId4"/>
+    <p:sldId id="259" r:id="rId5"/>
+    <p:sldId id="260" r:id="rId6"/>
+    <p:sldId id="261" r:id="rId7"/>
+    <p:sldId id="262" r:id="rId8"/>
+    <p:sldId id="263" r:id="rId9"/>
+    <p:sldId id="270" r:id="rId10"/>
+    <p:sldId id="264" r:id="rId11"/>
+    <p:sldId id="265" r:id="rId12"/>
+    <p:sldId id="266" r:id="rId13"/>
+    <p:sldId id="267" r:id="rId14"/>
+    <p:sldId id="268" r:id="rId15"/>
+    <p:sldId id="269" r:id="rId16"/>
   </p:sldIdLst>
   <p:sldSz cx="12192000" cy="6858000"/>
   <p:notesSz cx="6858000" cy="9144000"/>
@@ -106,6 +118,11 @@
       </a:defRPr>
     </a:lvl9pPr>
   </p:defaultTextStyle>
+  <p:extLst>
+    <p:ext uri="{EFAFB233-063F-42B5-8137-9DF3F51BA10A}">
+      <p15:sldGuideLst xmlns:p15="http://schemas.microsoft.com/office/powerpoint/2012/main"/>
+    </p:ext>
+  </p:extLst>
 </p:presentation>
 </file>
 
@@ -298,7 +315,7 @@
             <a:fld id="{B61BEF0D-F0BB-DE4B-95CE-6DB70DBA9567}" type="datetimeFigureOut">
               <a:rPr lang="en-US" dirty="0"/>
               <a:pPr/>
-              <a:t>12/11/2016</a:t>
+              <a:t>12/26/2016</a:t>
             </a:fld>
             <a:endParaRPr lang="en-US" dirty="0"/>
           </a:p>
@@ -633,7 +650,7 @@
             <a:fld id="{B61BEF0D-F0BB-DE4B-95CE-6DB70DBA9567}" type="datetimeFigureOut">
               <a:rPr lang="en-US" dirty="0"/>
               <a:pPr/>
-              <a:t>12/11/2016</a:t>
+              <a:t>12/26/2016</a:t>
             </a:fld>
             <a:endParaRPr lang="en-US" dirty="0"/>
           </a:p>
@@ -1031,7 +1048,7 @@
             <a:fld id="{B61BEF0D-F0BB-DE4B-95CE-6DB70DBA9567}" type="datetimeFigureOut">
               <a:rPr lang="en-US" dirty="0"/>
               <a:pPr/>
-              <a:t>12/11/2016</a:t>
+              <a:t>12/26/2016</a:t>
             </a:fld>
             <a:endParaRPr lang="en-US" dirty="0"/>
           </a:p>
@@ -1364,7 +1381,7 @@
             <a:fld id="{B61BEF0D-F0BB-DE4B-95CE-6DB70DBA9567}" type="datetimeFigureOut">
               <a:rPr lang="en-US" dirty="0"/>
               <a:pPr/>
-              <a:t>12/11/2016</a:t>
+              <a:t>12/26/2016</a:t>
             </a:fld>
             <a:endParaRPr lang="en-US" dirty="0"/>
           </a:p>
@@ -1681,7 +1698,7 @@
             <a:fld id="{B61BEF0D-F0BB-DE4B-95CE-6DB70DBA9567}" type="datetimeFigureOut">
               <a:rPr lang="en-US" dirty="0"/>
               <a:pPr/>
-              <a:t>12/11/2016</a:t>
+              <a:t>12/26/2016</a:t>
             </a:fld>
             <a:endParaRPr lang="en-US" dirty="0"/>
           </a:p>
@@ -2074,7 +2091,7 @@
             <a:fld id="{B61BEF0D-F0BB-DE4B-95CE-6DB70DBA9567}" type="datetimeFigureOut">
               <a:rPr lang="en-US" dirty="0"/>
               <a:pPr/>
-              <a:t>12/11/2016</a:t>
+              <a:t>12/26/2016</a:t>
             </a:fld>
             <a:endParaRPr lang="en-US" dirty="0"/>
           </a:p>
@@ -2328,7 +2345,7 @@
             <a:fld id="{B61BEF0D-F0BB-DE4B-95CE-6DB70DBA9567}" type="datetimeFigureOut">
               <a:rPr lang="en-US" dirty="0"/>
               <a:pPr/>
-              <a:t>12/11/2016</a:t>
+              <a:t>12/26/2016</a:t>
             </a:fld>
             <a:endParaRPr lang="en-US" dirty="0"/>
           </a:p>
@@ -2587,7 +2604,7 @@
             <a:fld id="{B61BEF0D-F0BB-DE4B-95CE-6DB70DBA9567}" type="datetimeFigureOut">
               <a:rPr lang="en-US" dirty="0"/>
               <a:pPr/>
-              <a:t>12/11/2016</a:t>
+              <a:t>12/26/2016</a:t>
             </a:fld>
             <a:endParaRPr lang="en-US" dirty="0"/>
           </a:p>
@@ -2846,7 +2863,7 @@
             <a:fld id="{B61BEF0D-F0BB-DE4B-95CE-6DB70DBA9567}" type="datetimeFigureOut">
               <a:rPr lang="en-US" dirty="0"/>
               <a:pPr/>
-              <a:t>12/11/2016</a:t>
+              <a:t>12/26/2016</a:t>
             </a:fld>
             <a:endParaRPr lang="en-US" dirty="0"/>
           </a:p>
@@ -3172,7 +3189,7 @@
             <a:fld id="{B61BEF0D-F0BB-DE4B-95CE-6DB70DBA9567}" type="datetimeFigureOut">
               <a:rPr lang="en-US" dirty="0"/>
               <a:pPr/>
-              <a:t>12/11/2016</a:t>
+              <a:t>12/26/2016</a:t>
             </a:fld>
             <a:endParaRPr lang="en-US" dirty="0"/>
           </a:p>
@@ -3492,7 +3509,7 @@
             <a:fld id="{B61BEF0D-F0BB-DE4B-95CE-6DB70DBA9567}" type="datetimeFigureOut">
               <a:rPr lang="en-US" dirty="0"/>
               <a:pPr/>
-              <a:t>12/11/2016</a:t>
+              <a:t>12/26/2016</a:t>
             </a:fld>
             <a:endParaRPr lang="en-US" dirty="0"/>
           </a:p>
@@ -3946,7 +3963,7 @@
             <a:fld id="{B61BEF0D-F0BB-DE4B-95CE-6DB70DBA9567}" type="datetimeFigureOut">
               <a:rPr lang="en-US" dirty="0"/>
               <a:pPr/>
-              <a:t>12/11/2016</a:t>
+              <a:t>12/26/2016</a:t>
             </a:fld>
             <a:endParaRPr lang="en-US" dirty="0"/>
           </a:p>
@@ -4148,7 +4165,7 @@
             <a:fld id="{B61BEF0D-F0BB-DE4B-95CE-6DB70DBA9567}" type="datetimeFigureOut">
               <a:rPr lang="en-US" dirty="0"/>
               <a:pPr/>
-              <a:t>12/11/2016</a:t>
+              <a:t>12/26/2016</a:t>
             </a:fld>
             <a:endParaRPr lang="en-US" dirty="0"/>
           </a:p>
@@ -4322,7 +4339,7 @@
             <a:fld id="{B61BEF0D-F0BB-DE4B-95CE-6DB70DBA9567}" type="datetimeFigureOut">
               <a:rPr lang="en-US" dirty="0"/>
               <a:pPr/>
-              <a:t>12/11/2016</a:t>
+              <a:t>12/26/2016</a:t>
             </a:fld>
             <a:endParaRPr lang="en-US" dirty="0"/>
           </a:p>
@@ -4652,7 +4669,7 @@
             <a:fld id="{B61BEF0D-F0BB-DE4B-95CE-6DB70DBA9567}" type="datetimeFigureOut">
               <a:rPr lang="en-US" dirty="0"/>
               <a:pPr/>
-              <a:t>12/11/2016</a:t>
+              <a:t>12/26/2016</a:t>
             </a:fld>
             <a:endParaRPr lang="en-US" dirty="0"/>
           </a:p>
@@ -4994,7 +5011,7 @@
             <a:fld id="{B61BEF0D-F0BB-DE4B-95CE-6DB70DBA9567}" type="datetimeFigureOut">
               <a:rPr lang="en-US" dirty="0"/>
               <a:pPr/>
-              <a:t>12/11/2016</a:t>
+              <a:t>12/26/2016</a:t>
             </a:fld>
             <a:endParaRPr lang="en-US" dirty="0"/>
           </a:p>
@@ -7108,7 +7125,7 @@
             <a:fld id="{B61BEF0D-F0BB-DE4B-95CE-6DB70DBA9567}" type="datetimeFigureOut">
               <a:rPr lang="en-US" dirty="0"/>
               <a:pPr/>
-              <a:t>12/11/2016</a:t>
+              <a:t>12/26/2016</a:t>
             </a:fld>
             <a:endParaRPr lang="en-US" dirty="0"/>
           </a:p>
@@ -7680,6 +7697,1151 @@
 </p:sld>
 </file>
 
+<file path=ppt/slides/slide10.xml><?xml version="1.0" encoding="utf-8"?>
+<p:sld xmlns:a="http://schemas.openxmlformats.org/drawingml/2006/main" xmlns:r="http://schemas.openxmlformats.org/officeDocument/2006/relationships" xmlns:p="http://schemas.openxmlformats.org/presentationml/2006/main">
+  <p:cSld>
+    <p:spTree>
+      <p:nvGrpSpPr>
+        <p:cNvPr id="1" name=""/>
+        <p:cNvGrpSpPr/>
+        <p:nvPr/>
+      </p:nvGrpSpPr>
+      <p:grpSpPr>
+        <a:xfrm>
+          <a:off x="0" y="0"/>
+          <a:ext cx="0" cy="0"/>
+          <a:chOff x="0" y="0"/>
+          <a:chExt cx="0" cy="0"/>
+        </a:xfrm>
+      </p:grpSpPr>
+      <p:sp useBgFill="1">
+        <p:nvSpPr>
+          <p:cNvPr id="10" name="Rectangle 9"/>
+          <p:cNvSpPr>
+            <a:spLocks noGrp="1" noRot="1" noChangeAspect="1" noMove="1" noResize="1" noEditPoints="1" noAdjustHandles="1" noChangeArrowheads="1" noChangeShapeType="1" noTextEdit="1"/>
+          </p:cNvSpPr>
+          <p:nvPr>
+            <p:extLst>
+              <p:ext uri="{386F3935-93C4-4BCD-93E2-E3B085C9AB24}">
+                <p16:designElem xmlns:p16="http://schemas.microsoft.com/office/powerpoint/2015/main" val="1"/>
+              </p:ext>
+            </p:extLst>
+          </p:nvPr>
+        </p:nvSpPr>
+        <p:spPr>
+          <a:xfrm>
+            <a:off x="0" y="-1"/>
+            <a:ext cx="12188952" cy="6858001"/>
+          </a:xfrm>
+          <a:prstGeom prst="rect">
+            <a:avLst/>
+          </a:prstGeom>
+          <a:ln>
+            <a:noFill/>
+          </a:ln>
+        </p:spPr>
+        <p:style>
+          <a:lnRef idx="2">
+            <a:schemeClr val="accent1">
+              <a:shade val="50000"/>
+            </a:schemeClr>
+          </a:lnRef>
+          <a:fillRef idx="1">
+            <a:schemeClr val="accent1"/>
+          </a:fillRef>
+          <a:effectRef idx="0">
+            <a:schemeClr val="accent1"/>
+          </a:effectRef>
+          <a:fontRef idx="minor">
+            <a:schemeClr val="lt1"/>
+          </a:fontRef>
+        </p:style>
+        <p:txBody>
+          <a:bodyPr rot="0" spcFirstLastPara="0" vert="horz" wrap="square" lIns="91440" tIns="45720" rIns="91440" bIns="45720" numCol="1" spcCol="0" rtlCol="0" fromWordArt="0" anchor="ctr" anchorCtr="0" forceAA="0" compatLnSpc="1">
+            <a:prstTxWarp prst="textNoShape">
+              <a:avLst/>
+            </a:prstTxWarp>
+            <a:noAutofit/>
+          </a:bodyPr>
+          <a:lstStyle>
+            <a:defPPr>
+              <a:defRPr lang="en-US"/>
+            </a:defPPr>
+            <a:lvl1pPr marL="0" algn="l" defTabSz="914400" rtl="0" eaLnBrk="1" latinLnBrk="0" hangingPunct="1">
+              <a:defRPr sz="1800" kern="1200">
+                <a:solidFill>
+                  <a:schemeClr val="lt1"/>
+                </a:solidFill>
+                <a:latin typeface="+mn-lt"/>
+                <a:ea typeface="+mn-ea"/>
+                <a:cs typeface="+mn-cs"/>
+              </a:defRPr>
+            </a:lvl1pPr>
+            <a:lvl2pPr marL="457200" algn="l" defTabSz="914400" rtl="0" eaLnBrk="1" latinLnBrk="0" hangingPunct="1">
+              <a:defRPr sz="1800" kern="1200">
+                <a:solidFill>
+                  <a:schemeClr val="lt1"/>
+                </a:solidFill>
+                <a:latin typeface="+mn-lt"/>
+                <a:ea typeface="+mn-ea"/>
+                <a:cs typeface="+mn-cs"/>
+              </a:defRPr>
+            </a:lvl2pPr>
+            <a:lvl3pPr marL="914400" algn="l" defTabSz="914400" rtl="0" eaLnBrk="1" latinLnBrk="0" hangingPunct="1">
+              <a:defRPr sz="1800" kern="1200">
+                <a:solidFill>
+                  <a:schemeClr val="lt1"/>
+                </a:solidFill>
+                <a:latin typeface="+mn-lt"/>
+                <a:ea typeface="+mn-ea"/>
+                <a:cs typeface="+mn-cs"/>
+              </a:defRPr>
+            </a:lvl3pPr>
+            <a:lvl4pPr marL="1371600" algn="l" defTabSz="914400" rtl="0" eaLnBrk="1" latinLnBrk="0" hangingPunct="1">
+              <a:defRPr sz="1800" kern="1200">
+                <a:solidFill>
+                  <a:schemeClr val="lt1"/>
+                </a:solidFill>
+                <a:latin typeface="+mn-lt"/>
+                <a:ea typeface="+mn-ea"/>
+                <a:cs typeface="+mn-cs"/>
+              </a:defRPr>
+            </a:lvl4pPr>
+            <a:lvl5pPr marL="1828800" algn="l" defTabSz="914400" rtl="0" eaLnBrk="1" latinLnBrk="0" hangingPunct="1">
+              <a:defRPr sz="1800" kern="1200">
+                <a:solidFill>
+                  <a:schemeClr val="lt1"/>
+                </a:solidFill>
+                <a:latin typeface="+mn-lt"/>
+                <a:ea typeface="+mn-ea"/>
+                <a:cs typeface="+mn-cs"/>
+              </a:defRPr>
+            </a:lvl5pPr>
+            <a:lvl6pPr marL="2286000" algn="l" defTabSz="914400" rtl="0" eaLnBrk="1" latinLnBrk="0" hangingPunct="1">
+              <a:defRPr sz="1800" kern="1200">
+                <a:solidFill>
+                  <a:schemeClr val="lt1"/>
+                </a:solidFill>
+                <a:latin typeface="+mn-lt"/>
+                <a:ea typeface="+mn-ea"/>
+                <a:cs typeface="+mn-cs"/>
+              </a:defRPr>
+            </a:lvl6pPr>
+            <a:lvl7pPr marL="2743200" algn="l" defTabSz="914400" rtl="0" eaLnBrk="1" latinLnBrk="0" hangingPunct="1">
+              <a:defRPr sz="1800" kern="1200">
+                <a:solidFill>
+                  <a:schemeClr val="lt1"/>
+                </a:solidFill>
+                <a:latin typeface="+mn-lt"/>
+                <a:ea typeface="+mn-ea"/>
+                <a:cs typeface="+mn-cs"/>
+              </a:defRPr>
+            </a:lvl7pPr>
+            <a:lvl8pPr marL="3200400" algn="l" defTabSz="914400" rtl="0" eaLnBrk="1" latinLnBrk="0" hangingPunct="1">
+              <a:defRPr sz="1800" kern="1200">
+                <a:solidFill>
+                  <a:schemeClr val="lt1"/>
+                </a:solidFill>
+                <a:latin typeface="+mn-lt"/>
+                <a:ea typeface="+mn-ea"/>
+                <a:cs typeface="+mn-cs"/>
+              </a:defRPr>
+            </a:lvl8pPr>
+            <a:lvl9pPr marL="3657600" algn="l" defTabSz="914400" rtl="0" eaLnBrk="1" latinLnBrk="0" hangingPunct="1">
+              <a:defRPr sz="1800" kern="1200">
+                <a:solidFill>
+                  <a:schemeClr val="lt1"/>
+                </a:solidFill>
+                <a:latin typeface="+mn-lt"/>
+                <a:ea typeface="+mn-ea"/>
+                <a:cs typeface="+mn-cs"/>
+              </a:defRPr>
+            </a:lvl9pPr>
+          </a:lstStyle>
+          <a:p>
+            <a:pPr algn="ctr"/>
+            <a:endParaRPr lang="en-US"/>
+          </a:p>
+        </p:txBody>
+      </p:sp>
+      <p:sp>
+        <p:nvSpPr>
+          <p:cNvPr id="11" name="Rectangle 10"/>
+          <p:cNvSpPr>
+            <a:spLocks noGrp="1" noRot="1" noChangeAspect="1" noMove="1" noResize="1" noEditPoints="1" noAdjustHandles="1" noChangeArrowheads="1" noChangeShapeType="1" noTextEdit="1"/>
+          </p:cNvSpPr>
+          <p:nvPr>
+            <p:extLst>
+              <p:ext uri="{386F3935-93C4-4BCD-93E2-E3B085C9AB24}">
+                <p16:designElem xmlns:p16="http://schemas.microsoft.com/office/powerpoint/2015/main" val="1"/>
+              </p:ext>
+            </p:extLst>
+          </p:nvPr>
+        </p:nvSpPr>
+        <p:spPr>
+          <a:xfrm>
+            <a:off x="0" y="0"/>
+            <a:ext cx="182880" cy="6858000"/>
+          </a:xfrm>
+          <a:prstGeom prst="rect">
+            <a:avLst/>
+          </a:prstGeom>
+          <a:solidFill>
+            <a:schemeClr val="tx2"/>
+          </a:solidFill>
+          <a:ln>
+            <a:noFill/>
+          </a:ln>
+          <a:effectLst/>
+        </p:spPr>
+        <p:style>
+          <a:lnRef idx="1">
+            <a:schemeClr val="accent1"/>
+          </a:lnRef>
+          <a:fillRef idx="3">
+            <a:schemeClr val="accent1"/>
+          </a:fillRef>
+          <a:effectRef idx="2">
+            <a:schemeClr val="accent1"/>
+          </a:effectRef>
+          <a:fontRef idx="minor">
+            <a:schemeClr val="lt1"/>
+          </a:fontRef>
+        </p:style>
+      </p:sp>
+      <p:sp>
+        <p:nvSpPr>
+          <p:cNvPr id="12" name="Freeform 14"/>
+          <p:cNvSpPr>
+            <a:spLocks noGrp="1" noRot="1" noChangeAspect="1" noMove="1" noResize="1" noEditPoints="1" noAdjustHandles="1" noChangeArrowheads="1" noChangeShapeType="1" noTextEdit="1"/>
+          </p:cNvSpPr>
+          <p:nvPr>
+            <p:extLst>
+              <p:ext uri="{386F3935-93C4-4BCD-93E2-E3B085C9AB24}">
+                <p16:designElem xmlns:p16="http://schemas.microsoft.com/office/powerpoint/2015/main" val="1"/>
+              </p:ext>
+            </p:extLst>
+          </p:nvPr>
+        </p:nvSpPr>
+        <p:spPr>
+          <a:xfrm>
+            <a:off x="-1" y="6061223"/>
+            <a:ext cx="1038036" cy="506277"/>
+          </a:xfrm>
+          <a:custGeom>
+            <a:avLst/>
+            <a:gdLst>
+              <a:gd name="connsiteX0" fmla="*/ 0 w 1038036"/>
+              <a:gd name="connsiteY0" fmla="*/ 0 h 506277"/>
+              <a:gd name="connsiteX1" fmla="*/ 182880 w 1038036"/>
+              <a:gd name="connsiteY1" fmla="*/ 0 h 506277"/>
+              <a:gd name="connsiteX2" fmla="*/ 291705 w 1038036"/>
+              <a:gd name="connsiteY2" fmla="*/ 0 h 506277"/>
+              <a:gd name="connsiteX3" fmla="*/ 291705 w 1038036"/>
+              <a:gd name="connsiteY3" fmla="*/ 151 h 506277"/>
+              <a:gd name="connsiteX4" fmla="*/ 692049 w 1038036"/>
+              <a:gd name="connsiteY4" fmla="*/ 705 h 506277"/>
+              <a:gd name="connsiteX5" fmla="*/ 782744 w 1038036"/>
+              <a:gd name="connsiteY5" fmla="*/ 705 h 506277"/>
+              <a:gd name="connsiteX6" fmla="*/ 797001 w 1038036"/>
+              <a:gd name="connsiteY6" fmla="*/ 5473 h 506277"/>
+              <a:gd name="connsiteX7" fmla="*/ 801982 w 1038036"/>
+              <a:gd name="connsiteY7" fmla="*/ 10242 h 506277"/>
+              <a:gd name="connsiteX8" fmla="*/ 1030951 w 1038036"/>
+              <a:gd name="connsiteY8" fmla="*/ 239185 h 506277"/>
+              <a:gd name="connsiteX9" fmla="*/ 1030951 w 1038036"/>
+              <a:gd name="connsiteY9" fmla="*/ 267797 h 506277"/>
+              <a:gd name="connsiteX10" fmla="*/ 801982 w 1038036"/>
+              <a:gd name="connsiteY10" fmla="*/ 496740 h 506277"/>
+              <a:gd name="connsiteX11" fmla="*/ 797001 w 1038036"/>
+              <a:gd name="connsiteY11" fmla="*/ 501508 h 506277"/>
+              <a:gd name="connsiteX12" fmla="*/ 782744 w 1038036"/>
+              <a:gd name="connsiteY12" fmla="*/ 506277 h 506277"/>
+              <a:gd name="connsiteX13" fmla="*/ 692049 w 1038036"/>
+              <a:gd name="connsiteY13" fmla="*/ 506277 h 506277"/>
+              <a:gd name="connsiteX14" fmla="*/ 291705 w 1038036"/>
+              <a:gd name="connsiteY14" fmla="*/ 505140 h 506277"/>
+              <a:gd name="connsiteX15" fmla="*/ 291705 w 1038036"/>
+              <a:gd name="connsiteY15" fmla="*/ 506277 h 506277"/>
+              <a:gd name="connsiteX16" fmla="*/ 0 w 1038036"/>
+              <a:gd name="connsiteY16" fmla="*/ 506277 h 506277"/>
+            </a:gdLst>
+            <a:ahLst/>
+            <a:cxnLst>
+              <a:cxn ang="0">
+                <a:pos x="connsiteX0" y="connsiteY0"/>
+              </a:cxn>
+              <a:cxn ang="0">
+                <a:pos x="connsiteX1" y="connsiteY1"/>
+              </a:cxn>
+              <a:cxn ang="0">
+                <a:pos x="connsiteX2" y="connsiteY2"/>
+              </a:cxn>
+              <a:cxn ang="0">
+                <a:pos x="connsiteX3" y="connsiteY3"/>
+              </a:cxn>
+              <a:cxn ang="0">
+                <a:pos x="connsiteX4" y="connsiteY4"/>
+              </a:cxn>
+              <a:cxn ang="0">
+                <a:pos x="connsiteX5" y="connsiteY5"/>
+              </a:cxn>
+              <a:cxn ang="0">
+                <a:pos x="connsiteX6" y="connsiteY6"/>
+              </a:cxn>
+              <a:cxn ang="0">
+                <a:pos x="connsiteX7" y="connsiteY7"/>
+              </a:cxn>
+              <a:cxn ang="0">
+                <a:pos x="connsiteX8" y="connsiteY8"/>
+              </a:cxn>
+              <a:cxn ang="0">
+                <a:pos x="connsiteX9" y="connsiteY9"/>
+              </a:cxn>
+              <a:cxn ang="0">
+                <a:pos x="connsiteX10" y="connsiteY10"/>
+              </a:cxn>
+              <a:cxn ang="0">
+                <a:pos x="connsiteX11" y="connsiteY11"/>
+              </a:cxn>
+              <a:cxn ang="0">
+                <a:pos x="connsiteX12" y="connsiteY12"/>
+              </a:cxn>
+              <a:cxn ang="0">
+                <a:pos x="connsiteX13" y="connsiteY13"/>
+              </a:cxn>
+              <a:cxn ang="0">
+                <a:pos x="connsiteX14" y="connsiteY14"/>
+              </a:cxn>
+              <a:cxn ang="0">
+                <a:pos x="connsiteX15" y="connsiteY15"/>
+              </a:cxn>
+              <a:cxn ang="0">
+                <a:pos x="connsiteX16" y="connsiteY16"/>
+              </a:cxn>
+            </a:cxnLst>
+            <a:rect l="l" t="t" r="r" b="b"/>
+            <a:pathLst>
+              <a:path w="1038036" h="506277">
+                <a:moveTo>
+                  <a:pt x="0" y="0"/>
+                </a:moveTo>
+                <a:lnTo>
+                  <a:pt x="182880" y="0"/>
+                </a:lnTo>
+                <a:lnTo>
+                  <a:pt x="291705" y="0"/>
+                </a:lnTo>
+                <a:lnTo>
+                  <a:pt x="291705" y="151"/>
+                </a:lnTo>
+                <a:lnTo>
+                  <a:pt x="692049" y="705"/>
+                </a:lnTo>
+                <a:lnTo>
+                  <a:pt x="782744" y="705"/>
+                </a:lnTo>
+                <a:cubicBezTo>
+                  <a:pt x="787553" y="705"/>
+                  <a:pt x="792363" y="5473"/>
+                  <a:pt x="797001" y="5473"/>
+                </a:cubicBezTo>
+                <a:cubicBezTo>
+                  <a:pt x="797001" y="10242"/>
+                  <a:pt x="801982" y="10242"/>
+                  <a:pt x="801982" y="10242"/>
+                </a:cubicBezTo>
+                <a:lnTo>
+                  <a:pt x="1030951" y="239185"/>
+                </a:lnTo>
+                <a:cubicBezTo>
+                  <a:pt x="1040398" y="248722"/>
+                  <a:pt x="1040398" y="258259"/>
+                  <a:pt x="1030951" y="267797"/>
+                </a:cubicBezTo>
+                <a:lnTo>
+                  <a:pt x="801982" y="496740"/>
+                </a:lnTo>
+                <a:cubicBezTo>
+                  <a:pt x="800436" y="498363"/>
+                  <a:pt x="798547" y="499885"/>
+                  <a:pt x="797001" y="501508"/>
+                </a:cubicBezTo>
+                <a:cubicBezTo>
+                  <a:pt x="792363" y="506277"/>
+                  <a:pt x="787553" y="506277"/>
+                  <a:pt x="782744" y="506277"/>
+                </a:cubicBezTo>
+                <a:lnTo>
+                  <a:pt x="692049" y="506277"/>
+                </a:lnTo>
+                <a:lnTo>
+                  <a:pt x="291705" y="505140"/>
+                </a:lnTo>
+                <a:lnTo>
+                  <a:pt x="291705" y="506277"/>
+                </a:lnTo>
+                <a:lnTo>
+                  <a:pt x="0" y="506277"/>
+                </a:lnTo>
+                <a:close/>
+              </a:path>
+            </a:pathLst>
+          </a:custGeom>
+          <a:ln>
+            <a:noFill/>
+          </a:ln>
+        </p:spPr>
+        <p:style>
+          <a:lnRef idx="2">
+            <a:schemeClr val="accent1">
+              <a:shade val="50000"/>
+            </a:schemeClr>
+          </a:lnRef>
+          <a:fillRef idx="1">
+            <a:schemeClr val="accent1"/>
+          </a:fillRef>
+          <a:effectRef idx="0">
+            <a:schemeClr val="accent1"/>
+          </a:effectRef>
+          <a:fontRef idx="minor">
+            <a:schemeClr val="lt1"/>
+          </a:fontRef>
+        </p:style>
+        <p:txBody>
+          <a:bodyPr rtlCol="0" anchor="ctr"/>
+          <a:lstStyle/>
+          <a:p>
+            <a:pPr algn="ctr"/>
+            <a:endParaRPr lang="en-US"/>
+          </a:p>
+        </p:txBody>
+      </p:sp>
+      <p:sp>
+        <p:nvSpPr>
+          <p:cNvPr id="2" name="Title 1"/>
+          <p:cNvSpPr>
+            <a:spLocks noGrp="1"/>
+          </p:cNvSpPr>
+          <p:nvPr>
+            <p:ph type="title"/>
+          </p:nvPr>
+        </p:nvSpPr>
+        <p:spPr>
+          <a:xfrm>
+            <a:off x="649224" y="645106"/>
+            <a:ext cx="8765232" cy="523347"/>
+          </a:xfrm>
+        </p:spPr>
+        <p:txBody>
+          <a:bodyPr>
+            <a:normAutofit/>
+          </a:bodyPr>
+          <a:lstStyle/>
+          <a:p>
+            <a:pPr>
+              <a:lnSpc>
+                <a:spcPct val="80000"/>
+              </a:lnSpc>
+            </a:pPr>
+            <a:r>
+              <a:rPr lang="en-US" sz="2800" dirty="0"/>
+              <a:t>Tutorial 2 – Dimming &amp; Flashing with button</a:t>
+            </a:r>
+            <a:endParaRPr lang="en-GB" sz="2800" dirty="0"/>
+          </a:p>
+        </p:txBody>
+      </p:sp>
+      <p:pic>
+        <p:nvPicPr>
+          <p:cNvPr id="4" name="Content Placeholder 3"/>
+          <p:cNvPicPr>
+            <a:picLocks noGrp="1" noChangeAspect="1"/>
+          </p:cNvPicPr>
+          <p:nvPr>
+            <p:ph idx="1"/>
+          </p:nvPr>
+        </p:nvPicPr>
+        <p:blipFill>
+          <a:blip r:embed="rId2"/>
+          <a:stretch>
+            <a:fillRect/>
+          </a:stretch>
+        </p:blipFill>
+        <p:spPr>
+          <a:xfrm>
+            <a:off x="850380" y="1168453"/>
+            <a:ext cx="7840609" cy="3892944"/>
+          </a:xfrm>
+        </p:spPr>
+      </p:pic>
+      <p:pic>
+        <p:nvPicPr>
+          <p:cNvPr id="6" name="Content Placeholder 3"/>
+          <p:cNvPicPr>
+            <a:picLocks noChangeAspect="1"/>
+          </p:cNvPicPr>
+          <p:nvPr/>
+        </p:nvPicPr>
+        <p:blipFill>
+          <a:blip r:embed="rId3"/>
+          <a:stretch>
+            <a:fillRect/>
+          </a:stretch>
+        </p:blipFill>
+        <p:spPr>
+          <a:xfrm>
+            <a:off x="8176326" y="3815402"/>
+            <a:ext cx="3572748" cy="2491992"/>
+          </a:xfrm>
+          <a:prstGeom prst="rect">
+            <a:avLst/>
+          </a:prstGeom>
+        </p:spPr>
+      </p:pic>
+    </p:spTree>
+    <p:extLst>
+      <p:ext uri="{BB962C8B-B14F-4D97-AF65-F5344CB8AC3E}">
+        <p14:creationId xmlns:p14="http://schemas.microsoft.com/office/powerpoint/2010/main" val="376498959"/>
+      </p:ext>
+    </p:extLst>
+  </p:cSld>
+  <p:clrMapOvr>
+    <a:masterClrMapping/>
+  </p:clrMapOvr>
+</p:sld>
+</file>
+
+<file path=ppt/slides/slide11.xml><?xml version="1.0" encoding="utf-8"?>
+<p:sld xmlns:a="http://schemas.openxmlformats.org/drawingml/2006/main" xmlns:r="http://schemas.openxmlformats.org/officeDocument/2006/relationships" xmlns:p="http://schemas.openxmlformats.org/presentationml/2006/main">
+  <p:cSld>
+    <p:spTree>
+      <p:nvGrpSpPr>
+        <p:cNvPr id="1" name=""/>
+        <p:cNvGrpSpPr/>
+        <p:nvPr/>
+      </p:nvGrpSpPr>
+      <p:grpSpPr>
+        <a:xfrm>
+          <a:off x="0" y="0"/>
+          <a:ext cx="0" cy="0"/>
+          <a:chOff x="0" y="0"/>
+          <a:chExt cx="0" cy="0"/>
+        </a:xfrm>
+      </p:grpSpPr>
+      <p:sp>
+        <p:nvSpPr>
+          <p:cNvPr id="2" name="Title 1"/>
+          <p:cNvSpPr>
+            <a:spLocks noGrp="1"/>
+          </p:cNvSpPr>
+          <p:nvPr>
+            <p:ph type="title"/>
+          </p:nvPr>
+        </p:nvSpPr>
+        <p:spPr>
+          <a:xfrm>
+            <a:off x="1622739" y="624110"/>
+            <a:ext cx="9881874" cy="638020"/>
+          </a:xfrm>
+        </p:spPr>
+        <p:txBody>
+          <a:bodyPr>
+            <a:normAutofit fontScale="90000"/>
+          </a:bodyPr>
+          <a:lstStyle/>
+          <a:p>
+            <a:r>
+              <a:rPr lang="en-US" dirty="0"/>
+              <a:t>Tutorial 3 – Servo and photo resistor</a:t>
+            </a:r>
+            <a:endParaRPr lang="en-GB" dirty="0"/>
+          </a:p>
+        </p:txBody>
+      </p:sp>
+      <p:pic>
+        <p:nvPicPr>
+          <p:cNvPr id="4" name="Content Placeholder 3"/>
+          <p:cNvPicPr>
+            <a:picLocks noGrp="1" noChangeAspect="1"/>
+          </p:cNvPicPr>
+          <p:nvPr>
+            <p:ph idx="1"/>
+          </p:nvPr>
+        </p:nvPicPr>
+        <p:blipFill>
+          <a:blip r:embed="rId2"/>
+          <a:stretch>
+            <a:fillRect/>
+          </a:stretch>
+        </p:blipFill>
+        <p:spPr>
+          <a:xfrm>
+            <a:off x="4043966" y="1262131"/>
+            <a:ext cx="7460646" cy="3773508"/>
+          </a:xfrm>
+        </p:spPr>
+      </p:pic>
+      <p:sp>
+        <p:nvSpPr>
+          <p:cNvPr id="5" name="TextBox 4"/>
+          <p:cNvSpPr txBox="1"/>
+          <p:nvPr/>
+        </p:nvSpPr>
+        <p:spPr>
+          <a:xfrm>
+            <a:off x="618186" y="1671557"/>
+            <a:ext cx="3425780" cy="2739211"/>
+          </a:xfrm>
+          <a:prstGeom prst="rect">
+            <a:avLst/>
+          </a:prstGeom>
+          <a:noFill/>
+        </p:spPr>
+        <p:txBody>
+          <a:bodyPr wrap="square" rtlCol="0">
+            <a:spAutoFit/>
+          </a:bodyPr>
+          <a:lstStyle/>
+          <a:p>
+            <a:pPr marL="285750" indent="-285750">
+              <a:spcBef>
+                <a:spcPts val="600"/>
+              </a:spcBef>
+              <a:buFont typeface="Arial" panose="020B0604020202020204" pitchFamily="34" charset="0"/>
+              <a:buChar char="•"/>
+            </a:pPr>
+            <a:r>
+              <a:rPr lang="en-US" b="1" dirty="0"/>
+              <a:t>Servo user PWM signal to drive the angle of the wheel</a:t>
+            </a:r>
+          </a:p>
+          <a:p>
+            <a:pPr marL="285750" indent="-285750">
+              <a:spcBef>
+                <a:spcPts val="600"/>
+              </a:spcBef>
+              <a:buFont typeface="Arial" panose="020B0604020202020204" pitchFamily="34" charset="0"/>
+              <a:buChar char="•"/>
+            </a:pPr>
+            <a:r>
+              <a:rPr lang="en-US" b="1" dirty="0"/>
+              <a:t>Servo will stay in that position, not rotating</a:t>
+            </a:r>
+          </a:p>
+          <a:p>
+            <a:pPr marL="285750" indent="-285750">
+              <a:spcBef>
+                <a:spcPts val="600"/>
+              </a:spcBef>
+              <a:buFont typeface="Arial" panose="020B0604020202020204" pitchFamily="34" charset="0"/>
+              <a:buChar char="•"/>
+            </a:pPr>
+            <a:r>
+              <a:rPr lang="en-US" b="1" dirty="0"/>
+              <a:t>Circuit with 2 mode, control servo by potentiometer or </a:t>
+            </a:r>
+            <a:r>
+              <a:rPr lang="en-US" b="1" dirty="0" err="1"/>
+              <a:t>photoresistors</a:t>
+            </a:r>
+            <a:endParaRPr lang="en-GB" b="1" dirty="0"/>
+          </a:p>
+        </p:txBody>
+      </p:sp>
+    </p:spTree>
+    <p:extLst>
+      <p:ext uri="{BB962C8B-B14F-4D97-AF65-F5344CB8AC3E}">
+        <p14:creationId xmlns:p14="http://schemas.microsoft.com/office/powerpoint/2010/main" val="880734234"/>
+      </p:ext>
+    </p:extLst>
+  </p:cSld>
+  <p:clrMapOvr>
+    <a:masterClrMapping/>
+  </p:clrMapOvr>
+</p:sld>
+</file>
+
+<file path=ppt/slides/slide12.xml><?xml version="1.0" encoding="utf-8"?>
+<p:sld xmlns:a="http://schemas.openxmlformats.org/drawingml/2006/main" xmlns:r="http://schemas.openxmlformats.org/officeDocument/2006/relationships" xmlns:p="http://schemas.openxmlformats.org/presentationml/2006/main">
+  <p:cSld>
+    <p:spTree>
+      <p:nvGrpSpPr>
+        <p:cNvPr id="1" name=""/>
+        <p:cNvGrpSpPr/>
+        <p:nvPr/>
+      </p:nvGrpSpPr>
+      <p:grpSpPr>
+        <a:xfrm>
+          <a:off x="0" y="0"/>
+          <a:ext cx="0" cy="0"/>
+          <a:chOff x="0" y="0"/>
+          <a:chExt cx="0" cy="0"/>
+        </a:xfrm>
+      </p:grpSpPr>
+      <p:pic>
+        <p:nvPicPr>
+          <p:cNvPr id="7" name="Content Placeholder 3"/>
+          <p:cNvPicPr>
+            <a:picLocks noChangeAspect="1"/>
+          </p:cNvPicPr>
+          <p:nvPr/>
+        </p:nvPicPr>
+        <p:blipFill rotWithShape="1">
+          <a:blip r:embed="rId2"/>
+          <a:srcRect t="21907" b="20351"/>
+          <a:stretch/>
+        </p:blipFill>
+        <p:spPr>
+          <a:xfrm>
+            <a:off x="5087155" y="1125828"/>
+            <a:ext cx="3915177" cy="1861850"/>
+          </a:xfrm>
+          <a:prstGeom prst="rect">
+            <a:avLst/>
+          </a:prstGeom>
+        </p:spPr>
+      </p:pic>
+      <p:pic>
+        <p:nvPicPr>
+          <p:cNvPr id="5" name="Picture 4"/>
+          <p:cNvPicPr>
+            <a:picLocks noChangeAspect="1"/>
+          </p:cNvPicPr>
+          <p:nvPr/>
+        </p:nvPicPr>
+        <p:blipFill rotWithShape="1">
+          <a:blip r:embed="rId3"/>
+          <a:srcRect l="7891"/>
+          <a:stretch/>
+        </p:blipFill>
+        <p:spPr>
+          <a:xfrm>
+            <a:off x="5087155" y="2987678"/>
+            <a:ext cx="7104845" cy="3316815"/>
+          </a:xfrm>
+          <a:prstGeom prst="rect">
+            <a:avLst/>
+          </a:prstGeom>
+        </p:spPr>
+      </p:pic>
+      <p:sp>
+        <p:nvSpPr>
+          <p:cNvPr id="2" name="Title 1"/>
+          <p:cNvSpPr>
+            <a:spLocks noGrp="1"/>
+          </p:cNvSpPr>
+          <p:nvPr>
+            <p:ph type="title"/>
+          </p:nvPr>
+        </p:nvSpPr>
+        <p:spPr>
+          <a:xfrm>
+            <a:off x="1687669" y="624110"/>
+            <a:ext cx="4137059" cy="1280890"/>
+          </a:xfrm>
+        </p:spPr>
+        <p:txBody>
+          <a:bodyPr>
+            <a:normAutofit/>
+          </a:bodyPr>
+          <a:lstStyle/>
+          <a:p>
+            <a:r>
+              <a:rPr lang="en-US" sz="3200"/>
+              <a:t>Tutorial 4 – LCD</a:t>
+            </a:r>
+            <a:endParaRPr lang="en-GB" sz="3200"/>
+          </a:p>
+        </p:txBody>
+      </p:sp>
+      <p:sp>
+        <p:nvSpPr>
+          <p:cNvPr id="9" name="Content Placeholder 8"/>
+          <p:cNvSpPr>
+            <a:spLocks noGrp="1"/>
+          </p:cNvSpPr>
+          <p:nvPr>
+            <p:ph idx="1"/>
+          </p:nvPr>
+        </p:nvSpPr>
+        <p:spPr>
+          <a:xfrm>
+            <a:off x="695460" y="1378039"/>
+            <a:ext cx="4391695" cy="4533183"/>
+          </a:xfrm>
+        </p:spPr>
+        <p:txBody>
+          <a:bodyPr>
+            <a:normAutofit/>
+          </a:bodyPr>
+          <a:lstStyle/>
+          <a:p>
+            <a:pPr>
+              <a:spcBef>
+                <a:spcPts val="1200"/>
+              </a:spcBef>
+            </a:pPr>
+            <a:r>
+              <a:rPr lang="en-US" sz="1600" b="1" dirty="0">
+                <a:solidFill>
+                  <a:srgbClr val="000000"/>
+                </a:solidFill>
+              </a:rPr>
+              <a:t>16x2 LCD has 16 IO pin</a:t>
+            </a:r>
+          </a:p>
+          <a:p>
+            <a:pPr>
+              <a:spcBef>
+                <a:spcPts val="1200"/>
+              </a:spcBef>
+            </a:pPr>
+            <a:r>
+              <a:rPr lang="en-US" sz="1600" b="1" dirty="0">
+                <a:solidFill>
+                  <a:srgbClr val="000000"/>
+                </a:solidFill>
+              </a:rPr>
+              <a:t>Important: RS,  EN, DB4, DB5, DB6, DB7</a:t>
+            </a:r>
+          </a:p>
+          <a:p>
+            <a:pPr>
+              <a:spcBef>
+                <a:spcPts val="1200"/>
+              </a:spcBef>
+            </a:pPr>
+            <a:r>
+              <a:rPr lang="en-US" sz="1600" b="1" dirty="0">
+                <a:solidFill>
+                  <a:srgbClr val="000000"/>
+                </a:solidFill>
+              </a:rPr>
+              <a:t>Control contrast: LED pin next to DB7</a:t>
+            </a:r>
+          </a:p>
+          <a:p>
+            <a:pPr>
+              <a:spcBef>
+                <a:spcPts val="1200"/>
+              </a:spcBef>
+            </a:pPr>
+            <a:r>
+              <a:rPr lang="en-US" sz="1600" b="1" dirty="0">
+                <a:solidFill>
+                  <a:srgbClr val="000000"/>
+                </a:solidFill>
+              </a:rPr>
+              <a:t>Other power pin: GND, VCC…</a:t>
+            </a:r>
+          </a:p>
+        </p:txBody>
+      </p:sp>
+    </p:spTree>
+    <p:extLst>
+      <p:ext uri="{BB962C8B-B14F-4D97-AF65-F5344CB8AC3E}">
+        <p14:creationId xmlns:p14="http://schemas.microsoft.com/office/powerpoint/2010/main" val="3339240102"/>
+      </p:ext>
+    </p:extLst>
+  </p:cSld>
+  <p:clrMapOvr>
+    <a:masterClrMapping/>
+  </p:clrMapOvr>
+</p:sld>
+</file>
+
+<file path=ppt/slides/slide13.xml><?xml version="1.0" encoding="utf-8"?>
+<p:sld xmlns:a="http://schemas.openxmlformats.org/drawingml/2006/main" xmlns:r="http://schemas.openxmlformats.org/officeDocument/2006/relationships" xmlns:p="http://schemas.openxmlformats.org/presentationml/2006/main">
+  <p:cSld>
+    <p:spTree>
+      <p:nvGrpSpPr>
+        <p:cNvPr id="1" name=""/>
+        <p:cNvGrpSpPr/>
+        <p:nvPr/>
+      </p:nvGrpSpPr>
+      <p:grpSpPr>
+        <a:xfrm>
+          <a:off x="0" y="0"/>
+          <a:ext cx="0" cy="0"/>
+          <a:chOff x="0" y="0"/>
+          <a:chExt cx="0" cy="0"/>
+        </a:xfrm>
+      </p:grpSpPr>
+      <p:sp>
+        <p:nvSpPr>
+          <p:cNvPr id="2" name="Title 1"/>
+          <p:cNvSpPr>
+            <a:spLocks noGrp="1"/>
+          </p:cNvSpPr>
+          <p:nvPr>
+            <p:ph type="title"/>
+          </p:nvPr>
+        </p:nvSpPr>
+        <p:spPr>
+          <a:xfrm>
+            <a:off x="1687669" y="263501"/>
+            <a:ext cx="4137059" cy="1280890"/>
+          </a:xfrm>
+        </p:spPr>
+        <p:txBody>
+          <a:bodyPr>
+            <a:normAutofit/>
+          </a:bodyPr>
+          <a:lstStyle/>
+          <a:p>
+            <a:r>
+              <a:rPr lang="en-US" sz="3200" dirty="0"/>
+              <a:t>Tutorial 4 – LCD</a:t>
+            </a:r>
+            <a:endParaRPr lang="en-GB" sz="3200" dirty="0"/>
+          </a:p>
+        </p:txBody>
+      </p:sp>
+      <p:pic>
+        <p:nvPicPr>
+          <p:cNvPr id="4" name="Content Placeholder 3"/>
+          <p:cNvPicPr>
+            <a:picLocks noGrp="1" noChangeAspect="1"/>
+          </p:cNvPicPr>
+          <p:nvPr>
+            <p:ph idx="1"/>
+          </p:nvPr>
+        </p:nvPicPr>
+        <p:blipFill>
+          <a:blip r:embed="rId2"/>
+          <a:stretch>
+            <a:fillRect/>
+          </a:stretch>
+        </p:blipFill>
+        <p:spPr>
+          <a:xfrm>
+            <a:off x="1687669" y="862885"/>
+            <a:ext cx="8966145" cy="5995115"/>
+          </a:xfrm>
+        </p:spPr>
+      </p:pic>
+    </p:spTree>
+    <p:extLst>
+      <p:ext uri="{BB962C8B-B14F-4D97-AF65-F5344CB8AC3E}">
+        <p14:creationId xmlns:p14="http://schemas.microsoft.com/office/powerpoint/2010/main" val="2842245404"/>
+      </p:ext>
+    </p:extLst>
+  </p:cSld>
+  <p:clrMapOvr>
+    <a:masterClrMapping/>
+  </p:clrMapOvr>
+</p:sld>
+</file>
+
+<file path=ppt/slides/slide14.xml><?xml version="1.0" encoding="utf-8"?>
+<p:sld xmlns:a="http://schemas.openxmlformats.org/drawingml/2006/main" xmlns:r="http://schemas.openxmlformats.org/officeDocument/2006/relationships" xmlns:p="http://schemas.openxmlformats.org/presentationml/2006/main">
+  <p:cSld>
+    <p:spTree>
+      <p:nvGrpSpPr>
+        <p:cNvPr id="1" name=""/>
+        <p:cNvGrpSpPr/>
+        <p:nvPr/>
+      </p:nvGrpSpPr>
+      <p:grpSpPr>
+        <a:xfrm>
+          <a:off x="0" y="0"/>
+          <a:ext cx="0" cy="0"/>
+          <a:chOff x="0" y="0"/>
+          <a:chExt cx="0" cy="0"/>
+        </a:xfrm>
+      </p:grpSpPr>
+      <p:sp>
+        <p:nvSpPr>
+          <p:cNvPr id="2" name="Title 1"/>
+          <p:cNvSpPr>
+            <a:spLocks noGrp="1"/>
+          </p:cNvSpPr>
+          <p:nvPr>
+            <p:ph type="title"/>
+          </p:nvPr>
+        </p:nvSpPr>
+        <p:spPr>
+          <a:xfrm>
+            <a:off x="1609859" y="624110"/>
+            <a:ext cx="9894754" cy="612262"/>
+          </a:xfrm>
+        </p:spPr>
+        <p:txBody>
+          <a:bodyPr>
+            <a:normAutofit fontScale="90000"/>
+          </a:bodyPr>
+          <a:lstStyle/>
+          <a:p>
+            <a:r>
+              <a:rPr lang="en-US" dirty="0"/>
+              <a:t>Challenge: build a automatic gantry</a:t>
+            </a:r>
+            <a:endParaRPr lang="en-GB" dirty="0"/>
+          </a:p>
+        </p:txBody>
+      </p:sp>
+      <p:sp>
+        <p:nvSpPr>
+          <p:cNvPr id="3" name="Content Placeholder 2"/>
+          <p:cNvSpPr>
+            <a:spLocks noGrp="1"/>
+          </p:cNvSpPr>
+          <p:nvPr>
+            <p:ph idx="1"/>
+          </p:nvPr>
+        </p:nvSpPr>
+        <p:spPr>
+          <a:xfrm>
+            <a:off x="1609859" y="1236372"/>
+            <a:ext cx="8915400" cy="2485622"/>
+          </a:xfrm>
+        </p:spPr>
+        <p:txBody>
+          <a:bodyPr/>
+          <a:lstStyle/>
+          <a:p>
+            <a:r>
+              <a:rPr lang="en-US" dirty="0"/>
+              <a:t>Build an automatic gantry with Servo, </a:t>
+            </a:r>
+            <a:r>
+              <a:rPr lang="en-US" dirty="0" err="1"/>
+              <a:t>photoresistor</a:t>
+            </a:r>
+            <a:r>
+              <a:rPr lang="en-US" dirty="0"/>
+              <a:t>, push button, LCD</a:t>
+            </a:r>
+          </a:p>
+          <a:p>
+            <a:r>
+              <a:rPr lang="en-US" dirty="0"/>
+              <a:t>Sensor to sense a car coming</a:t>
+            </a:r>
+          </a:p>
+          <a:p>
+            <a:r>
+              <a:rPr lang="en-US" dirty="0"/>
+              <a:t>Servo to be the gantry</a:t>
+            </a:r>
+          </a:p>
+          <a:p>
+            <a:r>
+              <a:rPr lang="en-US" dirty="0"/>
+              <a:t>Button for user to press and pay</a:t>
+            </a:r>
+          </a:p>
+          <a:p>
+            <a:r>
+              <a:rPr lang="en-US" dirty="0"/>
+              <a:t>Open the gantry and close the gantry when the car pass</a:t>
+            </a:r>
+          </a:p>
+          <a:p>
+            <a:r>
+              <a:rPr lang="en-US" dirty="0"/>
+              <a:t>Display some message on the Screen with LCD</a:t>
+            </a:r>
+          </a:p>
+        </p:txBody>
+      </p:sp>
+    </p:spTree>
+    <p:extLst>
+      <p:ext uri="{BB962C8B-B14F-4D97-AF65-F5344CB8AC3E}">
+        <p14:creationId xmlns:p14="http://schemas.microsoft.com/office/powerpoint/2010/main" val="1385123887"/>
+      </p:ext>
+    </p:extLst>
+  </p:cSld>
+  <p:clrMapOvr>
+    <a:masterClrMapping/>
+  </p:clrMapOvr>
+</p:sld>
+</file>
+
+<file path=ppt/slides/slide15.xml><?xml version="1.0" encoding="utf-8"?>
+<p:sld xmlns:a="http://schemas.openxmlformats.org/drawingml/2006/main" xmlns:r="http://schemas.openxmlformats.org/officeDocument/2006/relationships" xmlns:p="http://schemas.openxmlformats.org/presentationml/2006/main">
+  <p:cSld>
+    <p:spTree>
+      <p:nvGrpSpPr>
+        <p:cNvPr id="1" name=""/>
+        <p:cNvGrpSpPr/>
+        <p:nvPr/>
+      </p:nvGrpSpPr>
+      <p:grpSpPr>
+        <a:xfrm>
+          <a:off x="0" y="0"/>
+          <a:ext cx="0" cy="0"/>
+          <a:chOff x="0" y="0"/>
+          <a:chExt cx="0" cy="0"/>
+        </a:xfrm>
+      </p:grpSpPr>
+      <p:sp>
+        <p:nvSpPr>
+          <p:cNvPr id="2" name="Title 1"/>
+          <p:cNvSpPr>
+            <a:spLocks noGrp="1"/>
+          </p:cNvSpPr>
+          <p:nvPr>
+            <p:ph type="title"/>
+          </p:nvPr>
+        </p:nvSpPr>
+        <p:spPr>
+          <a:xfrm>
+            <a:off x="1609859" y="624110"/>
+            <a:ext cx="9894754" cy="612262"/>
+          </a:xfrm>
+        </p:spPr>
+        <p:txBody>
+          <a:bodyPr>
+            <a:normAutofit fontScale="90000"/>
+          </a:bodyPr>
+          <a:lstStyle/>
+          <a:p>
+            <a:r>
+              <a:rPr lang="en-US" dirty="0"/>
+              <a:t>Challenge: build a automatic gantry</a:t>
+            </a:r>
+            <a:endParaRPr lang="en-GB" dirty="0"/>
+          </a:p>
+        </p:txBody>
+      </p:sp>
+      <p:pic>
+        <p:nvPicPr>
+          <p:cNvPr id="5" name="Content Placeholder 4"/>
+          <p:cNvPicPr>
+            <a:picLocks noGrp="1" noChangeAspect="1"/>
+          </p:cNvPicPr>
+          <p:nvPr>
+            <p:ph idx="1"/>
+          </p:nvPr>
+        </p:nvPicPr>
+        <p:blipFill>
+          <a:blip r:embed="rId2"/>
+          <a:stretch>
+            <a:fillRect/>
+          </a:stretch>
+        </p:blipFill>
+        <p:spPr>
+          <a:xfrm>
+            <a:off x="219499" y="1236372"/>
+            <a:ext cx="12006835" cy="4446976"/>
+          </a:xfrm>
+        </p:spPr>
+      </p:pic>
+    </p:spTree>
+    <p:extLst>
+      <p:ext uri="{BB962C8B-B14F-4D97-AF65-F5344CB8AC3E}">
+        <p14:creationId xmlns:p14="http://schemas.microsoft.com/office/powerpoint/2010/main" val="2568993822"/>
+      </p:ext>
+    </p:extLst>
+  </p:cSld>
+  <p:clrMapOvr>
+    <a:masterClrMapping/>
+  </p:clrMapOvr>
+</p:sld>
+</file>
+
 <file path=ppt/slides/slide2.xml><?xml version="1.0" encoding="utf-8"?>
 <p:sld xmlns:a="http://schemas.openxmlformats.org/drawingml/2006/main" xmlns:r="http://schemas.openxmlformats.org/officeDocument/2006/relationships" xmlns:p="http://schemas.openxmlformats.org/presentationml/2006/main">
   <p:cSld>
@@ -7757,7 +8919,7 @@
         <p:spPr>
           <a:xfrm>
             <a:off x="1030310" y="1609859"/>
-            <a:ext cx="7044744" cy="3693319"/>
+            <a:ext cx="7044744" cy="4970591"/>
           </a:xfrm>
           <a:prstGeom prst="rect">
             <a:avLst/>
@@ -7771,6 +8933,9 @@
           <a:lstStyle/>
           <a:p>
             <a:pPr marL="285750" indent="-285750">
+              <a:spcBef>
+                <a:spcPts val="600"/>
+              </a:spcBef>
               <a:buFont typeface="Arial" panose="020B0604020202020204" pitchFamily="34" charset="0"/>
               <a:buChar char="•"/>
             </a:pPr>
@@ -7781,6 +8946,9 @@
           </a:p>
           <a:p>
             <a:pPr marL="285750" indent="-285750">
+              <a:spcBef>
+                <a:spcPts val="600"/>
+              </a:spcBef>
               <a:buFont typeface="Arial" panose="020B0604020202020204" pitchFamily="34" charset="0"/>
               <a:buChar char="•"/>
             </a:pPr>
@@ -7791,16 +8959,30 @@
           </a:p>
           <a:p>
             <a:pPr marL="285750" indent="-285750">
+              <a:spcBef>
+                <a:spcPts val="600"/>
+              </a:spcBef>
               <a:buFont typeface="Arial" panose="020B0604020202020204" pitchFamily="34" charset="0"/>
               <a:buChar char="•"/>
             </a:pPr>
             <a:r>
               <a:rPr lang="en-US" dirty="0"/>
-              <a:t>Use for prototyping, studying and more…</a:t>
+              <a:t>Use for prototyping, studying and </a:t>
+            </a:r>
+            <a:r>
+              <a:rPr lang="en-US" b="1" dirty="0">
+                <a:solidFill>
+                  <a:srgbClr val="FF0000"/>
+                </a:solidFill>
+              </a:rPr>
+              <a:t>IOT…</a:t>
             </a:r>
           </a:p>
           <a:p>
             <a:pPr marL="285750" indent="-285750">
+              <a:spcBef>
+                <a:spcPts val="600"/>
+              </a:spcBef>
               <a:buFont typeface="Arial" panose="020B0604020202020204" pitchFamily="34" charset="0"/>
               <a:buChar char="•"/>
             </a:pPr>
@@ -7811,6 +8993,9 @@
           </a:p>
           <a:p>
             <a:pPr marL="742950" lvl="1" indent="-285750">
+              <a:spcBef>
+                <a:spcPts val="600"/>
+              </a:spcBef>
               <a:buFont typeface="Arial" panose="020B0604020202020204" pitchFamily="34" charset="0"/>
               <a:buChar char="•"/>
             </a:pPr>
@@ -7825,24 +9010,46 @@
           </a:p>
           <a:p>
             <a:pPr marL="742950" lvl="1" indent="-285750">
+              <a:spcBef>
+                <a:spcPts val="600"/>
+              </a:spcBef>
               <a:buFont typeface="Arial" panose="020B0604020202020204" pitchFamily="34" charset="0"/>
               <a:buChar char="•"/>
             </a:pPr>
             <a:r>
               <a:rPr lang="en-US" dirty="0"/>
-              <a:t>Clock speed:			16 MHz (</a:t>
-            </a:r>
-            <a:r>
-              <a:rPr lang="en-US" dirty="0" err="1"/>
+              <a:t>Clock speed:			16 MHz </a:t>
+            </a:r>
+            <a:r>
+              <a:rPr lang="en-US" dirty="0">
+                <a:solidFill>
+                  <a:srgbClr val="FF0000"/>
+                </a:solidFill>
+              </a:rPr>
+              <a:t>(</a:t>
+            </a:r>
+            <a:r>
+              <a:rPr lang="en-US" dirty="0" err="1">
+                <a:solidFill>
+                  <a:srgbClr val="FF0000"/>
+                </a:solidFill>
+              </a:rPr>
               <a:t>Veryyyy</a:t>
             </a:r>
             <a:r>
-              <a:rPr lang="en-US" dirty="0"/>
+              <a:rPr lang="en-US" dirty="0">
+                <a:solidFill>
+                  <a:srgbClr val="FF0000"/>
+                </a:solidFill>
+              </a:rPr>
               <a:t> small)</a:t>
             </a:r>
           </a:p>
           <a:p>
             <a:pPr marL="742950" lvl="1" indent="-285750">
+              <a:spcBef>
+                <a:spcPts val="600"/>
+              </a:spcBef>
               <a:buFont typeface="Arial" panose="020B0604020202020204" pitchFamily="34" charset="0"/>
               <a:buChar char="•"/>
             </a:pPr>
@@ -7853,6 +9060,9 @@
           </a:p>
           <a:p>
             <a:pPr marL="742950" lvl="1" indent="-285750">
+              <a:spcBef>
+                <a:spcPts val="600"/>
+              </a:spcBef>
               <a:buFont typeface="Arial" panose="020B0604020202020204" pitchFamily="34" charset="0"/>
               <a:buChar char="•"/>
             </a:pPr>
@@ -7863,6 +9073,9 @@
           </a:p>
           <a:p>
             <a:pPr marL="742950" lvl="1" indent="-285750">
+              <a:spcBef>
+                <a:spcPts val="600"/>
+              </a:spcBef>
               <a:buFont typeface="Arial" panose="020B0604020202020204" pitchFamily="34" charset="0"/>
               <a:buChar char="•"/>
             </a:pPr>
@@ -7873,41 +9086,97 @@
           </a:p>
           <a:p>
             <a:pPr marL="742950" lvl="1" indent="-285750">
+              <a:spcBef>
+                <a:spcPts val="600"/>
+              </a:spcBef>
               <a:buFont typeface="Arial" panose="020B0604020202020204" pitchFamily="34" charset="0"/>
               <a:buChar char="•"/>
             </a:pPr>
             <a:r>
               <a:rPr lang="en-US" dirty="0"/>
-              <a:t>RAM:					2KB (</a:t>
-            </a:r>
-            <a:r>
-              <a:rPr lang="en-US" dirty="0" err="1"/>
+              <a:t>RAM:					2KB </a:t>
+            </a:r>
+            <a:r>
+              <a:rPr lang="en-US" dirty="0">
+                <a:solidFill>
+                  <a:srgbClr val="FF0000"/>
+                </a:solidFill>
+              </a:rPr>
+              <a:t>(</a:t>
+            </a:r>
+            <a:r>
+              <a:rPr lang="en-US" dirty="0" err="1">
+                <a:solidFill>
+                  <a:srgbClr val="FF0000"/>
+                </a:solidFill>
+              </a:rPr>
               <a:t>Veryyyy</a:t>
             </a:r>
             <a:r>
-              <a:rPr lang="en-US" dirty="0"/>
+              <a:rPr lang="en-US" dirty="0">
+                <a:solidFill>
+                  <a:srgbClr val="FF0000"/>
+                </a:solidFill>
+              </a:rPr>
               <a:t> Small)</a:t>
             </a:r>
           </a:p>
           <a:p>
             <a:pPr marL="742950" lvl="1" indent="-285750">
+              <a:spcBef>
+                <a:spcPts val="600"/>
+              </a:spcBef>
               <a:buFont typeface="Arial" panose="020B0604020202020204" pitchFamily="34" charset="0"/>
               <a:buChar char="•"/>
             </a:pPr>
             <a:r>
               <a:rPr lang="en-US" dirty="0"/>
-              <a:t>Flash memory:		32KB (Very small too)</a:t>
-            </a:r>
-          </a:p>
-          <a:p>
-            <a:pPr marL="742950" lvl="1" indent="-285750">
+              <a:t>Flash memory:		32KB </a:t>
+            </a:r>
+            <a:r>
+              <a:rPr lang="en-US" dirty="0">
+                <a:solidFill>
+                  <a:srgbClr val="FF0000"/>
+                </a:solidFill>
+              </a:rPr>
+              <a:t>(Very small too)</a:t>
+            </a:r>
+          </a:p>
+          <a:p>
+            <a:pPr marL="285750" indent="-285750">
+              <a:spcBef>
+                <a:spcPts val="600"/>
+              </a:spcBef>
               <a:buFont typeface="Arial" panose="020B0604020202020204" pitchFamily="34" charset="0"/>
               <a:buChar char="•"/>
             </a:pPr>
-            <a:endParaRPr lang="en-US" dirty="0"/>
+            <a:r>
+              <a:rPr lang="en-US" dirty="0"/>
+              <a:t>Communication port: Serial, Software Serial, I2C</a:t>
+            </a:r>
           </a:p>
           <a:p>
             <a:pPr marL="285750" indent="-285750">
+              <a:spcBef>
+                <a:spcPts val="600"/>
+              </a:spcBef>
+              <a:buFont typeface="Arial" panose="020B0604020202020204" pitchFamily="34" charset="0"/>
+              <a:buChar char="•"/>
+            </a:pPr>
+            <a:r>
+              <a:rPr lang="en-US" b="1" dirty="0">
+                <a:solidFill>
+                  <a:srgbClr val="FF0000"/>
+                </a:solidFill>
+              </a:rPr>
+              <a:t>Connect the digital world to the physical world</a:t>
+            </a:r>
+          </a:p>
+          <a:p>
+            <a:pPr marL="285750" indent="-285750">
+              <a:spcBef>
+                <a:spcPts val="600"/>
+              </a:spcBef>
               <a:buFont typeface="Arial" panose="020B0604020202020204" pitchFamily="34" charset="0"/>
               <a:buChar char="•"/>
             </a:pPr>
@@ -8191,6 +9460,2386 @@
     <p:extLst>
       <p:ext uri="{BB962C8B-B14F-4D97-AF65-F5344CB8AC3E}">
         <p14:creationId xmlns:p14="http://schemas.microsoft.com/office/powerpoint/2010/main" val="1208691453"/>
+      </p:ext>
+    </p:extLst>
+  </p:cSld>
+  <p:clrMapOvr>
+    <a:masterClrMapping/>
+  </p:clrMapOvr>
+</p:sld>
+</file>
+
+<file path=ppt/slides/slide4.xml><?xml version="1.0" encoding="utf-8"?>
+<p:sld xmlns:a="http://schemas.openxmlformats.org/drawingml/2006/main" xmlns:r="http://schemas.openxmlformats.org/officeDocument/2006/relationships" xmlns:p="http://schemas.openxmlformats.org/presentationml/2006/main">
+  <p:cSld>
+    <p:spTree>
+      <p:nvGrpSpPr>
+        <p:cNvPr id="1" name=""/>
+        <p:cNvGrpSpPr/>
+        <p:nvPr/>
+      </p:nvGrpSpPr>
+      <p:grpSpPr>
+        <a:xfrm>
+          <a:off x="0" y="0"/>
+          <a:ext cx="0" cy="0"/>
+          <a:chOff x="0" y="0"/>
+          <a:chExt cx="0" cy="0"/>
+        </a:xfrm>
+      </p:grpSpPr>
+      <p:sp>
+        <p:nvSpPr>
+          <p:cNvPr id="2" name="Title 1"/>
+          <p:cNvSpPr>
+            <a:spLocks noGrp="1"/>
+          </p:cNvSpPr>
+          <p:nvPr>
+            <p:ph type="title"/>
+          </p:nvPr>
+        </p:nvSpPr>
+        <p:spPr>
+          <a:xfrm>
+            <a:off x="2593943" y="392291"/>
+            <a:ext cx="8911687" cy="406200"/>
+          </a:xfrm>
+        </p:spPr>
+        <p:txBody>
+          <a:bodyPr>
+            <a:normAutofit fontScale="90000"/>
+          </a:bodyPr>
+          <a:lstStyle/>
+          <a:p>
+            <a:r>
+              <a:rPr lang="en-US" dirty="0"/>
+              <a:t>Digital vs Analog</a:t>
+            </a:r>
+            <a:endParaRPr lang="en-GB" dirty="0"/>
+          </a:p>
+        </p:txBody>
+      </p:sp>
+      <p:sp>
+        <p:nvSpPr>
+          <p:cNvPr id="3" name="Text Placeholder 2"/>
+          <p:cNvSpPr>
+            <a:spLocks noGrp="1"/>
+          </p:cNvSpPr>
+          <p:nvPr>
+            <p:ph type="body" idx="1"/>
+          </p:nvPr>
+        </p:nvSpPr>
+        <p:spPr>
+          <a:xfrm>
+            <a:off x="1159098" y="1264365"/>
+            <a:ext cx="4420725" cy="576262"/>
+          </a:xfrm>
+        </p:spPr>
+        <p:txBody>
+          <a:bodyPr/>
+          <a:lstStyle/>
+          <a:p>
+            <a:r>
+              <a:rPr lang="en-US" dirty="0"/>
+              <a:t>Digital</a:t>
+            </a:r>
+            <a:endParaRPr lang="en-GB" dirty="0"/>
+          </a:p>
+        </p:txBody>
+      </p:sp>
+      <p:sp>
+        <p:nvSpPr>
+          <p:cNvPr id="4" name="Content Placeholder 3"/>
+          <p:cNvSpPr>
+            <a:spLocks noGrp="1"/>
+          </p:cNvSpPr>
+          <p:nvPr>
+            <p:ph sz="half" idx="2"/>
+          </p:nvPr>
+        </p:nvSpPr>
+        <p:spPr>
+          <a:xfrm>
+            <a:off x="1159097" y="2084275"/>
+            <a:ext cx="5138671" cy="3354060"/>
+          </a:xfrm>
+        </p:spPr>
+        <p:txBody>
+          <a:bodyPr/>
+          <a:lstStyle/>
+          <a:p>
+            <a:r>
+              <a:rPr lang="en-US" dirty="0"/>
+              <a:t>Discrete Voltage value to represent digit 0 and 1 (0V and 5V)</a:t>
+            </a:r>
+          </a:p>
+          <a:p>
+            <a:r>
+              <a:rPr lang="en-US" dirty="0"/>
+              <a:t>Only 0 or 1 value make sense</a:t>
+            </a:r>
+          </a:p>
+          <a:p>
+            <a:r>
+              <a:rPr lang="en-US" dirty="0"/>
+              <a:t>Computational language  - due to its precision and explicitness. </a:t>
+            </a:r>
+          </a:p>
+          <a:p>
+            <a:r>
+              <a:rPr lang="en-US" dirty="0"/>
+              <a:t>Convert to analog: DAC 10bit to (0 – 5V)</a:t>
+            </a:r>
+            <a:endParaRPr lang="en-GB" dirty="0"/>
+          </a:p>
+        </p:txBody>
+      </p:sp>
+      <p:sp>
+        <p:nvSpPr>
+          <p:cNvPr id="5" name="Text Placeholder 4"/>
+          <p:cNvSpPr>
+            <a:spLocks noGrp="1"/>
+          </p:cNvSpPr>
+          <p:nvPr>
+            <p:ph type="body" sz="quarter" idx="3"/>
+          </p:nvPr>
+        </p:nvSpPr>
+        <p:spPr>
+          <a:xfrm>
+            <a:off x="6658377" y="1264365"/>
+            <a:ext cx="4507581" cy="576262"/>
+          </a:xfrm>
+        </p:spPr>
+        <p:txBody>
+          <a:bodyPr/>
+          <a:lstStyle/>
+          <a:p>
+            <a:r>
+              <a:rPr lang="en-US" dirty="0"/>
+              <a:t>Analog</a:t>
+            </a:r>
+            <a:endParaRPr lang="en-GB" dirty="0"/>
+          </a:p>
+        </p:txBody>
+      </p:sp>
+      <p:sp>
+        <p:nvSpPr>
+          <p:cNvPr id="6" name="Content Placeholder 5"/>
+          <p:cNvSpPr>
+            <a:spLocks noGrp="1"/>
+          </p:cNvSpPr>
+          <p:nvPr>
+            <p:ph sz="quarter" idx="4"/>
+          </p:nvPr>
+        </p:nvSpPr>
+        <p:spPr>
+          <a:xfrm>
+            <a:off x="6297768" y="2084275"/>
+            <a:ext cx="5563673" cy="3354060"/>
+          </a:xfrm>
+        </p:spPr>
+        <p:txBody>
+          <a:bodyPr/>
+          <a:lstStyle/>
+          <a:p>
+            <a:r>
+              <a:rPr lang="en-US" dirty="0"/>
+              <a:t>Variant voltage or current (</a:t>
+            </a:r>
+            <a:r>
+              <a:rPr lang="en-US" dirty="0" err="1"/>
+              <a:t>etc</a:t>
+            </a:r>
+            <a:r>
+              <a:rPr lang="en-US" dirty="0"/>
+              <a:t>) value to show physical property (light, heat…)</a:t>
+            </a:r>
+          </a:p>
+          <a:p>
+            <a:r>
+              <a:rPr lang="en-US" dirty="0"/>
+              <a:t>All values make sense</a:t>
+            </a:r>
+          </a:p>
+          <a:p>
+            <a:r>
+              <a:rPr lang="en-US" dirty="0"/>
+              <a:t>Real world properties – human interaction and physical and electrical control</a:t>
+            </a:r>
+          </a:p>
+          <a:p>
+            <a:r>
+              <a:rPr lang="en-US" dirty="0"/>
+              <a:t>Convert to digital: ADC: (0 – 5V) to 10bit </a:t>
+            </a:r>
+            <a:endParaRPr lang="en-GB" dirty="0"/>
+          </a:p>
+        </p:txBody>
+      </p:sp>
+      <p:pic>
+        <p:nvPicPr>
+          <p:cNvPr id="7" name="Picture 6"/>
+          <p:cNvPicPr>
+            <a:picLocks noChangeAspect="1"/>
+          </p:cNvPicPr>
+          <p:nvPr/>
+        </p:nvPicPr>
+        <p:blipFill>
+          <a:blip r:embed="rId2"/>
+          <a:stretch>
+            <a:fillRect/>
+          </a:stretch>
+        </p:blipFill>
+        <p:spPr>
+          <a:xfrm>
+            <a:off x="2653423" y="4218184"/>
+            <a:ext cx="7288690" cy="2505935"/>
+          </a:xfrm>
+          <a:prstGeom prst="rect">
+            <a:avLst/>
+          </a:prstGeom>
+        </p:spPr>
+      </p:pic>
+    </p:spTree>
+    <p:extLst>
+      <p:ext uri="{BB962C8B-B14F-4D97-AF65-F5344CB8AC3E}">
+        <p14:creationId xmlns:p14="http://schemas.microsoft.com/office/powerpoint/2010/main" val="3347838588"/>
+      </p:ext>
+    </p:extLst>
+  </p:cSld>
+  <p:clrMapOvr>
+    <a:masterClrMapping/>
+  </p:clrMapOvr>
+</p:sld>
+</file>
+
+<file path=ppt/slides/slide5.xml><?xml version="1.0" encoding="utf-8"?>
+<p:sld xmlns:a="http://schemas.openxmlformats.org/drawingml/2006/main" xmlns:r="http://schemas.openxmlformats.org/officeDocument/2006/relationships" xmlns:p="http://schemas.openxmlformats.org/presentationml/2006/main">
+  <p:cSld>
+    <p:spTree>
+      <p:nvGrpSpPr>
+        <p:cNvPr id="1" name=""/>
+        <p:cNvGrpSpPr/>
+        <p:nvPr/>
+      </p:nvGrpSpPr>
+      <p:grpSpPr>
+        <a:xfrm>
+          <a:off x="0" y="0"/>
+          <a:ext cx="0" cy="0"/>
+          <a:chOff x="0" y="0"/>
+          <a:chExt cx="0" cy="0"/>
+        </a:xfrm>
+      </p:grpSpPr>
+      <p:pic>
+        <p:nvPicPr>
+          <p:cNvPr id="7" name="Picture 6"/>
+          <p:cNvPicPr>
+            <a:picLocks noChangeAspect="1"/>
+          </p:cNvPicPr>
+          <p:nvPr/>
+        </p:nvPicPr>
+        <p:blipFill>
+          <a:blip r:embed="rId2"/>
+          <a:stretch>
+            <a:fillRect/>
+          </a:stretch>
+        </p:blipFill>
+        <p:spPr>
+          <a:xfrm>
+            <a:off x="8026388" y="-222362"/>
+            <a:ext cx="2802338" cy="2547580"/>
+          </a:xfrm>
+          <a:prstGeom prst="rect">
+            <a:avLst/>
+          </a:prstGeom>
+        </p:spPr>
+      </p:pic>
+      <p:sp>
+        <p:nvSpPr>
+          <p:cNvPr id="2" name="Title 1"/>
+          <p:cNvSpPr>
+            <a:spLocks noGrp="1"/>
+          </p:cNvSpPr>
+          <p:nvPr>
+            <p:ph type="title"/>
+          </p:nvPr>
+        </p:nvSpPr>
+        <p:spPr>
+          <a:xfrm>
+            <a:off x="2476261" y="521079"/>
+            <a:ext cx="8911687" cy="534989"/>
+          </a:xfrm>
+        </p:spPr>
+        <p:txBody>
+          <a:bodyPr>
+            <a:normAutofit fontScale="90000"/>
+          </a:bodyPr>
+          <a:lstStyle/>
+          <a:p>
+            <a:r>
+              <a:rPr lang="en-US" dirty="0"/>
+              <a:t>Arduino vs Raspberry Pi</a:t>
+            </a:r>
+            <a:endParaRPr lang="en-GB" dirty="0"/>
+          </a:p>
+        </p:txBody>
+      </p:sp>
+      <p:sp>
+        <p:nvSpPr>
+          <p:cNvPr id="3" name="Text Placeholder 2"/>
+          <p:cNvSpPr>
+            <a:spLocks noGrp="1"/>
+          </p:cNvSpPr>
+          <p:nvPr>
+            <p:ph type="body" idx="1"/>
+          </p:nvPr>
+        </p:nvSpPr>
+        <p:spPr>
+          <a:xfrm>
+            <a:off x="1123452" y="1051428"/>
+            <a:ext cx="3992732" cy="576262"/>
+          </a:xfrm>
+        </p:spPr>
+        <p:txBody>
+          <a:bodyPr/>
+          <a:lstStyle/>
+          <a:p>
+            <a:r>
+              <a:rPr lang="en-US" dirty="0"/>
+              <a:t>Arduino</a:t>
+            </a:r>
+            <a:endParaRPr lang="en-GB" dirty="0"/>
+          </a:p>
+        </p:txBody>
+      </p:sp>
+      <p:sp>
+        <p:nvSpPr>
+          <p:cNvPr id="4" name="Content Placeholder 3"/>
+          <p:cNvSpPr>
+            <a:spLocks noGrp="1"/>
+          </p:cNvSpPr>
+          <p:nvPr>
+            <p:ph sz="half" idx="2"/>
+          </p:nvPr>
+        </p:nvSpPr>
+        <p:spPr>
+          <a:xfrm>
+            <a:off x="1123451" y="1725145"/>
+            <a:ext cx="4992259" cy="4366561"/>
+          </a:xfrm>
+        </p:spPr>
+        <p:txBody>
+          <a:bodyPr>
+            <a:normAutofit/>
+          </a:bodyPr>
+          <a:lstStyle/>
+          <a:p>
+            <a:r>
+              <a:rPr lang="en-US" b="1" dirty="0"/>
+              <a:t>CPU:  	16MHz		RAM:	2KB</a:t>
+            </a:r>
+          </a:p>
+          <a:p>
+            <a:r>
+              <a:rPr lang="en-US" b="1" dirty="0"/>
+              <a:t>Memory:	Built-in flash memory (32KB)</a:t>
+            </a:r>
+          </a:p>
+          <a:p>
+            <a:r>
+              <a:rPr lang="en-US" b="1" dirty="0"/>
+              <a:t>IO Pin: 	 20 (both Digital &amp; Analog) </a:t>
+            </a:r>
+            <a:r>
+              <a:rPr lang="en-US" b="1" dirty="0">
+                <a:solidFill>
+                  <a:srgbClr val="FF0000"/>
+                </a:solidFill>
+              </a:rPr>
+              <a:t>5V</a:t>
+            </a:r>
+          </a:p>
+          <a:p>
+            <a:r>
+              <a:rPr lang="en-US" b="1" dirty="0"/>
+              <a:t>Software: NO</a:t>
+            </a:r>
+          </a:p>
+          <a:p>
+            <a:r>
+              <a:rPr lang="en-US" b="1" dirty="0"/>
+              <a:t>Price:	Cheap</a:t>
+            </a:r>
+          </a:p>
+          <a:p>
+            <a:pPr algn="just"/>
+            <a:r>
+              <a:rPr lang="en-US" b="1" dirty="0">
+                <a:solidFill>
+                  <a:srgbClr val="00B050"/>
+                </a:solidFill>
+              </a:rPr>
+              <a:t>Good</a:t>
+            </a:r>
+            <a:r>
+              <a:rPr lang="en-US" dirty="0"/>
+              <a:t>:	Control electrical component (sensor, motors…), work with digital and analog signals, making robot, prototyping IOT</a:t>
+            </a:r>
+          </a:p>
+          <a:p>
+            <a:pPr algn="just"/>
+            <a:r>
+              <a:rPr lang="en-US" b="1" dirty="0">
+                <a:solidFill>
+                  <a:srgbClr val="FF0000"/>
+                </a:solidFill>
+              </a:rPr>
+              <a:t>Bad</a:t>
+            </a:r>
+            <a:r>
+              <a:rPr lang="en-US" dirty="0"/>
+              <a:t>:		Slow, low memory, limit computational power.</a:t>
+            </a:r>
+            <a:endParaRPr lang="en-GB" dirty="0"/>
+          </a:p>
+        </p:txBody>
+      </p:sp>
+      <p:sp>
+        <p:nvSpPr>
+          <p:cNvPr id="5" name="Text Placeholder 4"/>
+          <p:cNvSpPr>
+            <a:spLocks noGrp="1"/>
+          </p:cNvSpPr>
+          <p:nvPr>
+            <p:ph type="body" sz="quarter" idx="3"/>
+          </p:nvPr>
+        </p:nvSpPr>
+        <p:spPr>
+          <a:xfrm>
+            <a:off x="6115710" y="1056068"/>
+            <a:ext cx="3999001" cy="576262"/>
+          </a:xfrm>
+        </p:spPr>
+        <p:txBody>
+          <a:bodyPr/>
+          <a:lstStyle/>
+          <a:p>
+            <a:r>
+              <a:rPr lang="en-US" dirty="0"/>
+              <a:t>Raspberry Pi</a:t>
+            </a:r>
+            <a:endParaRPr lang="en-GB" dirty="0"/>
+          </a:p>
+        </p:txBody>
+      </p:sp>
+      <p:sp>
+        <p:nvSpPr>
+          <p:cNvPr id="6" name="Content Placeholder 5"/>
+          <p:cNvSpPr>
+            <a:spLocks noGrp="1"/>
+          </p:cNvSpPr>
+          <p:nvPr>
+            <p:ph sz="quarter" idx="4"/>
+          </p:nvPr>
+        </p:nvSpPr>
+        <p:spPr>
+          <a:xfrm>
+            <a:off x="6115710" y="1725146"/>
+            <a:ext cx="5272237" cy="4366560"/>
+          </a:xfrm>
+        </p:spPr>
+        <p:txBody>
+          <a:bodyPr/>
+          <a:lstStyle/>
+          <a:p>
+            <a:r>
+              <a:rPr lang="en-US" b="1" dirty="0"/>
+              <a:t>CPU: 	ARM 1.2GHz		RAM:	1GB</a:t>
+            </a:r>
+          </a:p>
+          <a:p>
+            <a:r>
+              <a:rPr lang="en-US" b="1" dirty="0"/>
+              <a:t>Memory:	MicroSD card</a:t>
+            </a:r>
+          </a:p>
+          <a:p>
+            <a:r>
+              <a:rPr lang="en-US" b="1" dirty="0"/>
+              <a:t>IO Pin:	40 (digital only) </a:t>
+            </a:r>
+            <a:r>
+              <a:rPr lang="en-US" b="1" dirty="0">
+                <a:solidFill>
+                  <a:srgbClr val="FF0000"/>
+                </a:solidFill>
+              </a:rPr>
+              <a:t>3.3V</a:t>
+            </a:r>
+          </a:p>
+          <a:p>
+            <a:r>
+              <a:rPr lang="en-US" b="1" dirty="0"/>
+              <a:t>Software: LINUX ( </a:t>
+            </a:r>
+            <a:r>
+              <a:rPr lang="en-US" b="1" dirty="0" err="1"/>
+              <a:t>Debian</a:t>
+            </a:r>
+            <a:r>
+              <a:rPr lang="en-US" b="1" dirty="0"/>
+              <a:t>-based)</a:t>
+            </a:r>
+          </a:p>
+          <a:p>
+            <a:r>
+              <a:rPr lang="en-US" b="1" dirty="0"/>
+              <a:t>Price:	More expensive</a:t>
+            </a:r>
+          </a:p>
+          <a:p>
+            <a:pPr algn="just"/>
+            <a:r>
+              <a:rPr lang="en-US" b="1" dirty="0">
+                <a:solidFill>
+                  <a:srgbClr val="00B050"/>
+                </a:solidFill>
+              </a:rPr>
+              <a:t>Good</a:t>
+            </a:r>
+            <a:r>
+              <a:rPr lang="en-US" dirty="0"/>
+              <a:t>:	compact computer with all features &amp; connection, fast, more memory for intensive computational process, low-voltage IOT project.</a:t>
+            </a:r>
+          </a:p>
+          <a:p>
+            <a:pPr algn="just"/>
+            <a:r>
+              <a:rPr lang="en-US" b="1" dirty="0">
+                <a:solidFill>
+                  <a:srgbClr val="FF0000"/>
+                </a:solidFill>
+              </a:rPr>
+              <a:t>Bad</a:t>
+            </a:r>
+            <a:r>
+              <a:rPr lang="en-US" dirty="0"/>
+              <a:t>:		Low voltage(3.3V), lack of analog process, </a:t>
+            </a:r>
+          </a:p>
+        </p:txBody>
+      </p:sp>
+    </p:spTree>
+    <p:extLst>
+      <p:ext uri="{BB962C8B-B14F-4D97-AF65-F5344CB8AC3E}">
+        <p14:creationId xmlns:p14="http://schemas.microsoft.com/office/powerpoint/2010/main" val="2290464425"/>
+      </p:ext>
+    </p:extLst>
+  </p:cSld>
+  <p:clrMapOvr>
+    <a:masterClrMapping/>
+  </p:clrMapOvr>
+</p:sld>
+</file>
+
+<file path=ppt/slides/slide6.xml><?xml version="1.0" encoding="utf-8"?>
+<p:sld xmlns:a="http://schemas.openxmlformats.org/drawingml/2006/main" xmlns:r="http://schemas.openxmlformats.org/officeDocument/2006/relationships" xmlns:p="http://schemas.openxmlformats.org/presentationml/2006/main">
+  <p:cSld>
+    <p:spTree>
+      <p:nvGrpSpPr>
+        <p:cNvPr id="1" name=""/>
+        <p:cNvGrpSpPr/>
+        <p:nvPr/>
+      </p:nvGrpSpPr>
+      <p:grpSpPr>
+        <a:xfrm>
+          <a:off x="0" y="0"/>
+          <a:ext cx="0" cy="0"/>
+          <a:chOff x="0" y="0"/>
+          <a:chExt cx="0" cy="0"/>
+        </a:xfrm>
+      </p:grpSpPr>
+      <p:sp>
+        <p:nvSpPr>
+          <p:cNvPr id="2" name="Title 1"/>
+          <p:cNvSpPr>
+            <a:spLocks noGrp="1"/>
+          </p:cNvSpPr>
+          <p:nvPr>
+            <p:ph type="title"/>
+          </p:nvPr>
+        </p:nvSpPr>
+        <p:spPr/>
+        <p:txBody>
+          <a:bodyPr/>
+          <a:lstStyle/>
+          <a:p>
+            <a:r>
+              <a:rPr lang="en-US" dirty="0"/>
+              <a:t>Installation</a:t>
+            </a:r>
+            <a:endParaRPr lang="en-GB" dirty="0"/>
+          </a:p>
+        </p:txBody>
+      </p:sp>
+      <p:sp>
+        <p:nvSpPr>
+          <p:cNvPr id="3" name="Content Placeholder 2"/>
+          <p:cNvSpPr>
+            <a:spLocks noGrp="1"/>
+          </p:cNvSpPr>
+          <p:nvPr>
+            <p:ph idx="1"/>
+          </p:nvPr>
+        </p:nvSpPr>
+        <p:spPr/>
+        <p:txBody>
+          <a:bodyPr/>
+          <a:lstStyle/>
+          <a:p>
+            <a:r>
+              <a:rPr lang="en-US" dirty="0"/>
+              <a:t>Real Arduino and the Arduino IDE</a:t>
+            </a:r>
+          </a:p>
+          <a:p>
+            <a:pPr lvl="1"/>
+            <a:r>
+              <a:rPr lang="en-US" dirty="0"/>
+              <a:t>IDE: </a:t>
+            </a:r>
+            <a:r>
+              <a:rPr lang="en-US" dirty="0">
+                <a:hlinkClick r:id="rId2"/>
+              </a:rPr>
+              <a:t>https://www.arduino.cc/en/Main/Software</a:t>
+            </a:r>
+            <a:endParaRPr lang="en-US" dirty="0"/>
+          </a:p>
+          <a:p>
+            <a:pPr lvl="1"/>
+            <a:r>
+              <a:rPr lang="en-US" dirty="0"/>
+              <a:t>Visual Studio + Arduino: </a:t>
+            </a:r>
+            <a:r>
+              <a:rPr lang="en-US" dirty="0">
+                <a:hlinkClick r:id="rId3"/>
+              </a:rPr>
+              <a:t>http://www.visualmicro.com/</a:t>
+            </a:r>
+            <a:endParaRPr lang="en-US" dirty="0"/>
+          </a:p>
+          <a:p>
+            <a:pPr lvl="1"/>
+            <a:r>
+              <a:rPr lang="en-US" dirty="0" err="1"/>
+              <a:t>Plaformio</a:t>
+            </a:r>
+            <a:r>
+              <a:rPr lang="en-US" dirty="0"/>
+              <a:t> – Arduino with ATOM text editor: </a:t>
+            </a:r>
+            <a:r>
+              <a:rPr lang="en-US" dirty="0">
+                <a:hlinkClick r:id="rId4"/>
+              </a:rPr>
+              <a:t>http://platformio.org/</a:t>
+            </a:r>
+            <a:endParaRPr lang="en-US" dirty="0"/>
+          </a:p>
+          <a:p>
+            <a:r>
+              <a:rPr lang="en-US" dirty="0"/>
+              <a:t>Virtually on the web: </a:t>
+            </a:r>
+          </a:p>
+          <a:p>
+            <a:pPr lvl="1"/>
+            <a:r>
+              <a:rPr lang="en-US" dirty="0"/>
+              <a:t>https://circuits.io/</a:t>
+            </a:r>
+            <a:endParaRPr lang="en-GB" dirty="0"/>
+          </a:p>
+        </p:txBody>
+      </p:sp>
+    </p:spTree>
+    <p:extLst>
+      <p:ext uri="{BB962C8B-B14F-4D97-AF65-F5344CB8AC3E}">
+        <p14:creationId xmlns:p14="http://schemas.microsoft.com/office/powerpoint/2010/main" val="1290168856"/>
+      </p:ext>
+    </p:extLst>
+  </p:cSld>
+  <p:clrMapOvr>
+    <a:masterClrMapping/>
+  </p:clrMapOvr>
+</p:sld>
+</file>
+
+<file path=ppt/slides/slide7.xml><?xml version="1.0" encoding="utf-8"?>
+<p:sld xmlns:a="http://schemas.openxmlformats.org/drawingml/2006/main" xmlns:r="http://schemas.openxmlformats.org/officeDocument/2006/relationships" xmlns:p="http://schemas.openxmlformats.org/presentationml/2006/main">
+  <p:cSld>
+    <p:spTree>
+      <p:nvGrpSpPr>
+        <p:cNvPr id="1" name=""/>
+        <p:cNvGrpSpPr/>
+        <p:nvPr/>
+      </p:nvGrpSpPr>
+      <p:grpSpPr>
+        <a:xfrm>
+          <a:off x="0" y="0"/>
+          <a:ext cx="0" cy="0"/>
+          <a:chOff x="0" y="0"/>
+          <a:chExt cx="0" cy="0"/>
+        </a:xfrm>
+      </p:grpSpPr>
+      <p:sp useBgFill="1">
+        <p:nvSpPr>
+          <p:cNvPr id="6" name="Rectangle 5"/>
+          <p:cNvSpPr>
+            <a:spLocks noGrp="1" noRot="1" noChangeAspect="1" noMove="1" noResize="1" noEditPoints="1" noAdjustHandles="1" noChangeArrowheads="1" noChangeShapeType="1" noTextEdit="1"/>
+          </p:cNvSpPr>
+          <p:nvPr>
+            <p:extLst>
+              <p:ext uri="{386F3935-93C4-4BCD-93E2-E3B085C9AB24}">
+                <p16:designElem xmlns:p16="http://schemas.microsoft.com/office/powerpoint/2015/main" val="1"/>
+              </p:ext>
+            </p:extLst>
+          </p:nvPr>
+        </p:nvSpPr>
+        <p:spPr>
+          <a:xfrm>
+            <a:off x="0" y="-1"/>
+            <a:ext cx="12188952" cy="6858001"/>
+          </a:xfrm>
+          <a:prstGeom prst="rect">
+            <a:avLst/>
+          </a:prstGeom>
+          <a:ln>
+            <a:noFill/>
+          </a:ln>
+        </p:spPr>
+        <p:style>
+          <a:lnRef idx="2">
+            <a:schemeClr val="accent1">
+              <a:shade val="50000"/>
+            </a:schemeClr>
+          </a:lnRef>
+          <a:fillRef idx="1">
+            <a:schemeClr val="accent1"/>
+          </a:fillRef>
+          <a:effectRef idx="0">
+            <a:schemeClr val="accent1"/>
+          </a:effectRef>
+          <a:fontRef idx="minor">
+            <a:schemeClr val="lt1"/>
+          </a:fontRef>
+        </p:style>
+        <p:txBody>
+          <a:bodyPr rot="0" spcFirstLastPara="0" vert="horz" wrap="square" lIns="91440" tIns="45720" rIns="91440" bIns="45720" numCol="1" spcCol="0" rtlCol="0" fromWordArt="0" anchor="ctr" anchorCtr="0" forceAA="0" compatLnSpc="1">
+            <a:prstTxWarp prst="textNoShape">
+              <a:avLst/>
+            </a:prstTxWarp>
+            <a:noAutofit/>
+          </a:bodyPr>
+          <a:lstStyle>
+            <a:defPPr>
+              <a:defRPr lang="en-US"/>
+            </a:defPPr>
+            <a:lvl1pPr marL="0" algn="l" defTabSz="914400" rtl="0" eaLnBrk="1" latinLnBrk="0" hangingPunct="1">
+              <a:defRPr sz="1800" kern="1200">
+                <a:solidFill>
+                  <a:schemeClr val="lt1"/>
+                </a:solidFill>
+                <a:latin typeface="+mn-lt"/>
+                <a:ea typeface="+mn-ea"/>
+                <a:cs typeface="+mn-cs"/>
+              </a:defRPr>
+            </a:lvl1pPr>
+            <a:lvl2pPr marL="457200" algn="l" defTabSz="914400" rtl="0" eaLnBrk="1" latinLnBrk="0" hangingPunct="1">
+              <a:defRPr sz="1800" kern="1200">
+                <a:solidFill>
+                  <a:schemeClr val="lt1"/>
+                </a:solidFill>
+                <a:latin typeface="+mn-lt"/>
+                <a:ea typeface="+mn-ea"/>
+                <a:cs typeface="+mn-cs"/>
+              </a:defRPr>
+            </a:lvl2pPr>
+            <a:lvl3pPr marL="914400" algn="l" defTabSz="914400" rtl="0" eaLnBrk="1" latinLnBrk="0" hangingPunct="1">
+              <a:defRPr sz="1800" kern="1200">
+                <a:solidFill>
+                  <a:schemeClr val="lt1"/>
+                </a:solidFill>
+                <a:latin typeface="+mn-lt"/>
+                <a:ea typeface="+mn-ea"/>
+                <a:cs typeface="+mn-cs"/>
+              </a:defRPr>
+            </a:lvl3pPr>
+            <a:lvl4pPr marL="1371600" algn="l" defTabSz="914400" rtl="0" eaLnBrk="1" latinLnBrk="0" hangingPunct="1">
+              <a:defRPr sz="1800" kern="1200">
+                <a:solidFill>
+                  <a:schemeClr val="lt1"/>
+                </a:solidFill>
+                <a:latin typeface="+mn-lt"/>
+                <a:ea typeface="+mn-ea"/>
+                <a:cs typeface="+mn-cs"/>
+              </a:defRPr>
+            </a:lvl4pPr>
+            <a:lvl5pPr marL="1828800" algn="l" defTabSz="914400" rtl="0" eaLnBrk="1" latinLnBrk="0" hangingPunct="1">
+              <a:defRPr sz="1800" kern="1200">
+                <a:solidFill>
+                  <a:schemeClr val="lt1"/>
+                </a:solidFill>
+                <a:latin typeface="+mn-lt"/>
+                <a:ea typeface="+mn-ea"/>
+                <a:cs typeface="+mn-cs"/>
+              </a:defRPr>
+            </a:lvl5pPr>
+            <a:lvl6pPr marL="2286000" algn="l" defTabSz="914400" rtl="0" eaLnBrk="1" latinLnBrk="0" hangingPunct="1">
+              <a:defRPr sz="1800" kern="1200">
+                <a:solidFill>
+                  <a:schemeClr val="lt1"/>
+                </a:solidFill>
+                <a:latin typeface="+mn-lt"/>
+                <a:ea typeface="+mn-ea"/>
+                <a:cs typeface="+mn-cs"/>
+              </a:defRPr>
+            </a:lvl6pPr>
+            <a:lvl7pPr marL="2743200" algn="l" defTabSz="914400" rtl="0" eaLnBrk="1" latinLnBrk="0" hangingPunct="1">
+              <a:defRPr sz="1800" kern="1200">
+                <a:solidFill>
+                  <a:schemeClr val="lt1"/>
+                </a:solidFill>
+                <a:latin typeface="+mn-lt"/>
+                <a:ea typeface="+mn-ea"/>
+                <a:cs typeface="+mn-cs"/>
+              </a:defRPr>
+            </a:lvl7pPr>
+            <a:lvl8pPr marL="3200400" algn="l" defTabSz="914400" rtl="0" eaLnBrk="1" latinLnBrk="0" hangingPunct="1">
+              <a:defRPr sz="1800" kern="1200">
+                <a:solidFill>
+                  <a:schemeClr val="lt1"/>
+                </a:solidFill>
+                <a:latin typeface="+mn-lt"/>
+                <a:ea typeface="+mn-ea"/>
+                <a:cs typeface="+mn-cs"/>
+              </a:defRPr>
+            </a:lvl8pPr>
+            <a:lvl9pPr marL="3657600" algn="l" defTabSz="914400" rtl="0" eaLnBrk="1" latinLnBrk="0" hangingPunct="1">
+              <a:defRPr sz="1800" kern="1200">
+                <a:solidFill>
+                  <a:schemeClr val="lt1"/>
+                </a:solidFill>
+                <a:latin typeface="+mn-lt"/>
+                <a:ea typeface="+mn-ea"/>
+                <a:cs typeface="+mn-cs"/>
+              </a:defRPr>
+            </a:lvl9pPr>
+          </a:lstStyle>
+          <a:p>
+            <a:pPr algn="ctr"/>
+            <a:endParaRPr lang="en-US"/>
+          </a:p>
+        </p:txBody>
+      </p:sp>
+      <p:sp>
+        <p:nvSpPr>
+          <p:cNvPr id="7" name="Rectangle 6"/>
+          <p:cNvSpPr>
+            <a:spLocks noGrp="1" noRot="1" noChangeAspect="1" noMove="1" noResize="1" noEditPoints="1" noAdjustHandles="1" noChangeArrowheads="1" noChangeShapeType="1" noTextEdit="1"/>
+          </p:cNvSpPr>
+          <p:nvPr>
+            <p:extLst>
+              <p:ext uri="{386F3935-93C4-4BCD-93E2-E3B085C9AB24}">
+                <p16:designElem xmlns:p16="http://schemas.microsoft.com/office/powerpoint/2015/main" val="1"/>
+              </p:ext>
+            </p:extLst>
+          </p:nvPr>
+        </p:nvSpPr>
+        <p:spPr>
+          <a:xfrm>
+            <a:off x="0" y="0"/>
+            <a:ext cx="182880" cy="6858000"/>
+          </a:xfrm>
+          <a:prstGeom prst="rect">
+            <a:avLst/>
+          </a:prstGeom>
+          <a:solidFill>
+            <a:schemeClr val="tx2"/>
+          </a:solidFill>
+          <a:ln>
+            <a:noFill/>
+          </a:ln>
+          <a:effectLst/>
+        </p:spPr>
+        <p:style>
+          <a:lnRef idx="1">
+            <a:schemeClr val="accent1"/>
+          </a:lnRef>
+          <a:fillRef idx="3">
+            <a:schemeClr val="accent1"/>
+          </a:fillRef>
+          <a:effectRef idx="2">
+            <a:schemeClr val="accent1"/>
+          </a:effectRef>
+          <a:fontRef idx="minor">
+            <a:schemeClr val="lt1"/>
+          </a:fontRef>
+        </p:style>
+      </p:sp>
+      <p:pic>
+        <p:nvPicPr>
+          <p:cNvPr id="4" name="Picture 3"/>
+          <p:cNvPicPr>
+            <a:picLocks noChangeAspect="1"/>
+          </p:cNvPicPr>
+          <p:nvPr/>
+        </p:nvPicPr>
+        <p:blipFill rotWithShape="1">
+          <a:blip r:embed="rId2"/>
+          <a:srcRect r="6781"/>
+          <a:stretch/>
+        </p:blipFill>
+        <p:spPr>
+          <a:xfrm>
+            <a:off x="5718219" y="1807627"/>
+            <a:ext cx="5988677" cy="4085226"/>
+          </a:xfrm>
+          <a:prstGeom prst="rect">
+            <a:avLst/>
+          </a:prstGeom>
+        </p:spPr>
+      </p:pic>
+      <p:sp>
+        <p:nvSpPr>
+          <p:cNvPr id="8" name="Freeform 14"/>
+          <p:cNvSpPr>
+            <a:spLocks noGrp="1" noRot="1" noChangeAspect="1" noMove="1" noResize="1" noEditPoints="1" noAdjustHandles="1" noChangeArrowheads="1" noChangeShapeType="1" noTextEdit="1"/>
+          </p:cNvSpPr>
+          <p:nvPr>
+            <p:extLst>
+              <p:ext uri="{386F3935-93C4-4BCD-93E2-E3B085C9AB24}">
+                <p16:designElem xmlns:p16="http://schemas.microsoft.com/office/powerpoint/2015/main" val="1"/>
+              </p:ext>
+            </p:extLst>
+          </p:nvPr>
+        </p:nvSpPr>
+        <p:spPr>
+          <a:xfrm>
+            <a:off x="-1" y="6061223"/>
+            <a:ext cx="1038036" cy="506277"/>
+          </a:xfrm>
+          <a:custGeom>
+            <a:avLst/>
+            <a:gdLst>
+              <a:gd name="connsiteX0" fmla="*/ 0 w 1038036"/>
+              <a:gd name="connsiteY0" fmla="*/ 0 h 506277"/>
+              <a:gd name="connsiteX1" fmla="*/ 182880 w 1038036"/>
+              <a:gd name="connsiteY1" fmla="*/ 0 h 506277"/>
+              <a:gd name="connsiteX2" fmla="*/ 291705 w 1038036"/>
+              <a:gd name="connsiteY2" fmla="*/ 0 h 506277"/>
+              <a:gd name="connsiteX3" fmla="*/ 291705 w 1038036"/>
+              <a:gd name="connsiteY3" fmla="*/ 151 h 506277"/>
+              <a:gd name="connsiteX4" fmla="*/ 692049 w 1038036"/>
+              <a:gd name="connsiteY4" fmla="*/ 705 h 506277"/>
+              <a:gd name="connsiteX5" fmla="*/ 782744 w 1038036"/>
+              <a:gd name="connsiteY5" fmla="*/ 705 h 506277"/>
+              <a:gd name="connsiteX6" fmla="*/ 797001 w 1038036"/>
+              <a:gd name="connsiteY6" fmla="*/ 5473 h 506277"/>
+              <a:gd name="connsiteX7" fmla="*/ 801982 w 1038036"/>
+              <a:gd name="connsiteY7" fmla="*/ 10242 h 506277"/>
+              <a:gd name="connsiteX8" fmla="*/ 1030951 w 1038036"/>
+              <a:gd name="connsiteY8" fmla="*/ 239185 h 506277"/>
+              <a:gd name="connsiteX9" fmla="*/ 1030951 w 1038036"/>
+              <a:gd name="connsiteY9" fmla="*/ 267797 h 506277"/>
+              <a:gd name="connsiteX10" fmla="*/ 801982 w 1038036"/>
+              <a:gd name="connsiteY10" fmla="*/ 496740 h 506277"/>
+              <a:gd name="connsiteX11" fmla="*/ 797001 w 1038036"/>
+              <a:gd name="connsiteY11" fmla="*/ 501508 h 506277"/>
+              <a:gd name="connsiteX12" fmla="*/ 782744 w 1038036"/>
+              <a:gd name="connsiteY12" fmla="*/ 506277 h 506277"/>
+              <a:gd name="connsiteX13" fmla="*/ 692049 w 1038036"/>
+              <a:gd name="connsiteY13" fmla="*/ 506277 h 506277"/>
+              <a:gd name="connsiteX14" fmla="*/ 291705 w 1038036"/>
+              <a:gd name="connsiteY14" fmla="*/ 505140 h 506277"/>
+              <a:gd name="connsiteX15" fmla="*/ 291705 w 1038036"/>
+              <a:gd name="connsiteY15" fmla="*/ 506277 h 506277"/>
+              <a:gd name="connsiteX16" fmla="*/ 0 w 1038036"/>
+              <a:gd name="connsiteY16" fmla="*/ 506277 h 506277"/>
+            </a:gdLst>
+            <a:ahLst/>
+            <a:cxnLst>
+              <a:cxn ang="0">
+                <a:pos x="connsiteX0" y="connsiteY0"/>
+              </a:cxn>
+              <a:cxn ang="0">
+                <a:pos x="connsiteX1" y="connsiteY1"/>
+              </a:cxn>
+              <a:cxn ang="0">
+                <a:pos x="connsiteX2" y="connsiteY2"/>
+              </a:cxn>
+              <a:cxn ang="0">
+                <a:pos x="connsiteX3" y="connsiteY3"/>
+              </a:cxn>
+              <a:cxn ang="0">
+                <a:pos x="connsiteX4" y="connsiteY4"/>
+              </a:cxn>
+              <a:cxn ang="0">
+                <a:pos x="connsiteX5" y="connsiteY5"/>
+              </a:cxn>
+              <a:cxn ang="0">
+                <a:pos x="connsiteX6" y="connsiteY6"/>
+              </a:cxn>
+              <a:cxn ang="0">
+                <a:pos x="connsiteX7" y="connsiteY7"/>
+              </a:cxn>
+              <a:cxn ang="0">
+                <a:pos x="connsiteX8" y="connsiteY8"/>
+              </a:cxn>
+              <a:cxn ang="0">
+                <a:pos x="connsiteX9" y="connsiteY9"/>
+              </a:cxn>
+              <a:cxn ang="0">
+                <a:pos x="connsiteX10" y="connsiteY10"/>
+              </a:cxn>
+              <a:cxn ang="0">
+                <a:pos x="connsiteX11" y="connsiteY11"/>
+              </a:cxn>
+              <a:cxn ang="0">
+                <a:pos x="connsiteX12" y="connsiteY12"/>
+              </a:cxn>
+              <a:cxn ang="0">
+                <a:pos x="connsiteX13" y="connsiteY13"/>
+              </a:cxn>
+              <a:cxn ang="0">
+                <a:pos x="connsiteX14" y="connsiteY14"/>
+              </a:cxn>
+              <a:cxn ang="0">
+                <a:pos x="connsiteX15" y="connsiteY15"/>
+              </a:cxn>
+              <a:cxn ang="0">
+                <a:pos x="connsiteX16" y="connsiteY16"/>
+              </a:cxn>
+            </a:cxnLst>
+            <a:rect l="l" t="t" r="r" b="b"/>
+            <a:pathLst>
+              <a:path w="1038036" h="506277">
+                <a:moveTo>
+                  <a:pt x="0" y="0"/>
+                </a:moveTo>
+                <a:lnTo>
+                  <a:pt x="182880" y="0"/>
+                </a:lnTo>
+                <a:lnTo>
+                  <a:pt x="291705" y="0"/>
+                </a:lnTo>
+                <a:lnTo>
+                  <a:pt x="291705" y="151"/>
+                </a:lnTo>
+                <a:lnTo>
+                  <a:pt x="692049" y="705"/>
+                </a:lnTo>
+                <a:lnTo>
+                  <a:pt x="782744" y="705"/>
+                </a:lnTo>
+                <a:cubicBezTo>
+                  <a:pt x="787553" y="705"/>
+                  <a:pt x="792363" y="5473"/>
+                  <a:pt x="797001" y="5473"/>
+                </a:cubicBezTo>
+                <a:cubicBezTo>
+                  <a:pt x="797001" y="10242"/>
+                  <a:pt x="801982" y="10242"/>
+                  <a:pt x="801982" y="10242"/>
+                </a:cubicBezTo>
+                <a:lnTo>
+                  <a:pt x="1030951" y="239185"/>
+                </a:lnTo>
+                <a:cubicBezTo>
+                  <a:pt x="1040398" y="248722"/>
+                  <a:pt x="1040398" y="258259"/>
+                  <a:pt x="1030951" y="267797"/>
+                </a:cubicBezTo>
+                <a:lnTo>
+                  <a:pt x="801982" y="496740"/>
+                </a:lnTo>
+                <a:cubicBezTo>
+                  <a:pt x="800436" y="498363"/>
+                  <a:pt x="798547" y="499885"/>
+                  <a:pt x="797001" y="501508"/>
+                </a:cubicBezTo>
+                <a:cubicBezTo>
+                  <a:pt x="792363" y="506277"/>
+                  <a:pt x="787553" y="506277"/>
+                  <a:pt x="782744" y="506277"/>
+                </a:cubicBezTo>
+                <a:lnTo>
+                  <a:pt x="692049" y="506277"/>
+                </a:lnTo>
+                <a:lnTo>
+                  <a:pt x="291705" y="505140"/>
+                </a:lnTo>
+                <a:lnTo>
+                  <a:pt x="291705" y="506277"/>
+                </a:lnTo>
+                <a:lnTo>
+                  <a:pt x="0" y="506277"/>
+                </a:lnTo>
+                <a:close/>
+              </a:path>
+            </a:pathLst>
+          </a:custGeom>
+          <a:ln>
+            <a:noFill/>
+          </a:ln>
+        </p:spPr>
+        <p:style>
+          <a:lnRef idx="2">
+            <a:schemeClr val="accent1">
+              <a:shade val="50000"/>
+            </a:schemeClr>
+          </a:lnRef>
+          <a:fillRef idx="1">
+            <a:schemeClr val="accent1"/>
+          </a:fillRef>
+          <a:effectRef idx="0">
+            <a:schemeClr val="accent1"/>
+          </a:effectRef>
+          <a:fontRef idx="minor">
+            <a:schemeClr val="lt1"/>
+          </a:fontRef>
+        </p:style>
+        <p:txBody>
+          <a:bodyPr rtlCol="0" anchor="ctr"/>
+          <a:lstStyle/>
+          <a:p>
+            <a:pPr algn="ctr"/>
+            <a:endParaRPr lang="en-US"/>
+          </a:p>
+        </p:txBody>
+      </p:sp>
+      <p:sp>
+        <p:nvSpPr>
+          <p:cNvPr id="2" name="Title 1"/>
+          <p:cNvSpPr>
+            <a:spLocks noGrp="1"/>
+          </p:cNvSpPr>
+          <p:nvPr>
+            <p:ph type="title"/>
+          </p:nvPr>
+        </p:nvSpPr>
+        <p:spPr>
+          <a:xfrm>
+            <a:off x="649224" y="645106"/>
+            <a:ext cx="9550844" cy="523347"/>
+          </a:xfrm>
+        </p:spPr>
+        <p:txBody>
+          <a:bodyPr>
+            <a:normAutofit/>
+          </a:bodyPr>
+          <a:lstStyle/>
+          <a:p>
+            <a:pPr>
+              <a:lnSpc>
+                <a:spcPct val="90000"/>
+              </a:lnSpc>
+            </a:pPr>
+            <a:r>
+              <a:rPr lang="en-US" sz="3100" dirty="0"/>
+              <a:t>Tutorial 0  - C/C++ - more and less</a:t>
+            </a:r>
+            <a:endParaRPr lang="en-GB" sz="3100" dirty="0"/>
+          </a:p>
+        </p:txBody>
+      </p:sp>
+      <p:sp>
+        <p:nvSpPr>
+          <p:cNvPr id="3" name="Content Placeholder 2"/>
+          <p:cNvSpPr>
+            <a:spLocks noGrp="1"/>
+          </p:cNvSpPr>
+          <p:nvPr>
+            <p:ph idx="1"/>
+          </p:nvPr>
+        </p:nvSpPr>
+        <p:spPr>
+          <a:xfrm>
+            <a:off x="649225" y="1807628"/>
+            <a:ext cx="4875812" cy="4085226"/>
+          </a:xfrm>
+        </p:spPr>
+        <p:txBody>
+          <a:bodyPr>
+            <a:normAutofit/>
+          </a:bodyPr>
+          <a:lstStyle/>
+          <a:p>
+            <a:r>
+              <a:rPr lang="en-US" dirty="0"/>
+              <a:t>.</a:t>
+            </a:r>
+            <a:r>
+              <a:rPr lang="en-US" dirty="0" err="1"/>
+              <a:t>ino</a:t>
+            </a:r>
+            <a:r>
+              <a:rPr lang="en-US" dirty="0"/>
+              <a:t> file uploaded to Arduino running on C/C++</a:t>
+            </a:r>
+          </a:p>
+          <a:p>
+            <a:r>
+              <a:rPr lang="en-US" dirty="0"/>
+              <a:t>Object oriented.</a:t>
+            </a:r>
+          </a:p>
+          <a:p>
+            <a:r>
+              <a:rPr lang="en-US" b="1" dirty="0"/>
+              <a:t>Lack</a:t>
+            </a:r>
+            <a:r>
+              <a:rPr lang="en-US" dirty="0"/>
+              <a:t> of many C/C++ built-in library (</a:t>
+            </a:r>
+            <a:r>
+              <a:rPr lang="en-US" dirty="0" err="1"/>
+              <a:t>ostream</a:t>
+            </a:r>
+            <a:r>
+              <a:rPr lang="en-US" dirty="0"/>
+              <a:t>, std...)</a:t>
+            </a:r>
+          </a:p>
+          <a:p>
+            <a:r>
+              <a:rPr lang="en-US" b="1" dirty="0"/>
+              <a:t>Provide</a:t>
+            </a:r>
+            <a:r>
+              <a:rPr lang="en-US" dirty="0"/>
+              <a:t> many “for – Arduino” built-in library (Servo, </a:t>
+            </a:r>
+            <a:r>
+              <a:rPr lang="en-US" dirty="0" err="1"/>
+              <a:t>LiquildCrystal</a:t>
+            </a:r>
+            <a:r>
+              <a:rPr lang="en-US" dirty="0"/>
+              <a:t>,…)</a:t>
+            </a:r>
+            <a:endParaRPr lang="en-GB" dirty="0"/>
+          </a:p>
+          <a:p>
+            <a:r>
+              <a:rPr lang="en-US" dirty="0"/>
+              <a:t>Support uint8_t, uint32_t… data type.</a:t>
+            </a:r>
+          </a:p>
+        </p:txBody>
+      </p:sp>
+    </p:spTree>
+    <p:extLst>
+      <p:ext uri="{BB962C8B-B14F-4D97-AF65-F5344CB8AC3E}">
+        <p14:creationId xmlns:p14="http://schemas.microsoft.com/office/powerpoint/2010/main" val="2310561521"/>
+      </p:ext>
+    </p:extLst>
+  </p:cSld>
+  <p:clrMapOvr>
+    <a:masterClrMapping/>
+  </p:clrMapOvr>
+</p:sld>
+</file>
+
+<file path=ppt/slides/slide8.xml><?xml version="1.0" encoding="utf-8"?>
+<p:sld xmlns:a="http://schemas.openxmlformats.org/drawingml/2006/main" xmlns:r="http://schemas.openxmlformats.org/officeDocument/2006/relationships" xmlns:p="http://schemas.openxmlformats.org/presentationml/2006/main">
+  <p:cSld>
+    <p:spTree>
+      <p:nvGrpSpPr>
+        <p:cNvPr id="1" name=""/>
+        <p:cNvGrpSpPr/>
+        <p:nvPr/>
+      </p:nvGrpSpPr>
+      <p:grpSpPr>
+        <a:xfrm>
+          <a:off x="0" y="0"/>
+          <a:ext cx="0" cy="0"/>
+          <a:chOff x="0" y="0"/>
+          <a:chExt cx="0" cy="0"/>
+        </a:xfrm>
+      </p:grpSpPr>
+      <p:sp useBgFill="1">
+        <p:nvSpPr>
+          <p:cNvPr id="11" name="Rectangle 10"/>
+          <p:cNvSpPr>
+            <a:spLocks noGrp="1" noRot="1" noChangeAspect="1" noMove="1" noResize="1" noEditPoints="1" noAdjustHandles="1" noChangeArrowheads="1" noChangeShapeType="1" noTextEdit="1"/>
+          </p:cNvSpPr>
+          <p:nvPr>
+            <p:extLst>
+              <p:ext uri="{386F3935-93C4-4BCD-93E2-E3B085C9AB24}">
+                <p16:designElem xmlns:p16="http://schemas.microsoft.com/office/powerpoint/2015/main" val="1"/>
+              </p:ext>
+            </p:extLst>
+          </p:nvPr>
+        </p:nvSpPr>
+        <p:spPr>
+          <a:xfrm>
+            <a:off x="0" y="-1"/>
+            <a:ext cx="12188952" cy="6858001"/>
+          </a:xfrm>
+          <a:prstGeom prst="rect">
+            <a:avLst/>
+          </a:prstGeom>
+          <a:ln>
+            <a:noFill/>
+          </a:ln>
+        </p:spPr>
+        <p:style>
+          <a:lnRef idx="2">
+            <a:schemeClr val="accent1">
+              <a:shade val="50000"/>
+            </a:schemeClr>
+          </a:lnRef>
+          <a:fillRef idx="1">
+            <a:schemeClr val="accent1"/>
+          </a:fillRef>
+          <a:effectRef idx="0">
+            <a:schemeClr val="accent1"/>
+          </a:effectRef>
+          <a:fontRef idx="minor">
+            <a:schemeClr val="lt1"/>
+          </a:fontRef>
+        </p:style>
+        <p:txBody>
+          <a:bodyPr rot="0" spcFirstLastPara="0" vert="horz" wrap="square" lIns="91440" tIns="45720" rIns="91440" bIns="45720" numCol="1" spcCol="0" rtlCol="0" fromWordArt="0" anchor="ctr" anchorCtr="0" forceAA="0" compatLnSpc="1">
+            <a:prstTxWarp prst="textNoShape">
+              <a:avLst/>
+            </a:prstTxWarp>
+            <a:noAutofit/>
+          </a:bodyPr>
+          <a:lstStyle>
+            <a:defPPr>
+              <a:defRPr lang="en-US"/>
+            </a:defPPr>
+            <a:lvl1pPr marL="0" algn="l" defTabSz="914400" rtl="0" eaLnBrk="1" latinLnBrk="0" hangingPunct="1">
+              <a:defRPr sz="1800" kern="1200">
+                <a:solidFill>
+                  <a:schemeClr val="lt1"/>
+                </a:solidFill>
+                <a:latin typeface="+mn-lt"/>
+                <a:ea typeface="+mn-ea"/>
+                <a:cs typeface="+mn-cs"/>
+              </a:defRPr>
+            </a:lvl1pPr>
+            <a:lvl2pPr marL="457200" algn="l" defTabSz="914400" rtl="0" eaLnBrk="1" latinLnBrk="0" hangingPunct="1">
+              <a:defRPr sz="1800" kern="1200">
+                <a:solidFill>
+                  <a:schemeClr val="lt1"/>
+                </a:solidFill>
+                <a:latin typeface="+mn-lt"/>
+                <a:ea typeface="+mn-ea"/>
+                <a:cs typeface="+mn-cs"/>
+              </a:defRPr>
+            </a:lvl2pPr>
+            <a:lvl3pPr marL="914400" algn="l" defTabSz="914400" rtl="0" eaLnBrk="1" latinLnBrk="0" hangingPunct="1">
+              <a:defRPr sz="1800" kern="1200">
+                <a:solidFill>
+                  <a:schemeClr val="lt1"/>
+                </a:solidFill>
+                <a:latin typeface="+mn-lt"/>
+                <a:ea typeface="+mn-ea"/>
+                <a:cs typeface="+mn-cs"/>
+              </a:defRPr>
+            </a:lvl3pPr>
+            <a:lvl4pPr marL="1371600" algn="l" defTabSz="914400" rtl="0" eaLnBrk="1" latinLnBrk="0" hangingPunct="1">
+              <a:defRPr sz="1800" kern="1200">
+                <a:solidFill>
+                  <a:schemeClr val="lt1"/>
+                </a:solidFill>
+                <a:latin typeface="+mn-lt"/>
+                <a:ea typeface="+mn-ea"/>
+                <a:cs typeface="+mn-cs"/>
+              </a:defRPr>
+            </a:lvl4pPr>
+            <a:lvl5pPr marL="1828800" algn="l" defTabSz="914400" rtl="0" eaLnBrk="1" latinLnBrk="0" hangingPunct="1">
+              <a:defRPr sz="1800" kern="1200">
+                <a:solidFill>
+                  <a:schemeClr val="lt1"/>
+                </a:solidFill>
+                <a:latin typeface="+mn-lt"/>
+                <a:ea typeface="+mn-ea"/>
+                <a:cs typeface="+mn-cs"/>
+              </a:defRPr>
+            </a:lvl5pPr>
+            <a:lvl6pPr marL="2286000" algn="l" defTabSz="914400" rtl="0" eaLnBrk="1" latinLnBrk="0" hangingPunct="1">
+              <a:defRPr sz="1800" kern="1200">
+                <a:solidFill>
+                  <a:schemeClr val="lt1"/>
+                </a:solidFill>
+                <a:latin typeface="+mn-lt"/>
+                <a:ea typeface="+mn-ea"/>
+                <a:cs typeface="+mn-cs"/>
+              </a:defRPr>
+            </a:lvl6pPr>
+            <a:lvl7pPr marL="2743200" algn="l" defTabSz="914400" rtl="0" eaLnBrk="1" latinLnBrk="0" hangingPunct="1">
+              <a:defRPr sz="1800" kern="1200">
+                <a:solidFill>
+                  <a:schemeClr val="lt1"/>
+                </a:solidFill>
+                <a:latin typeface="+mn-lt"/>
+                <a:ea typeface="+mn-ea"/>
+                <a:cs typeface="+mn-cs"/>
+              </a:defRPr>
+            </a:lvl7pPr>
+            <a:lvl8pPr marL="3200400" algn="l" defTabSz="914400" rtl="0" eaLnBrk="1" latinLnBrk="0" hangingPunct="1">
+              <a:defRPr sz="1800" kern="1200">
+                <a:solidFill>
+                  <a:schemeClr val="lt1"/>
+                </a:solidFill>
+                <a:latin typeface="+mn-lt"/>
+                <a:ea typeface="+mn-ea"/>
+                <a:cs typeface="+mn-cs"/>
+              </a:defRPr>
+            </a:lvl8pPr>
+            <a:lvl9pPr marL="3657600" algn="l" defTabSz="914400" rtl="0" eaLnBrk="1" latinLnBrk="0" hangingPunct="1">
+              <a:defRPr sz="1800" kern="1200">
+                <a:solidFill>
+                  <a:schemeClr val="lt1"/>
+                </a:solidFill>
+                <a:latin typeface="+mn-lt"/>
+                <a:ea typeface="+mn-ea"/>
+                <a:cs typeface="+mn-cs"/>
+              </a:defRPr>
+            </a:lvl9pPr>
+          </a:lstStyle>
+          <a:p>
+            <a:pPr algn="ctr"/>
+            <a:endParaRPr lang="en-US"/>
+          </a:p>
+        </p:txBody>
+      </p:sp>
+      <p:sp>
+        <p:nvSpPr>
+          <p:cNvPr id="12" name="Rectangle 11"/>
+          <p:cNvSpPr>
+            <a:spLocks noGrp="1" noRot="1" noChangeAspect="1" noMove="1" noResize="1" noEditPoints="1" noAdjustHandles="1" noChangeArrowheads="1" noChangeShapeType="1" noTextEdit="1"/>
+          </p:cNvSpPr>
+          <p:nvPr>
+            <p:extLst>
+              <p:ext uri="{386F3935-93C4-4BCD-93E2-E3B085C9AB24}">
+                <p16:designElem xmlns:p16="http://schemas.microsoft.com/office/powerpoint/2015/main" val="1"/>
+              </p:ext>
+            </p:extLst>
+          </p:nvPr>
+        </p:nvSpPr>
+        <p:spPr>
+          <a:xfrm>
+            <a:off x="0" y="0"/>
+            <a:ext cx="182880" cy="6858000"/>
+          </a:xfrm>
+          <a:prstGeom prst="rect">
+            <a:avLst/>
+          </a:prstGeom>
+          <a:solidFill>
+            <a:schemeClr val="tx2"/>
+          </a:solidFill>
+          <a:ln>
+            <a:noFill/>
+          </a:ln>
+          <a:effectLst/>
+        </p:spPr>
+        <p:style>
+          <a:lnRef idx="1">
+            <a:schemeClr val="accent1"/>
+          </a:lnRef>
+          <a:fillRef idx="3">
+            <a:schemeClr val="accent1"/>
+          </a:fillRef>
+          <a:effectRef idx="2">
+            <a:schemeClr val="accent1"/>
+          </a:effectRef>
+          <a:fontRef idx="minor">
+            <a:schemeClr val="lt1"/>
+          </a:fontRef>
+        </p:style>
+      </p:sp>
+      <p:pic>
+        <p:nvPicPr>
+          <p:cNvPr id="6" name="Content Placeholder 3"/>
+          <p:cNvPicPr>
+            <a:picLocks noChangeAspect="1"/>
+          </p:cNvPicPr>
+          <p:nvPr/>
+        </p:nvPicPr>
+        <p:blipFill rotWithShape="1">
+          <a:blip r:embed="rId2"/>
+          <a:srcRect r="17130"/>
+          <a:stretch/>
+        </p:blipFill>
+        <p:spPr>
+          <a:xfrm>
+            <a:off x="4887144" y="1313644"/>
+            <a:ext cx="7033676" cy="3840651"/>
+          </a:xfrm>
+          <a:prstGeom prst="rect">
+            <a:avLst/>
+          </a:prstGeom>
+        </p:spPr>
+      </p:pic>
+      <p:sp>
+        <p:nvSpPr>
+          <p:cNvPr id="13" name="Freeform 14"/>
+          <p:cNvSpPr>
+            <a:spLocks noGrp="1" noRot="1" noChangeAspect="1" noMove="1" noResize="1" noEditPoints="1" noAdjustHandles="1" noChangeArrowheads="1" noChangeShapeType="1" noTextEdit="1"/>
+          </p:cNvSpPr>
+          <p:nvPr>
+            <p:extLst>
+              <p:ext uri="{386F3935-93C4-4BCD-93E2-E3B085C9AB24}">
+                <p16:designElem xmlns:p16="http://schemas.microsoft.com/office/powerpoint/2015/main" val="1"/>
+              </p:ext>
+            </p:extLst>
+          </p:nvPr>
+        </p:nvSpPr>
+        <p:spPr>
+          <a:xfrm>
+            <a:off x="-1" y="6061223"/>
+            <a:ext cx="1038036" cy="506277"/>
+          </a:xfrm>
+          <a:custGeom>
+            <a:avLst/>
+            <a:gdLst>
+              <a:gd name="connsiteX0" fmla="*/ 0 w 1038036"/>
+              <a:gd name="connsiteY0" fmla="*/ 0 h 506277"/>
+              <a:gd name="connsiteX1" fmla="*/ 182880 w 1038036"/>
+              <a:gd name="connsiteY1" fmla="*/ 0 h 506277"/>
+              <a:gd name="connsiteX2" fmla="*/ 291705 w 1038036"/>
+              <a:gd name="connsiteY2" fmla="*/ 0 h 506277"/>
+              <a:gd name="connsiteX3" fmla="*/ 291705 w 1038036"/>
+              <a:gd name="connsiteY3" fmla="*/ 151 h 506277"/>
+              <a:gd name="connsiteX4" fmla="*/ 692049 w 1038036"/>
+              <a:gd name="connsiteY4" fmla="*/ 705 h 506277"/>
+              <a:gd name="connsiteX5" fmla="*/ 782744 w 1038036"/>
+              <a:gd name="connsiteY5" fmla="*/ 705 h 506277"/>
+              <a:gd name="connsiteX6" fmla="*/ 797001 w 1038036"/>
+              <a:gd name="connsiteY6" fmla="*/ 5473 h 506277"/>
+              <a:gd name="connsiteX7" fmla="*/ 801982 w 1038036"/>
+              <a:gd name="connsiteY7" fmla="*/ 10242 h 506277"/>
+              <a:gd name="connsiteX8" fmla="*/ 1030951 w 1038036"/>
+              <a:gd name="connsiteY8" fmla="*/ 239185 h 506277"/>
+              <a:gd name="connsiteX9" fmla="*/ 1030951 w 1038036"/>
+              <a:gd name="connsiteY9" fmla="*/ 267797 h 506277"/>
+              <a:gd name="connsiteX10" fmla="*/ 801982 w 1038036"/>
+              <a:gd name="connsiteY10" fmla="*/ 496740 h 506277"/>
+              <a:gd name="connsiteX11" fmla="*/ 797001 w 1038036"/>
+              <a:gd name="connsiteY11" fmla="*/ 501508 h 506277"/>
+              <a:gd name="connsiteX12" fmla="*/ 782744 w 1038036"/>
+              <a:gd name="connsiteY12" fmla="*/ 506277 h 506277"/>
+              <a:gd name="connsiteX13" fmla="*/ 692049 w 1038036"/>
+              <a:gd name="connsiteY13" fmla="*/ 506277 h 506277"/>
+              <a:gd name="connsiteX14" fmla="*/ 291705 w 1038036"/>
+              <a:gd name="connsiteY14" fmla="*/ 505140 h 506277"/>
+              <a:gd name="connsiteX15" fmla="*/ 291705 w 1038036"/>
+              <a:gd name="connsiteY15" fmla="*/ 506277 h 506277"/>
+              <a:gd name="connsiteX16" fmla="*/ 0 w 1038036"/>
+              <a:gd name="connsiteY16" fmla="*/ 506277 h 506277"/>
+            </a:gdLst>
+            <a:ahLst/>
+            <a:cxnLst>
+              <a:cxn ang="0">
+                <a:pos x="connsiteX0" y="connsiteY0"/>
+              </a:cxn>
+              <a:cxn ang="0">
+                <a:pos x="connsiteX1" y="connsiteY1"/>
+              </a:cxn>
+              <a:cxn ang="0">
+                <a:pos x="connsiteX2" y="connsiteY2"/>
+              </a:cxn>
+              <a:cxn ang="0">
+                <a:pos x="connsiteX3" y="connsiteY3"/>
+              </a:cxn>
+              <a:cxn ang="0">
+                <a:pos x="connsiteX4" y="connsiteY4"/>
+              </a:cxn>
+              <a:cxn ang="0">
+                <a:pos x="connsiteX5" y="connsiteY5"/>
+              </a:cxn>
+              <a:cxn ang="0">
+                <a:pos x="connsiteX6" y="connsiteY6"/>
+              </a:cxn>
+              <a:cxn ang="0">
+                <a:pos x="connsiteX7" y="connsiteY7"/>
+              </a:cxn>
+              <a:cxn ang="0">
+                <a:pos x="connsiteX8" y="connsiteY8"/>
+              </a:cxn>
+              <a:cxn ang="0">
+                <a:pos x="connsiteX9" y="connsiteY9"/>
+              </a:cxn>
+              <a:cxn ang="0">
+                <a:pos x="connsiteX10" y="connsiteY10"/>
+              </a:cxn>
+              <a:cxn ang="0">
+                <a:pos x="connsiteX11" y="connsiteY11"/>
+              </a:cxn>
+              <a:cxn ang="0">
+                <a:pos x="connsiteX12" y="connsiteY12"/>
+              </a:cxn>
+              <a:cxn ang="0">
+                <a:pos x="connsiteX13" y="connsiteY13"/>
+              </a:cxn>
+              <a:cxn ang="0">
+                <a:pos x="connsiteX14" y="connsiteY14"/>
+              </a:cxn>
+              <a:cxn ang="0">
+                <a:pos x="connsiteX15" y="connsiteY15"/>
+              </a:cxn>
+              <a:cxn ang="0">
+                <a:pos x="connsiteX16" y="connsiteY16"/>
+              </a:cxn>
+            </a:cxnLst>
+            <a:rect l="l" t="t" r="r" b="b"/>
+            <a:pathLst>
+              <a:path w="1038036" h="506277">
+                <a:moveTo>
+                  <a:pt x="0" y="0"/>
+                </a:moveTo>
+                <a:lnTo>
+                  <a:pt x="182880" y="0"/>
+                </a:lnTo>
+                <a:lnTo>
+                  <a:pt x="291705" y="0"/>
+                </a:lnTo>
+                <a:lnTo>
+                  <a:pt x="291705" y="151"/>
+                </a:lnTo>
+                <a:lnTo>
+                  <a:pt x="692049" y="705"/>
+                </a:lnTo>
+                <a:lnTo>
+                  <a:pt x="782744" y="705"/>
+                </a:lnTo>
+                <a:cubicBezTo>
+                  <a:pt x="787553" y="705"/>
+                  <a:pt x="792363" y="5473"/>
+                  <a:pt x="797001" y="5473"/>
+                </a:cubicBezTo>
+                <a:cubicBezTo>
+                  <a:pt x="797001" y="10242"/>
+                  <a:pt x="801982" y="10242"/>
+                  <a:pt x="801982" y="10242"/>
+                </a:cubicBezTo>
+                <a:lnTo>
+                  <a:pt x="1030951" y="239185"/>
+                </a:lnTo>
+                <a:cubicBezTo>
+                  <a:pt x="1040398" y="248722"/>
+                  <a:pt x="1040398" y="258259"/>
+                  <a:pt x="1030951" y="267797"/>
+                </a:cubicBezTo>
+                <a:lnTo>
+                  <a:pt x="801982" y="496740"/>
+                </a:lnTo>
+                <a:cubicBezTo>
+                  <a:pt x="800436" y="498363"/>
+                  <a:pt x="798547" y="499885"/>
+                  <a:pt x="797001" y="501508"/>
+                </a:cubicBezTo>
+                <a:cubicBezTo>
+                  <a:pt x="792363" y="506277"/>
+                  <a:pt x="787553" y="506277"/>
+                  <a:pt x="782744" y="506277"/>
+                </a:cubicBezTo>
+                <a:lnTo>
+                  <a:pt x="692049" y="506277"/>
+                </a:lnTo>
+                <a:lnTo>
+                  <a:pt x="291705" y="505140"/>
+                </a:lnTo>
+                <a:lnTo>
+                  <a:pt x="291705" y="506277"/>
+                </a:lnTo>
+                <a:lnTo>
+                  <a:pt x="0" y="506277"/>
+                </a:lnTo>
+                <a:close/>
+              </a:path>
+            </a:pathLst>
+          </a:custGeom>
+          <a:ln>
+            <a:noFill/>
+          </a:ln>
+        </p:spPr>
+        <p:style>
+          <a:lnRef idx="2">
+            <a:schemeClr val="accent1">
+              <a:shade val="50000"/>
+            </a:schemeClr>
+          </a:lnRef>
+          <a:fillRef idx="1">
+            <a:schemeClr val="accent1"/>
+          </a:fillRef>
+          <a:effectRef idx="0">
+            <a:schemeClr val="accent1"/>
+          </a:effectRef>
+          <a:fontRef idx="minor">
+            <a:schemeClr val="lt1"/>
+          </a:fontRef>
+        </p:style>
+        <p:txBody>
+          <a:bodyPr rtlCol="0" anchor="ctr"/>
+          <a:lstStyle/>
+          <a:p>
+            <a:pPr algn="ctr"/>
+            <a:endParaRPr lang="en-US"/>
+          </a:p>
+        </p:txBody>
+      </p:sp>
+      <p:sp>
+        <p:nvSpPr>
+          <p:cNvPr id="2" name="Title 1"/>
+          <p:cNvSpPr>
+            <a:spLocks noGrp="1"/>
+          </p:cNvSpPr>
+          <p:nvPr>
+            <p:ph type="title"/>
+          </p:nvPr>
+        </p:nvSpPr>
+        <p:spPr>
+          <a:xfrm>
+            <a:off x="649224" y="645106"/>
+            <a:ext cx="7554618" cy="668539"/>
+          </a:xfrm>
+        </p:spPr>
+        <p:txBody>
+          <a:bodyPr>
+            <a:normAutofit/>
+          </a:bodyPr>
+          <a:lstStyle/>
+          <a:p>
+            <a:r>
+              <a:rPr lang="en-US" dirty="0"/>
+              <a:t>Tutorial 1 – Blinking an LED</a:t>
+            </a:r>
+            <a:endParaRPr lang="en-GB" dirty="0"/>
+          </a:p>
+        </p:txBody>
+      </p:sp>
+      <p:sp>
+        <p:nvSpPr>
+          <p:cNvPr id="8" name="Content Placeholder 7"/>
+          <p:cNvSpPr>
+            <a:spLocks noGrp="1"/>
+          </p:cNvSpPr>
+          <p:nvPr>
+            <p:ph idx="1"/>
+          </p:nvPr>
+        </p:nvSpPr>
+        <p:spPr>
+          <a:xfrm>
+            <a:off x="740664" y="1395043"/>
+            <a:ext cx="5445251" cy="3759253"/>
+          </a:xfrm>
+        </p:spPr>
+        <p:txBody>
+          <a:bodyPr>
+            <a:normAutofit/>
+          </a:bodyPr>
+          <a:lstStyle/>
+          <a:p>
+            <a:r>
+              <a:rPr lang="en-US" dirty="0"/>
+              <a:t>Plug the LED to Anode to pin 13</a:t>
+            </a:r>
+          </a:p>
+          <a:p>
+            <a:r>
+              <a:rPr lang="en-US" dirty="0"/>
+              <a:t>Cathode to ground (GND)</a:t>
+            </a:r>
+          </a:p>
+          <a:p>
+            <a:r>
+              <a:rPr lang="en-US" dirty="0"/>
+              <a:t>Load the program</a:t>
+            </a:r>
+          </a:p>
+        </p:txBody>
+      </p:sp>
+      <p:pic>
+        <p:nvPicPr>
+          <p:cNvPr id="3" name="Picture 2"/>
+          <p:cNvPicPr>
+            <a:picLocks noChangeAspect="1"/>
+          </p:cNvPicPr>
+          <p:nvPr/>
+        </p:nvPicPr>
+        <p:blipFill>
+          <a:blip r:embed="rId3"/>
+          <a:stretch>
+            <a:fillRect/>
+          </a:stretch>
+        </p:blipFill>
+        <p:spPr>
+          <a:xfrm>
+            <a:off x="1012656" y="2521829"/>
+            <a:ext cx="3606355" cy="3999776"/>
+          </a:xfrm>
+          <a:prstGeom prst="rect">
+            <a:avLst/>
+          </a:prstGeom>
+        </p:spPr>
+      </p:pic>
+    </p:spTree>
+    <p:extLst>
+      <p:ext uri="{BB962C8B-B14F-4D97-AF65-F5344CB8AC3E}">
+        <p14:creationId xmlns:p14="http://schemas.microsoft.com/office/powerpoint/2010/main" val="2040579351"/>
+      </p:ext>
+    </p:extLst>
+  </p:cSld>
+  <p:clrMapOvr>
+    <a:masterClrMapping/>
+  </p:clrMapOvr>
+</p:sld>
+</file>
+
+<file path=ppt/slides/slide9.xml><?xml version="1.0" encoding="utf-8"?>
+<p:sld xmlns:a="http://schemas.openxmlformats.org/drawingml/2006/main" xmlns:r="http://schemas.openxmlformats.org/officeDocument/2006/relationships" xmlns:p="http://schemas.openxmlformats.org/presentationml/2006/main">
+  <p:cSld>
+    <p:spTree>
+      <p:nvGrpSpPr>
+        <p:cNvPr id="1" name=""/>
+        <p:cNvGrpSpPr/>
+        <p:nvPr/>
+      </p:nvGrpSpPr>
+      <p:grpSpPr>
+        <a:xfrm>
+          <a:off x="0" y="0"/>
+          <a:ext cx="0" cy="0"/>
+          <a:chOff x="0" y="0"/>
+          <a:chExt cx="0" cy="0"/>
+        </a:xfrm>
+      </p:grpSpPr>
+      <p:sp useBgFill="1">
+        <p:nvSpPr>
+          <p:cNvPr id="11" name="Rectangle 10"/>
+          <p:cNvSpPr>
+            <a:spLocks noGrp="1" noRot="1" noChangeAspect="1" noMove="1" noResize="1" noEditPoints="1" noAdjustHandles="1" noChangeArrowheads="1" noChangeShapeType="1" noTextEdit="1"/>
+          </p:cNvSpPr>
+          <p:nvPr>
+            <p:extLst>
+              <p:ext uri="{386F3935-93C4-4BCD-93E2-E3B085C9AB24}">
+                <p16:designElem xmlns:p16="http://schemas.microsoft.com/office/powerpoint/2015/main" val="1"/>
+              </p:ext>
+            </p:extLst>
+          </p:nvPr>
+        </p:nvSpPr>
+        <p:spPr>
+          <a:xfrm>
+            <a:off x="0" y="-1"/>
+            <a:ext cx="12188952" cy="6858001"/>
+          </a:xfrm>
+          <a:prstGeom prst="rect">
+            <a:avLst/>
+          </a:prstGeom>
+          <a:ln>
+            <a:noFill/>
+          </a:ln>
+        </p:spPr>
+        <p:style>
+          <a:lnRef idx="2">
+            <a:schemeClr val="accent1">
+              <a:shade val="50000"/>
+            </a:schemeClr>
+          </a:lnRef>
+          <a:fillRef idx="1">
+            <a:schemeClr val="accent1"/>
+          </a:fillRef>
+          <a:effectRef idx="0">
+            <a:schemeClr val="accent1"/>
+          </a:effectRef>
+          <a:fontRef idx="minor">
+            <a:schemeClr val="lt1"/>
+          </a:fontRef>
+        </p:style>
+        <p:txBody>
+          <a:bodyPr rot="0" spcFirstLastPara="0" vert="horz" wrap="square" lIns="91440" tIns="45720" rIns="91440" bIns="45720" numCol="1" spcCol="0" rtlCol="0" fromWordArt="0" anchor="ctr" anchorCtr="0" forceAA="0" compatLnSpc="1">
+            <a:prstTxWarp prst="textNoShape">
+              <a:avLst/>
+            </a:prstTxWarp>
+            <a:noAutofit/>
+          </a:bodyPr>
+          <a:lstStyle>
+            <a:defPPr>
+              <a:defRPr lang="en-US"/>
+            </a:defPPr>
+            <a:lvl1pPr marL="0" algn="l" defTabSz="914400" rtl="0" eaLnBrk="1" latinLnBrk="0" hangingPunct="1">
+              <a:defRPr sz="1800" kern="1200">
+                <a:solidFill>
+                  <a:schemeClr val="lt1"/>
+                </a:solidFill>
+                <a:latin typeface="+mn-lt"/>
+                <a:ea typeface="+mn-ea"/>
+                <a:cs typeface="+mn-cs"/>
+              </a:defRPr>
+            </a:lvl1pPr>
+            <a:lvl2pPr marL="457200" algn="l" defTabSz="914400" rtl="0" eaLnBrk="1" latinLnBrk="0" hangingPunct="1">
+              <a:defRPr sz="1800" kern="1200">
+                <a:solidFill>
+                  <a:schemeClr val="lt1"/>
+                </a:solidFill>
+                <a:latin typeface="+mn-lt"/>
+                <a:ea typeface="+mn-ea"/>
+                <a:cs typeface="+mn-cs"/>
+              </a:defRPr>
+            </a:lvl2pPr>
+            <a:lvl3pPr marL="914400" algn="l" defTabSz="914400" rtl="0" eaLnBrk="1" latinLnBrk="0" hangingPunct="1">
+              <a:defRPr sz="1800" kern="1200">
+                <a:solidFill>
+                  <a:schemeClr val="lt1"/>
+                </a:solidFill>
+                <a:latin typeface="+mn-lt"/>
+                <a:ea typeface="+mn-ea"/>
+                <a:cs typeface="+mn-cs"/>
+              </a:defRPr>
+            </a:lvl3pPr>
+            <a:lvl4pPr marL="1371600" algn="l" defTabSz="914400" rtl="0" eaLnBrk="1" latinLnBrk="0" hangingPunct="1">
+              <a:defRPr sz="1800" kern="1200">
+                <a:solidFill>
+                  <a:schemeClr val="lt1"/>
+                </a:solidFill>
+                <a:latin typeface="+mn-lt"/>
+                <a:ea typeface="+mn-ea"/>
+                <a:cs typeface="+mn-cs"/>
+              </a:defRPr>
+            </a:lvl4pPr>
+            <a:lvl5pPr marL="1828800" algn="l" defTabSz="914400" rtl="0" eaLnBrk="1" latinLnBrk="0" hangingPunct="1">
+              <a:defRPr sz="1800" kern="1200">
+                <a:solidFill>
+                  <a:schemeClr val="lt1"/>
+                </a:solidFill>
+                <a:latin typeface="+mn-lt"/>
+                <a:ea typeface="+mn-ea"/>
+                <a:cs typeface="+mn-cs"/>
+              </a:defRPr>
+            </a:lvl5pPr>
+            <a:lvl6pPr marL="2286000" algn="l" defTabSz="914400" rtl="0" eaLnBrk="1" latinLnBrk="0" hangingPunct="1">
+              <a:defRPr sz="1800" kern="1200">
+                <a:solidFill>
+                  <a:schemeClr val="lt1"/>
+                </a:solidFill>
+                <a:latin typeface="+mn-lt"/>
+                <a:ea typeface="+mn-ea"/>
+                <a:cs typeface="+mn-cs"/>
+              </a:defRPr>
+            </a:lvl6pPr>
+            <a:lvl7pPr marL="2743200" algn="l" defTabSz="914400" rtl="0" eaLnBrk="1" latinLnBrk="0" hangingPunct="1">
+              <a:defRPr sz="1800" kern="1200">
+                <a:solidFill>
+                  <a:schemeClr val="lt1"/>
+                </a:solidFill>
+                <a:latin typeface="+mn-lt"/>
+                <a:ea typeface="+mn-ea"/>
+                <a:cs typeface="+mn-cs"/>
+              </a:defRPr>
+            </a:lvl7pPr>
+            <a:lvl8pPr marL="3200400" algn="l" defTabSz="914400" rtl="0" eaLnBrk="1" latinLnBrk="0" hangingPunct="1">
+              <a:defRPr sz="1800" kern="1200">
+                <a:solidFill>
+                  <a:schemeClr val="lt1"/>
+                </a:solidFill>
+                <a:latin typeface="+mn-lt"/>
+                <a:ea typeface="+mn-ea"/>
+                <a:cs typeface="+mn-cs"/>
+              </a:defRPr>
+            </a:lvl8pPr>
+            <a:lvl9pPr marL="3657600" algn="l" defTabSz="914400" rtl="0" eaLnBrk="1" latinLnBrk="0" hangingPunct="1">
+              <a:defRPr sz="1800" kern="1200">
+                <a:solidFill>
+                  <a:schemeClr val="lt1"/>
+                </a:solidFill>
+                <a:latin typeface="+mn-lt"/>
+                <a:ea typeface="+mn-ea"/>
+                <a:cs typeface="+mn-cs"/>
+              </a:defRPr>
+            </a:lvl9pPr>
+          </a:lstStyle>
+          <a:p>
+            <a:pPr algn="ctr"/>
+            <a:endParaRPr lang="en-US"/>
+          </a:p>
+        </p:txBody>
+      </p:sp>
+      <p:sp>
+        <p:nvSpPr>
+          <p:cNvPr id="12" name="Rectangle 11"/>
+          <p:cNvSpPr>
+            <a:spLocks noGrp="1" noRot="1" noChangeAspect="1" noMove="1" noResize="1" noEditPoints="1" noAdjustHandles="1" noChangeArrowheads="1" noChangeShapeType="1" noTextEdit="1"/>
+          </p:cNvSpPr>
+          <p:nvPr>
+            <p:extLst>
+              <p:ext uri="{386F3935-93C4-4BCD-93E2-E3B085C9AB24}">
+                <p16:designElem xmlns:p16="http://schemas.microsoft.com/office/powerpoint/2015/main" val="1"/>
+              </p:ext>
+            </p:extLst>
+          </p:nvPr>
+        </p:nvSpPr>
+        <p:spPr>
+          <a:xfrm>
+            <a:off x="0" y="0"/>
+            <a:ext cx="182880" cy="6858000"/>
+          </a:xfrm>
+          <a:prstGeom prst="rect">
+            <a:avLst/>
+          </a:prstGeom>
+          <a:solidFill>
+            <a:schemeClr val="tx2"/>
+          </a:solidFill>
+          <a:ln>
+            <a:noFill/>
+          </a:ln>
+          <a:effectLst/>
+        </p:spPr>
+        <p:style>
+          <a:lnRef idx="1">
+            <a:schemeClr val="accent1"/>
+          </a:lnRef>
+          <a:fillRef idx="3">
+            <a:schemeClr val="accent1"/>
+          </a:fillRef>
+          <a:effectRef idx="2">
+            <a:schemeClr val="accent1"/>
+          </a:effectRef>
+          <a:fontRef idx="minor">
+            <a:schemeClr val="lt1"/>
+          </a:fontRef>
+        </p:style>
+      </p:sp>
+      <p:pic>
+        <p:nvPicPr>
+          <p:cNvPr id="6" name="Content Placeholder 3"/>
+          <p:cNvPicPr>
+            <a:picLocks noChangeAspect="1"/>
+          </p:cNvPicPr>
+          <p:nvPr/>
+        </p:nvPicPr>
+        <p:blipFill>
+          <a:blip r:embed="rId2"/>
+          <a:stretch>
+            <a:fillRect/>
+          </a:stretch>
+        </p:blipFill>
+        <p:spPr>
+          <a:xfrm>
+            <a:off x="6104586" y="1334118"/>
+            <a:ext cx="5468534" cy="4313948"/>
+          </a:xfrm>
+          <a:prstGeom prst="rect">
+            <a:avLst/>
+          </a:prstGeom>
+        </p:spPr>
+      </p:pic>
+      <p:sp>
+        <p:nvSpPr>
+          <p:cNvPr id="13" name="Freeform 14"/>
+          <p:cNvSpPr>
+            <a:spLocks noGrp="1" noRot="1" noChangeAspect="1" noMove="1" noResize="1" noEditPoints="1" noAdjustHandles="1" noChangeArrowheads="1" noChangeShapeType="1" noTextEdit="1"/>
+          </p:cNvSpPr>
+          <p:nvPr>
+            <p:extLst>
+              <p:ext uri="{386F3935-93C4-4BCD-93E2-E3B085C9AB24}">
+                <p16:designElem xmlns:p16="http://schemas.microsoft.com/office/powerpoint/2015/main" val="1"/>
+              </p:ext>
+            </p:extLst>
+          </p:nvPr>
+        </p:nvSpPr>
+        <p:spPr>
+          <a:xfrm>
+            <a:off x="-1" y="6061223"/>
+            <a:ext cx="1038036" cy="506277"/>
+          </a:xfrm>
+          <a:custGeom>
+            <a:avLst/>
+            <a:gdLst>
+              <a:gd name="connsiteX0" fmla="*/ 0 w 1038036"/>
+              <a:gd name="connsiteY0" fmla="*/ 0 h 506277"/>
+              <a:gd name="connsiteX1" fmla="*/ 182880 w 1038036"/>
+              <a:gd name="connsiteY1" fmla="*/ 0 h 506277"/>
+              <a:gd name="connsiteX2" fmla="*/ 291705 w 1038036"/>
+              <a:gd name="connsiteY2" fmla="*/ 0 h 506277"/>
+              <a:gd name="connsiteX3" fmla="*/ 291705 w 1038036"/>
+              <a:gd name="connsiteY3" fmla="*/ 151 h 506277"/>
+              <a:gd name="connsiteX4" fmla="*/ 692049 w 1038036"/>
+              <a:gd name="connsiteY4" fmla="*/ 705 h 506277"/>
+              <a:gd name="connsiteX5" fmla="*/ 782744 w 1038036"/>
+              <a:gd name="connsiteY5" fmla="*/ 705 h 506277"/>
+              <a:gd name="connsiteX6" fmla="*/ 797001 w 1038036"/>
+              <a:gd name="connsiteY6" fmla="*/ 5473 h 506277"/>
+              <a:gd name="connsiteX7" fmla="*/ 801982 w 1038036"/>
+              <a:gd name="connsiteY7" fmla="*/ 10242 h 506277"/>
+              <a:gd name="connsiteX8" fmla="*/ 1030951 w 1038036"/>
+              <a:gd name="connsiteY8" fmla="*/ 239185 h 506277"/>
+              <a:gd name="connsiteX9" fmla="*/ 1030951 w 1038036"/>
+              <a:gd name="connsiteY9" fmla="*/ 267797 h 506277"/>
+              <a:gd name="connsiteX10" fmla="*/ 801982 w 1038036"/>
+              <a:gd name="connsiteY10" fmla="*/ 496740 h 506277"/>
+              <a:gd name="connsiteX11" fmla="*/ 797001 w 1038036"/>
+              <a:gd name="connsiteY11" fmla="*/ 501508 h 506277"/>
+              <a:gd name="connsiteX12" fmla="*/ 782744 w 1038036"/>
+              <a:gd name="connsiteY12" fmla="*/ 506277 h 506277"/>
+              <a:gd name="connsiteX13" fmla="*/ 692049 w 1038036"/>
+              <a:gd name="connsiteY13" fmla="*/ 506277 h 506277"/>
+              <a:gd name="connsiteX14" fmla="*/ 291705 w 1038036"/>
+              <a:gd name="connsiteY14" fmla="*/ 505140 h 506277"/>
+              <a:gd name="connsiteX15" fmla="*/ 291705 w 1038036"/>
+              <a:gd name="connsiteY15" fmla="*/ 506277 h 506277"/>
+              <a:gd name="connsiteX16" fmla="*/ 0 w 1038036"/>
+              <a:gd name="connsiteY16" fmla="*/ 506277 h 506277"/>
+            </a:gdLst>
+            <a:ahLst/>
+            <a:cxnLst>
+              <a:cxn ang="0">
+                <a:pos x="connsiteX0" y="connsiteY0"/>
+              </a:cxn>
+              <a:cxn ang="0">
+                <a:pos x="connsiteX1" y="connsiteY1"/>
+              </a:cxn>
+              <a:cxn ang="0">
+                <a:pos x="connsiteX2" y="connsiteY2"/>
+              </a:cxn>
+              <a:cxn ang="0">
+                <a:pos x="connsiteX3" y="connsiteY3"/>
+              </a:cxn>
+              <a:cxn ang="0">
+                <a:pos x="connsiteX4" y="connsiteY4"/>
+              </a:cxn>
+              <a:cxn ang="0">
+                <a:pos x="connsiteX5" y="connsiteY5"/>
+              </a:cxn>
+              <a:cxn ang="0">
+                <a:pos x="connsiteX6" y="connsiteY6"/>
+              </a:cxn>
+              <a:cxn ang="0">
+                <a:pos x="connsiteX7" y="connsiteY7"/>
+              </a:cxn>
+              <a:cxn ang="0">
+                <a:pos x="connsiteX8" y="connsiteY8"/>
+              </a:cxn>
+              <a:cxn ang="0">
+                <a:pos x="connsiteX9" y="connsiteY9"/>
+              </a:cxn>
+              <a:cxn ang="0">
+                <a:pos x="connsiteX10" y="connsiteY10"/>
+              </a:cxn>
+              <a:cxn ang="0">
+                <a:pos x="connsiteX11" y="connsiteY11"/>
+              </a:cxn>
+              <a:cxn ang="0">
+                <a:pos x="connsiteX12" y="connsiteY12"/>
+              </a:cxn>
+              <a:cxn ang="0">
+                <a:pos x="connsiteX13" y="connsiteY13"/>
+              </a:cxn>
+              <a:cxn ang="0">
+                <a:pos x="connsiteX14" y="connsiteY14"/>
+              </a:cxn>
+              <a:cxn ang="0">
+                <a:pos x="connsiteX15" y="connsiteY15"/>
+              </a:cxn>
+              <a:cxn ang="0">
+                <a:pos x="connsiteX16" y="connsiteY16"/>
+              </a:cxn>
+            </a:cxnLst>
+            <a:rect l="l" t="t" r="r" b="b"/>
+            <a:pathLst>
+              <a:path w="1038036" h="506277">
+                <a:moveTo>
+                  <a:pt x="0" y="0"/>
+                </a:moveTo>
+                <a:lnTo>
+                  <a:pt x="182880" y="0"/>
+                </a:lnTo>
+                <a:lnTo>
+                  <a:pt x="291705" y="0"/>
+                </a:lnTo>
+                <a:lnTo>
+                  <a:pt x="291705" y="151"/>
+                </a:lnTo>
+                <a:lnTo>
+                  <a:pt x="692049" y="705"/>
+                </a:lnTo>
+                <a:lnTo>
+                  <a:pt x="782744" y="705"/>
+                </a:lnTo>
+                <a:cubicBezTo>
+                  <a:pt x="787553" y="705"/>
+                  <a:pt x="792363" y="5473"/>
+                  <a:pt x="797001" y="5473"/>
+                </a:cubicBezTo>
+                <a:cubicBezTo>
+                  <a:pt x="797001" y="10242"/>
+                  <a:pt x="801982" y="10242"/>
+                  <a:pt x="801982" y="10242"/>
+                </a:cubicBezTo>
+                <a:lnTo>
+                  <a:pt x="1030951" y="239185"/>
+                </a:lnTo>
+                <a:cubicBezTo>
+                  <a:pt x="1040398" y="248722"/>
+                  <a:pt x="1040398" y="258259"/>
+                  <a:pt x="1030951" y="267797"/>
+                </a:cubicBezTo>
+                <a:lnTo>
+                  <a:pt x="801982" y="496740"/>
+                </a:lnTo>
+                <a:cubicBezTo>
+                  <a:pt x="800436" y="498363"/>
+                  <a:pt x="798547" y="499885"/>
+                  <a:pt x="797001" y="501508"/>
+                </a:cubicBezTo>
+                <a:cubicBezTo>
+                  <a:pt x="792363" y="506277"/>
+                  <a:pt x="787553" y="506277"/>
+                  <a:pt x="782744" y="506277"/>
+                </a:cubicBezTo>
+                <a:lnTo>
+                  <a:pt x="692049" y="506277"/>
+                </a:lnTo>
+                <a:lnTo>
+                  <a:pt x="291705" y="505140"/>
+                </a:lnTo>
+                <a:lnTo>
+                  <a:pt x="291705" y="506277"/>
+                </a:lnTo>
+                <a:lnTo>
+                  <a:pt x="0" y="506277"/>
+                </a:lnTo>
+                <a:close/>
+              </a:path>
+            </a:pathLst>
+          </a:custGeom>
+          <a:ln>
+            <a:noFill/>
+          </a:ln>
+        </p:spPr>
+        <p:style>
+          <a:lnRef idx="2">
+            <a:schemeClr val="accent1">
+              <a:shade val="50000"/>
+            </a:schemeClr>
+          </a:lnRef>
+          <a:fillRef idx="1">
+            <a:schemeClr val="accent1"/>
+          </a:fillRef>
+          <a:effectRef idx="0">
+            <a:schemeClr val="accent1"/>
+          </a:effectRef>
+          <a:fontRef idx="minor">
+            <a:schemeClr val="lt1"/>
+          </a:fontRef>
+        </p:style>
+        <p:txBody>
+          <a:bodyPr rtlCol="0" anchor="ctr"/>
+          <a:lstStyle/>
+          <a:p>
+            <a:pPr algn="ctr"/>
+            <a:endParaRPr lang="en-US"/>
+          </a:p>
+        </p:txBody>
+      </p:sp>
+      <p:sp>
+        <p:nvSpPr>
+          <p:cNvPr id="2" name="Title 1"/>
+          <p:cNvSpPr>
+            <a:spLocks noGrp="1"/>
+          </p:cNvSpPr>
+          <p:nvPr>
+            <p:ph type="title"/>
+          </p:nvPr>
+        </p:nvSpPr>
+        <p:spPr>
+          <a:xfrm>
+            <a:off x="649224" y="436853"/>
+            <a:ext cx="7464466" cy="464668"/>
+          </a:xfrm>
+        </p:spPr>
+        <p:txBody>
+          <a:bodyPr>
+            <a:normAutofit fontScale="90000"/>
+          </a:bodyPr>
+          <a:lstStyle/>
+          <a:p>
+            <a:pPr>
+              <a:lnSpc>
+                <a:spcPct val="80000"/>
+              </a:lnSpc>
+            </a:pPr>
+            <a:r>
+              <a:rPr lang="en-US" sz="3100" dirty="0"/>
+              <a:t>Pulse Width modulation (PWM)</a:t>
+            </a:r>
+            <a:endParaRPr lang="en-GB" sz="3100" dirty="0"/>
+          </a:p>
+        </p:txBody>
+      </p:sp>
+      <p:sp>
+        <p:nvSpPr>
+          <p:cNvPr id="8" name="Content Placeholder 7"/>
+          <p:cNvSpPr>
+            <a:spLocks noGrp="1"/>
+          </p:cNvSpPr>
+          <p:nvPr>
+            <p:ph idx="1"/>
+          </p:nvPr>
+        </p:nvSpPr>
+        <p:spPr>
+          <a:xfrm>
+            <a:off x="649224" y="1334118"/>
+            <a:ext cx="5455361" cy="4558735"/>
+          </a:xfrm>
+        </p:spPr>
+        <p:txBody>
+          <a:bodyPr>
+            <a:normAutofit/>
+          </a:bodyPr>
+          <a:lstStyle/>
+          <a:p>
+            <a:r>
+              <a:rPr lang="en-US" dirty="0"/>
+              <a:t>The signal is ON (5V) for a proportion of time of the period – </a:t>
+            </a:r>
+            <a:r>
+              <a:rPr lang="en-US" b="1" dirty="0"/>
+              <a:t>duty cycle</a:t>
+            </a:r>
+          </a:p>
+          <a:p>
+            <a:r>
+              <a:rPr lang="en-US" b="1" dirty="0"/>
+              <a:t>Duty cycle </a:t>
+            </a:r>
+            <a:r>
+              <a:rPr lang="en-US" dirty="0"/>
+              <a:t>measured by percentage of ON time</a:t>
+            </a:r>
+            <a:endParaRPr lang="en-US" b="1" dirty="0"/>
+          </a:p>
+          <a:p>
+            <a:r>
+              <a:rPr lang="en-US" dirty="0"/>
+              <a:t>Frequency usually is 500Hz</a:t>
+            </a:r>
+          </a:p>
+          <a:p>
+            <a:r>
+              <a:rPr lang="en-US" dirty="0"/>
+              <a:t>PWM create analogue effect with a digital output</a:t>
+            </a:r>
+          </a:p>
+        </p:txBody>
+      </p:sp>
+    </p:spTree>
+    <p:extLst>
+      <p:ext uri="{BB962C8B-B14F-4D97-AF65-F5344CB8AC3E}">
+        <p14:creationId xmlns:p14="http://schemas.microsoft.com/office/powerpoint/2010/main" val="1200869768"/>
       </p:ext>
     </p:extLst>
   </p:cSld>

--- a/Arduino_workshop.pptx
+++ b/Arduino_workshop.pptx
@@ -4,6 +4,9 @@
   <p:sldMasterIdLst>
     <p:sldMasterId id="2147483648" r:id="rId1"/>
   </p:sldMasterIdLst>
+  <p:notesMasterIdLst>
+    <p:notesMasterId r:id="rId17"/>
+  </p:notesMasterIdLst>
   <p:sldIdLst>
     <p:sldId id="256" r:id="rId2"/>
     <p:sldId id="257" r:id="rId3"/>
@@ -126,6 +129,1650 @@
 </p:presentation>
 </file>
 
+<file path=ppt/notesMasters/notesMaster1.xml><?xml version="1.0" encoding="utf-8"?>
+<p:notesMaster xmlns:a="http://schemas.openxmlformats.org/drawingml/2006/main" xmlns:r="http://schemas.openxmlformats.org/officeDocument/2006/relationships" xmlns:p="http://schemas.openxmlformats.org/presentationml/2006/main">
+  <p:cSld>
+    <p:bg>
+      <p:bgRef idx="1001">
+        <a:schemeClr val="bg1"/>
+      </p:bgRef>
+    </p:bg>
+    <p:spTree>
+      <p:nvGrpSpPr>
+        <p:cNvPr id="1" name=""/>
+        <p:cNvGrpSpPr/>
+        <p:nvPr/>
+      </p:nvGrpSpPr>
+      <p:grpSpPr>
+        <a:xfrm>
+          <a:off x="0" y="0"/>
+          <a:ext cx="0" cy="0"/>
+          <a:chOff x="0" y="0"/>
+          <a:chExt cx="0" cy="0"/>
+        </a:xfrm>
+      </p:grpSpPr>
+      <p:sp>
+        <p:nvSpPr>
+          <p:cNvPr id="2" name="Header Placeholder 1"/>
+          <p:cNvSpPr>
+            <a:spLocks noGrp="1"/>
+          </p:cNvSpPr>
+          <p:nvPr>
+            <p:ph type="hdr" sz="quarter"/>
+          </p:nvPr>
+        </p:nvSpPr>
+        <p:spPr>
+          <a:xfrm>
+            <a:off x="0" y="0"/>
+            <a:ext cx="2971800" cy="458788"/>
+          </a:xfrm>
+          <a:prstGeom prst="rect">
+            <a:avLst/>
+          </a:prstGeom>
+        </p:spPr>
+        <p:txBody>
+          <a:bodyPr vert="horz" lIns="91440" tIns="45720" rIns="91440" bIns="45720" rtlCol="0"/>
+          <a:lstStyle>
+            <a:lvl1pPr algn="l">
+              <a:defRPr sz="1200"/>
+            </a:lvl1pPr>
+          </a:lstStyle>
+          <a:p>
+            <a:endParaRPr lang="en-GB"/>
+          </a:p>
+        </p:txBody>
+      </p:sp>
+      <p:sp>
+        <p:nvSpPr>
+          <p:cNvPr id="3" name="Date Placeholder 2"/>
+          <p:cNvSpPr>
+            <a:spLocks noGrp="1"/>
+          </p:cNvSpPr>
+          <p:nvPr>
+            <p:ph type="dt" idx="1"/>
+          </p:nvPr>
+        </p:nvSpPr>
+        <p:spPr>
+          <a:xfrm>
+            <a:off x="3884613" y="0"/>
+            <a:ext cx="2971800" cy="458788"/>
+          </a:xfrm>
+          <a:prstGeom prst="rect">
+            <a:avLst/>
+          </a:prstGeom>
+        </p:spPr>
+        <p:txBody>
+          <a:bodyPr vert="horz" lIns="91440" tIns="45720" rIns="91440" bIns="45720" rtlCol="0"/>
+          <a:lstStyle>
+            <a:lvl1pPr algn="r">
+              <a:defRPr sz="1200"/>
+            </a:lvl1pPr>
+          </a:lstStyle>
+          <a:p>
+            <a:fld id="{00B599B6-0DE1-494F-A8B8-3317A2F04D10}" type="datetimeFigureOut">
+              <a:rPr lang="en-GB" smtClean="0"/>
+              <a:t>07/03/2017</a:t>
+            </a:fld>
+            <a:endParaRPr lang="en-GB"/>
+          </a:p>
+        </p:txBody>
+      </p:sp>
+      <p:sp>
+        <p:nvSpPr>
+          <p:cNvPr id="4" name="Slide Image Placeholder 3"/>
+          <p:cNvSpPr>
+            <a:spLocks noGrp="1" noRot="1" noChangeAspect="1"/>
+          </p:cNvSpPr>
+          <p:nvPr>
+            <p:ph type="sldImg" idx="2"/>
+          </p:nvPr>
+        </p:nvSpPr>
+        <p:spPr>
+          <a:xfrm>
+            <a:off x="685800" y="1143000"/>
+            <a:ext cx="5486400" cy="3086100"/>
+          </a:xfrm>
+          <a:prstGeom prst="rect">
+            <a:avLst/>
+          </a:prstGeom>
+          <a:noFill/>
+          <a:ln w="12700">
+            <a:solidFill>
+              <a:prstClr val="black"/>
+            </a:solidFill>
+          </a:ln>
+        </p:spPr>
+        <p:txBody>
+          <a:bodyPr vert="horz" lIns="91440" tIns="45720" rIns="91440" bIns="45720" rtlCol="0" anchor="ctr"/>
+          <a:lstStyle/>
+          <a:p>
+            <a:endParaRPr lang="en-GB"/>
+          </a:p>
+        </p:txBody>
+      </p:sp>
+      <p:sp>
+        <p:nvSpPr>
+          <p:cNvPr id="5" name="Notes Placeholder 4"/>
+          <p:cNvSpPr>
+            <a:spLocks noGrp="1"/>
+          </p:cNvSpPr>
+          <p:nvPr>
+            <p:ph type="body" sz="quarter" idx="3"/>
+          </p:nvPr>
+        </p:nvSpPr>
+        <p:spPr>
+          <a:xfrm>
+            <a:off x="685800" y="4400550"/>
+            <a:ext cx="5486400" cy="3600450"/>
+          </a:xfrm>
+          <a:prstGeom prst="rect">
+            <a:avLst/>
+          </a:prstGeom>
+        </p:spPr>
+        <p:txBody>
+          <a:bodyPr vert="horz" lIns="91440" tIns="45720" rIns="91440" bIns="45720" rtlCol="0"/>
+          <a:lstStyle/>
+          <a:p>
+            <a:pPr lvl="0"/>
+            <a:r>
+              <a:rPr lang="en-US"/>
+              <a:t>Edit Master text styles</a:t>
+            </a:r>
+          </a:p>
+          <a:p>
+            <a:pPr lvl="1"/>
+            <a:r>
+              <a:rPr lang="en-US"/>
+              <a:t>Second level</a:t>
+            </a:r>
+          </a:p>
+          <a:p>
+            <a:pPr lvl="2"/>
+            <a:r>
+              <a:rPr lang="en-US"/>
+              <a:t>Third level</a:t>
+            </a:r>
+          </a:p>
+          <a:p>
+            <a:pPr lvl="3"/>
+            <a:r>
+              <a:rPr lang="en-US"/>
+              <a:t>Fourth level</a:t>
+            </a:r>
+          </a:p>
+          <a:p>
+            <a:pPr lvl="4"/>
+            <a:r>
+              <a:rPr lang="en-US"/>
+              <a:t>Fifth level</a:t>
+            </a:r>
+            <a:endParaRPr lang="en-GB"/>
+          </a:p>
+        </p:txBody>
+      </p:sp>
+      <p:sp>
+        <p:nvSpPr>
+          <p:cNvPr id="6" name="Footer Placeholder 5"/>
+          <p:cNvSpPr>
+            <a:spLocks noGrp="1"/>
+          </p:cNvSpPr>
+          <p:nvPr>
+            <p:ph type="ftr" sz="quarter" idx="4"/>
+          </p:nvPr>
+        </p:nvSpPr>
+        <p:spPr>
+          <a:xfrm>
+            <a:off x="0" y="8685213"/>
+            <a:ext cx="2971800" cy="458787"/>
+          </a:xfrm>
+          <a:prstGeom prst="rect">
+            <a:avLst/>
+          </a:prstGeom>
+        </p:spPr>
+        <p:txBody>
+          <a:bodyPr vert="horz" lIns="91440" tIns="45720" rIns="91440" bIns="45720" rtlCol="0" anchor="b"/>
+          <a:lstStyle>
+            <a:lvl1pPr algn="l">
+              <a:defRPr sz="1200"/>
+            </a:lvl1pPr>
+          </a:lstStyle>
+          <a:p>
+            <a:endParaRPr lang="en-GB"/>
+          </a:p>
+        </p:txBody>
+      </p:sp>
+      <p:sp>
+        <p:nvSpPr>
+          <p:cNvPr id="7" name="Slide Number Placeholder 6"/>
+          <p:cNvSpPr>
+            <a:spLocks noGrp="1"/>
+          </p:cNvSpPr>
+          <p:nvPr>
+            <p:ph type="sldNum" sz="quarter" idx="5"/>
+          </p:nvPr>
+        </p:nvSpPr>
+        <p:spPr>
+          <a:xfrm>
+            <a:off x="3884613" y="8685213"/>
+            <a:ext cx="2971800" cy="458787"/>
+          </a:xfrm>
+          <a:prstGeom prst="rect">
+            <a:avLst/>
+          </a:prstGeom>
+        </p:spPr>
+        <p:txBody>
+          <a:bodyPr vert="horz" lIns="91440" tIns="45720" rIns="91440" bIns="45720" rtlCol="0" anchor="b"/>
+          <a:lstStyle>
+            <a:lvl1pPr algn="r">
+              <a:defRPr sz="1200"/>
+            </a:lvl1pPr>
+          </a:lstStyle>
+          <a:p>
+            <a:fld id="{A608921E-EF16-442B-810C-BBFEEBD6655E}" type="slidenum">
+              <a:rPr lang="en-GB" smtClean="0"/>
+              <a:t>‹#›</a:t>
+            </a:fld>
+            <a:endParaRPr lang="en-GB"/>
+          </a:p>
+        </p:txBody>
+      </p:sp>
+    </p:spTree>
+    <p:extLst>
+      <p:ext uri="{BB962C8B-B14F-4D97-AF65-F5344CB8AC3E}">
+        <p14:creationId xmlns:p14="http://schemas.microsoft.com/office/powerpoint/2010/main" val="1733917877"/>
+      </p:ext>
+    </p:extLst>
+  </p:cSld>
+  <p:clrMap bg1="lt1" tx1="dk1" bg2="lt2" tx2="dk2" accent1="accent1" accent2="accent2" accent3="accent3" accent4="accent4" accent5="accent5" accent6="accent6" hlink="hlink" folHlink="folHlink"/>
+  <p:notesStyle>
+    <a:lvl1pPr marL="0" algn="l" defTabSz="914400" rtl="0" eaLnBrk="1" latinLnBrk="0" hangingPunct="1">
+      <a:defRPr sz="1200" kern="1200">
+        <a:solidFill>
+          <a:schemeClr val="tx1"/>
+        </a:solidFill>
+        <a:latin typeface="+mn-lt"/>
+        <a:ea typeface="+mn-ea"/>
+        <a:cs typeface="+mn-cs"/>
+      </a:defRPr>
+    </a:lvl1pPr>
+    <a:lvl2pPr marL="457200" algn="l" defTabSz="914400" rtl="0" eaLnBrk="1" latinLnBrk="0" hangingPunct="1">
+      <a:defRPr sz="1200" kern="1200">
+        <a:solidFill>
+          <a:schemeClr val="tx1"/>
+        </a:solidFill>
+        <a:latin typeface="+mn-lt"/>
+        <a:ea typeface="+mn-ea"/>
+        <a:cs typeface="+mn-cs"/>
+      </a:defRPr>
+    </a:lvl2pPr>
+    <a:lvl3pPr marL="914400" algn="l" defTabSz="914400" rtl="0" eaLnBrk="1" latinLnBrk="0" hangingPunct="1">
+      <a:defRPr sz="1200" kern="1200">
+        <a:solidFill>
+          <a:schemeClr val="tx1"/>
+        </a:solidFill>
+        <a:latin typeface="+mn-lt"/>
+        <a:ea typeface="+mn-ea"/>
+        <a:cs typeface="+mn-cs"/>
+      </a:defRPr>
+    </a:lvl3pPr>
+    <a:lvl4pPr marL="1371600" algn="l" defTabSz="914400" rtl="0" eaLnBrk="1" latinLnBrk="0" hangingPunct="1">
+      <a:defRPr sz="1200" kern="1200">
+        <a:solidFill>
+          <a:schemeClr val="tx1"/>
+        </a:solidFill>
+        <a:latin typeface="+mn-lt"/>
+        <a:ea typeface="+mn-ea"/>
+        <a:cs typeface="+mn-cs"/>
+      </a:defRPr>
+    </a:lvl4pPr>
+    <a:lvl5pPr marL="1828800" algn="l" defTabSz="914400" rtl="0" eaLnBrk="1" latinLnBrk="0" hangingPunct="1">
+      <a:defRPr sz="1200" kern="1200">
+        <a:solidFill>
+          <a:schemeClr val="tx1"/>
+        </a:solidFill>
+        <a:latin typeface="+mn-lt"/>
+        <a:ea typeface="+mn-ea"/>
+        <a:cs typeface="+mn-cs"/>
+      </a:defRPr>
+    </a:lvl5pPr>
+    <a:lvl6pPr marL="2286000" algn="l" defTabSz="914400" rtl="0" eaLnBrk="1" latinLnBrk="0" hangingPunct="1">
+      <a:defRPr sz="1200" kern="1200">
+        <a:solidFill>
+          <a:schemeClr val="tx1"/>
+        </a:solidFill>
+        <a:latin typeface="+mn-lt"/>
+        <a:ea typeface="+mn-ea"/>
+        <a:cs typeface="+mn-cs"/>
+      </a:defRPr>
+    </a:lvl6pPr>
+    <a:lvl7pPr marL="2743200" algn="l" defTabSz="914400" rtl="0" eaLnBrk="1" latinLnBrk="0" hangingPunct="1">
+      <a:defRPr sz="1200" kern="1200">
+        <a:solidFill>
+          <a:schemeClr val="tx1"/>
+        </a:solidFill>
+        <a:latin typeface="+mn-lt"/>
+        <a:ea typeface="+mn-ea"/>
+        <a:cs typeface="+mn-cs"/>
+      </a:defRPr>
+    </a:lvl7pPr>
+    <a:lvl8pPr marL="3200400" algn="l" defTabSz="914400" rtl="0" eaLnBrk="1" latinLnBrk="0" hangingPunct="1">
+      <a:defRPr sz="1200" kern="1200">
+        <a:solidFill>
+          <a:schemeClr val="tx1"/>
+        </a:solidFill>
+        <a:latin typeface="+mn-lt"/>
+        <a:ea typeface="+mn-ea"/>
+        <a:cs typeface="+mn-cs"/>
+      </a:defRPr>
+    </a:lvl8pPr>
+    <a:lvl9pPr marL="3657600" algn="l" defTabSz="914400" rtl="0" eaLnBrk="1" latinLnBrk="0" hangingPunct="1">
+      <a:defRPr sz="1200" kern="1200">
+        <a:solidFill>
+          <a:schemeClr val="tx1"/>
+        </a:solidFill>
+        <a:latin typeface="+mn-lt"/>
+        <a:ea typeface="+mn-ea"/>
+        <a:cs typeface="+mn-cs"/>
+      </a:defRPr>
+    </a:lvl9pPr>
+  </p:notesStyle>
+</p:notesMaster>
+</file>
+
+<file path=ppt/notesSlides/notesSlide1.xml><?xml version="1.0" encoding="utf-8"?>
+<p:notes xmlns:a="http://schemas.openxmlformats.org/drawingml/2006/main" xmlns:r="http://schemas.openxmlformats.org/officeDocument/2006/relationships" xmlns:p="http://schemas.openxmlformats.org/presentationml/2006/main">
+  <p:cSld>
+    <p:spTree>
+      <p:nvGrpSpPr>
+        <p:cNvPr id="1" name=""/>
+        <p:cNvGrpSpPr/>
+        <p:nvPr/>
+      </p:nvGrpSpPr>
+      <p:grpSpPr>
+        <a:xfrm>
+          <a:off x="0" y="0"/>
+          <a:ext cx="0" cy="0"/>
+          <a:chOff x="0" y="0"/>
+          <a:chExt cx="0" cy="0"/>
+        </a:xfrm>
+      </p:grpSpPr>
+      <p:sp>
+        <p:nvSpPr>
+          <p:cNvPr id="2" name="Slide Image Placeholder 1"/>
+          <p:cNvSpPr>
+            <a:spLocks noGrp="1" noRot="1" noChangeAspect="1"/>
+          </p:cNvSpPr>
+          <p:nvPr>
+            <p:ph type="sldImg"/>
+          </p:nvPr>
+        </p:nvSpPr>
+        <p:spPr/>
+      </p:sp>
+      <p:sp>
+        <p:nvSpPr>
+          <p:cNvPr id="3" name="Notes Placeholder 2"/>
+          <p:cNvSpPr>
+            <a:spLocks noGrp="1"/>
+          </p:cNvSpPr>
+          <p:nvPr>
+            <p:ph type="body" idx="1"/>
+          </p:nvPr>
+        </p:nvSpPr>
+        <p:spPr/>
+        <p:txBody>
+          <a:bodyPr/>
+          <a:lstStyle/>
+          <a:p>
+            <a:endParaRPr lang="en-GB" dirty="0"/>
+          </a:p>
+        </p:txBody>
+      </p:sp>
+      <p:sp>
+        <p:nvSpPr>
+          <p:cNvPr id="4" name="Slide Number Placeholder 3"/>
+          <p:cNvSpPr>
+            <a:spLocks noGrp="1"/>
+          </p:cNvSpPr>
+          <p:nvPr>
+            <p:ph type="sldNum" sz="quarter" idx="10"/>
+          </p:nvPr>
+        </p:nvSpPr>
+        <p:spPr/>
+        <p:txBody>
+          <a:bodyPr/>
+          <a:lstStyle/>
+          <a:p>
+            <a:fld id="{A608921E-EF16-442B-810C-BBFEEBD6655E}" type="slidenum">
+              <a:rPr lang="en-GB" smtClean="0"/>
+              <a:t>1</a:t>
+            </a:fld>
+            <a:endParaRPr lang="en-GB"/>
+          </a:p>
+        </p:txBody>
+      </p:sp>
+    </p:spTree>
+    <p:extLst>
+      <p:ext uri="{BB962C8B-B14F-4D97-AF65-F5344CB8AC3E}">
+        <p14:creationId xmlns:p14="http://schemas.microsoft.com/office/powerpoint/2010/main" val="4142961157"/>
+      </p:ext>
+    </p:extLst>
+  </p:cSld>
+  <p:clrMapOvr>
+    <a:masterClrMapping/>
+  </p:clrMapOvr>
+</p:notes>
+</file>
+
+<file path=ppt/notesSlides/notesSlide10.xml><?xml version="1.0" encoding="utf-8"?>
+<p:notes xmlns:a="http://schemas.openxmlformats.org/drawingml/2006/main" xmlns:r="http://schemas.openxmlformats.org/officeDocument/2006/relationships" xmlns:p="http://schemas.openxmlformats.org/presentationml/2006/main">
+  <p:cSld>
+    <p:spTree>
+      <p:nvGrpSpPr>
+        <p:cNvPr id="1" name=""/>
+        <p:cNvGrpSpPr/>
+        <p:nvPr/>
+      </p:nvGrpSpPr>
+      <p:grpSpPr>
+        <a:xfrm>
+          <a:off x="0" y="0"/>
+          <a:ext cx="0" cy="0"/>
+          <a:chOff x="0" y="0"/>
+          <a:chExt cx="0" cy="0"/>
+        </a:xfrm>
+      </p:grpSpPr>
+      <p:sp>
+        <p:nvSpPr>
+          <p:cNvPr id="2" name="Slide Image Placeholder 1"/>
+          <p:cNvSpPr>
+            <a:spLocks noGrp="1" noRot="1" noChangeAspect="1"/>
+          </p:cNvSpPr>
+          <p:nvPr>
+            <p:ph type="sldImg"/>
+          </p:nvPr>
+        </p:nvSpPr>
+        <p:spPr/>
+      </p:sp>
+      <p:sp>
+        <p:nvSpPr>
+          <p:cNvPr id="3" name="Notes Placeholder 2"/>
+          <p:cNvSpPr>
+            <a:spLocks noGrp="1"/>
+          </p:cNvSpPr>
+          <p:nvPr>
+            <p:ph type="body" idx="1"/>
+          </p:nvPr>
+        </p:nvSpPr>
+        <p:spPr/>
+        <p:txBody>
+          <a:bodyPr/>
+          <a:lstStyle/>
+          <a:p>
+            <a:r>
+              <a:rPr lang="en-US" dirty="0"/>
+              <a:t>The LC</a:t>
+            </a:r>
+            <a:r>
+              <a:rPr lang="en-US" baseline="0" dirty="0"/>
+              <a:t>D we </a:t>
+            </a:r>
+            <a:r>
+              <a:rPr lang="en-US" baseline="0" dirty="0" err="1"/>
+              <a:t>gonna</a:t>
+            </a:r>
+            <a:r>
+              <a:rPr lang="en-US" baseline="0" dirty="0"/>
+              <a:t> use is the monochromatic LCD with an array of 16x2 character position and 16 IO pin, some important pin is RS, EN, DB4,5,6,7. The contrast of LED is control by the led pin next to pin DB7.</a:t>
+            </a:r>
+            <a:endParaRPr lang="en-GB" dirty="0"/>
+          </a:p>
+        </p:txBody>
+      </p:sp>
+      <p:sp>
+        <p:nvSpPr>
+          <p:cNvPr id="4" name="Slide Number Placeholder 3"/>
+          <p:cNvSpPr>
+            <a:spLocks noGrp="1"/>
+          </p:cNvSpPr>
+          <p:nvPr>
+            <p:ph type="sldNum" sz="quarter" idx="10"/>
+          </p:nvPr>
+        </p:nvSpPr>
+        <p:spPr/>
+        <p:txBody>
+          <a:bodyPr/>
+          <a:lstStyle/>
+          <a:p>
+            <a:fld id="{A608921E-EF16-442B-810C-BBFEEBD6655E}" type="slidenum">
+              <a:rPr lang="en-GB" smtClean="0"/>
+              <a:t>12</a:t>
+            </a:fld>
+            <a:endParaRPr lang="en-GB"/>
+          </a:p>
+        </p:txBody>
+      </p:sp>
+    </p:spTree>
+    <p:extLst>
+      <p:ext uri="{BB962C8B-B14F-4D97-AF65-F5344CB8AC3E}">
+        <p14:creationId xmlns:p14="http://schemas.microsoft.com/office/powerpoint/2010/main" val="3003504498"/>
+      </p:ext>
+    </p:extLst>
+  </p:cSld>
+  <p:clrMapOvr>
+    <a:masterClrMapping/>
+  </p:clrMapOvr>
+</p:notes>
+</file>
+
+<file path=ppt/notesSlides/notesSlide11.xml><?xml version="1.0" encoding="utf-8"?>
+<p:notes xmlns:a="http://schemas.openxmlformats.org/drawingml/2006/main" xmlns:r="http://schemas.openxmlformats.org/officeDocument/2006/relationships" xmlns:p="http://schemas.openxmlformats.org/presentationml/2006/main">
+  <p:cSld>
+    <p:spTree>
+      <p:nvGrpSpPr>
+        <p:cNvPr id="1" name=""/>
+        <p:cNvGrpSpPr/>
+        <p:nvPr/>
+      </p:nvGrpSpPr>
+      <p:grpSpPr>
+        <a:xfrm>
+          <a:off x="0" y="0"/>
+          <a:ext cx="0" cy="0"/>
+          <a:chOff x="0" y="0"/>
+          <a:chExt cx="0" cy="0"/>
+        </a:xfrm>
+      </p:grpSpPr>
+      <p:sp>
+        <p:nvSpPr>
+          <p:cNvPr id="2" name="Slide Image Placeholder 1"/>
+          <p:cNvSpPr>
+            <a:spLocks noGrp="1" noRot="1" noChangeAspect="1"/>
+          </p:cNvSpPr>
+          <p:nvPr>
+            <p:ph type="sldImg"/>
+          </p:nvPr>
+        </p:nvSpPr>
+        <p:spPr/>
+      </p:sp>
+      <p:sp>
+        <p:nvSpPr>
+          <p:cNvPr id="3" name="Notes Placeholder 2"/>
+          <p:cNvSpPr>
+            <a:spLocks noGrp="1"/>
+          </p:cNvSpPr>
+          <p:nvPr>
+            <p:ph type="body" idx="1"/>
+          </p:nvPr>
+        </p:nvSpPr>
+        <p:spPr/>
+        <p:txBody>
+          <a:bodyPr/>
+          <a:lstStyle/>
+          <a:p>
+            <a:r>
+              <a:rPr lang="en-US" dirty="0"/>
+              <a:t>In this tutorial, we </a:t>
+            </a:r>
+            <a:r>
+              <a:rPr lang="en-US" dirty="0" err="1"/>
+              <a:t>gonna</a:t>
+            </a:r>
+            <a:r>
+              <a:rPr lang="en-US" dirty="0"/>
+              <a:t> display the current</a:t>
+            </a:r>
+            <a:r>
+              <a:rPr lang="en-US" baseline="0" dirty="0"/>
+              <a:t> value of the light sensor on the LCD. The potentiometer is used to control the brightness of backlight. Let’s look the code.</a:t>
+            </a:r>
+            <a:endParaRPr lang="en-GB" dirty="0"/>
+          </a:p>
+        </p:txBody>
+      </p:sp>
+      <p:sp>
+        <p:nvSpPr>
+          <p:cNvPr id="4" name="Slide Number Placeholder 3"/>
+          <p:cNvSpPr>
+            <a:spLocks noGrp="1"/>
+          </p:cNvSpPr>
+          <p:nvPr>
+            <p:ph type="sldNum" sz="quarter" idx="10"/>
+          </p:nvPr>
+        </p:nvSpPr>
+        <p:spPr/>
+        <p:txBody>
+          <a:bodyPr/>
+          <a:lstStyle/>
+          <a:p>
+            <a:fld id="{A608921E-EF16-442B-810C-BBFEEBD6655E}" type="slidenum">
+              <a:rPr lang="en-GB" smtClean="0"/>
+              <a:t>13</a:t>
+            </a:fld>
+            <a:endParaRPr lang="en-GB"/>
+          </a:p>
+        </p:txBody>
+      </p:sp>
+    </p:spTree>
+    <p:extLst>
+      <p:ext uri="{BB962C8B-B14F-4D97-AF65-F5344CB8AC3E}">
+        <p14:creationId xmlns:p14="http://schemas.microsoft.com/office/powerpoint/2010/main" val="597287796"/>
+      </p:ext>
+    </p:extLst>
+  </p:cSld>
+  <p:clrMapOvr>
+    <a:masterClrMapping/>
+  </p:clrMapOvr>
+</p:notes>
+</file>
+
+<file path=ppt/notesSlides/notesSlide12.xml><?xml version="1.0" encoding="utf-8"?>
+<p:notes xmlns:a="http://schemas.openxmlformats.org/drawingml/2006/main" xmlns:r="http://schemas.openxmlformats.org/officeDocument/2006/relationships" xmlns:p="http://schemas.openxmlformats.org/presentationml/2006/main">
+  <p:cSld>
+    <p:spTree>
+      <p:nvGrpSpPr>
+        <p:cNvPr id="1" name=""/>
+        <p:cNvGrpSpPr/>
+        <p:nvPr/>
+      </p:nvGrpSpPr>
+      <p:grpSpPr>
+        <a:xfrm>
+          <a:off x="0" y="0"/>
+          <a:ext cx="0" cy="0"/>
+          <a:chOff x="0" y="0"/>
+          <a:chExt cx="0" cy="0"/>
+        </a:xfrm>
+      </p:grpSpPr>
+      <p:sp>
+        <p:nvSpPr>
+          <p:cNvPr id="2" name="Slide Image Placeholder 1"/>
+          <p:cNvSpPr>
+            <a:spLocks noGrp="1" noRot="1" noChangeAspect="1"/>
+          </p:cNvSpPr>
+          <p:nvPr>
+            <p:ph type="sldImg"/>
+          </p:nvPr>
+        </p:nvSpPr>
+        <p:spPr/>
+      </p:sp>
+      <p:sp>
+        <p:nvSpPr>
+          <p:cNvPr id="3" name="Notes Placeholder 2"/>
+          <p:cNvSpPr>
+            <a:spLocks noGrp="1"/>
+          </p:cNvSpPr>
+          <p:nvPr>
+            <p:ph type="body" idx="1"/>
+          </p:nvPr>
+        </p:nvSpPr>
+        <p:spPr/>
+        <p:txBody>
+          <a:bodyPr/>
+          <a:lstStyle/>
+          <a:p>
+            <a:r>
+              <a:rPr lang="en-US" dirty="0"/>
+              <a:t>This</a:t>
+            </a:r>
+            <a:r>
+              <a:rPr lang="en-US" baseline="0" dirty="0"/>
+              <a:t> is the end of the workshop, I have a challenge to you that is building a automatic gantry for cars to pass. The ideas is that cars come to a gantry, tap the card and it will open the gantry, which is a servo, then close automatically when the car passed on.</a:t>
+            </a:r>
+            <a:endParaRPr lang="en-GB" baseline="0" dirty="0"/>
+          </a:p>
+          <a:p>
+            <a:r>
+              <a:rPr lang="en-US" baseline="0" dirty="0" err="1"/>
+              <a:t>Machanism</a:t>
+            </a:r>
+            <a:r>
+              <a:rPr lang="en-US" baseline="0" dirty="0"/>
+              <a:t> is that we </a:t>
+            </a:r>
+            <a:r>
+              <a:rPr lang="en-US" baseline="0" dirty="0" err="1"/>
+              <a:t>gonna</a:t>
+            </a:r>
+            <a:r>
+              <a:rPr lang="en-US" baseline="0" dirty="0"/>
+              <a:t> use the light sensor to detect the car coming as it block a </a:t>
+            </a:r>
+            <a:r>
+              <a:rPr lang="en-US" baseline="0" dirty="0" err="1"/>
+              <a:t>lazer</a:t>
+            </a:r>
+            <a:r>
+              <a:rPr lang="en-US" baseline="0" dirty="0"/>
+              <a:t> source from the sensor. Then it ask the user to press button to unlock, then gantry open, it will only close once the car pass through (we may leave 1-2s gap for safety reason).</a:t>
+            </a:r>
+          </a:p>
+        </p:txBody>
+      </p:sp>
+      <p:sp>
+        <p:nvSpPr>
+          <p:cNvPr id="4" name="Slide Number Placeholder 3"/>
+          <p:cNvSpPr>
+            <a:spLocks noGrp="1"/>
+          </p:cNvSpPr>
+          <p:nvPr>
+            <p:ph type="sldNum" sz="quarter" idx="10"/>
+          </p:nvPr>
+        </p:nvSpPr>
+        <p:spPr/>
+        <p:txBody>
+          <a:bodyPr/>
+          <a:lstStyle/>
+          <a:p>
+            <a:fld id="{A608921E-EF16-442B-810C-BBFEEBD6655E}" type="slidenum">
+              <a:rPr lang="en-GB" smtClean="0"/>
+              <a:t>14</a:t>
+            </a:fld>
+            <a:endParaRPr lang="en-GB"/>
+          </a:p>
+        </p:txBody>
+      </p:sp>
+    </p:spTree>
+    <p:extLst>
+      <p:ext uri="{BB962C8B-B14F-4D97-AF65-F5344CB8AC3E}">
+        <p14:creationId xmlns:p14="http://schemas.microsoft.com/office/powerpoint/2010/main" val="2972005411"/>
+      </p:ext>
+    </p:extLst>
+  </p:cSld>
+  <p:clrMapOvr>
+    <a:masterClrMapping/>
+  </p:clrMapOvr>
+</p:notes>
+</file>
+
+<file path=ppt/notesSlides/notesSlide13.xml><?xml version="1.0" encoding="utf-8"?>
+<p:notes xmlns:a="http://schemas.openxmlformats.org/drawingml/2006/main" xmlns:r="http://schemas.openxmlformats.org/officeDocument/2006/relationships" xmlns:p="http://schemas.openxmlformats.org/presentationml/2006/main">
+  <p:cSld>
+    <p:spTree>
+      <p:nvGrpSpPr>
+        <p:cNvPr id="1" name=""/>
+        <p:cNvGrpSpPr/>
+        <p:nvPr/>
+      </p:nvGrpSpPr>
+      <p:grpSpPr>
+        <a:xfrm>
+          <a:off x="0" y="0"/>
+          <a:ext cx="0" cy="0"/>
+          <a:chOff x="0" y="0"/>
+          <a:chExt cx="0" cy="0"/>
+        </a:xfrm>
+      </p:grpSpPr>
+      <p:sp>
+        <p:nvSpPr>
+          <p:cNvPr id="2" name="Slide Image Placeholder 1"/>
+          <p:cNvSpPr>
+            <a:spLocks noGrp="1" noRot="1" noChangeAspect="1"/>
+          </p:cNvSpPr>
+          <p:nvPr>
+            <p:ph type="sldImg"/>
+          </p:nvPr>
+        </p:nvSpPr>
+        <p:spPr/>
+      </p:sp>
+      <p:sp>
+        <p:nvSpPr>
+          <p:cNvPr id="3" name="Notes Placeholder 2"/>
+          <p:cNvSpPr>
+            <a:spLocks noGrp="1"/>
+          </p:cNvSpPr>
+          <p:nvPr>
+            <p:ph type="body" idx="1"/>
+          </p:nvPr>
+        </p:nvSpPr>
+        <p:spPr/>
+        <p:txBody>
+          <a:bodyPr/>
+          <a:lstStyle/>
+          <a:p>
+            <a:endParaRPr lang="en-GB" dirty="0"/>
+          </a:p>
+        </p:txBody>
+      </p:sp>
+      <p:sp>
+        <p:nvSpPr>
+          <p:cNvPr id="4" name="Slide Number Placeholder 3"/>
+          <p:cNvSpPr>
+            <a:spLocks noGrp="1"/>
+          </p:cNvSpPr>
+          <p:nvPr>
+            <p:ph type="sldNum" sz="quarter" idx="10"/>
+          </p:nvPr>
+        </p:nvSpPr>
+        <p:spPr/>
+        <p:txBody>
+          <a:bodyPr/>
+          <a:lstStyle/>
+          <a:p>
+            <a:fld id="{A608921E-EF16-442B-810C-BBFEEBD6655E}" type="slidenum">
+              <a:rPr lang="en-GB" smtClean="0"/>
+              <a:t>15</a:t>
+            </a:fld>
+            <a:endParaRPr lang="en-GB"/>
+          </a:p>
+        </p:txBody>
+      </p:sp>
+    </p:spTree>
+    <p:extLst>
+      <p:ext uri="{BB962C8B-B14F-4D97-AF65-F5344CB8AC3E}">
+        <p14:creationId xmlns:p14="http://schemas.microsoft.com/office/powerpoint/2010/main" val="3532585704"/>
+      </p:ext>
+    </p:extLst>
+  </p:cSld>
+  <p:clrMapOvr>
+    <a:masterClrMapping/>
+  </p:clrMapOvr>
+</p:notes>
+</file>
+
+<file path=ppt/notesSlides/notesSlide2.xml><?xml version="1.0" encoding="utf-8"?>
+<p:notes xmlns:a="http://schemas.openxmlformats.org/drawingml/2006/main" xmlns:r="http://schemas.openxmlformats.org/officeDocument/2006/relationships" xmlns:p="http://schemas.openxmlformats.org/presentationml/2006/main">
+  <p:cSld>
+    <p:spTree>
+      <p:nvGrpSpPr>
+        <p:cNvPr id="1" name=""/>
+        <p:cNvGrpSpPr/>
+        <p:nvPr/>
+      </p:nvGrpSpPr>
+      <p:grpSpPr>
+        <a:xfrm>
+          <a:off x="0" y="0"/>
+          <a:ext cx="0" cy="0"/>
+          <a:chOff x="0" y="0"/>
+          <a:chExt cx="0" cy="0"/>
+        </a:xfrm>
+      </p:grpSpPr>
+      <p:sp>
+        <p:nvSpPr>
+          <p:cNvPr id="2" name="Slide Image Placeholder 1"/>
+          <p:cNvSpPr>
+            <a:spLocks noGrp="1" noRot="1" noChangeAspect="1"/>
+          </p:cNvSpPr>
+          <p:nvPr>
+            <p:ph type="sldImg"/>
+          </p:nvPr>
+        </p:nvSpPr>
+        <p:spPr/>
+      </p:sp>
+      <p:sp>
+        <p:nvSpPr>
+          <p:cNvPr id="3" name="Notes Placeholder 2"/>
+          <p:cNvSpPr>
+            <a:spLocks noGrp="1"/>
+          </p:cNvSpPr>
+          <p:nvPr>
+            <p:ph type="body" idx="1"/>
+          </p:nvPr>
+        </p:nvSpPr>
+        <p:spPr/>
+        <p:txBody>
+          <a:bodyPr/>
+          <a:lstStyle/>
+          <a:p>
+            <a:r>
+              <a:rPr lang="en-US" dirty="0"/>
+              <a:t>So</a:t>
+            </a:r>
+            <a:r>
+              <a:rPr lang="en-US" baseline="0" dirty="0"/>
+              <a:t> what is it, why is it becoming more and more popular among technical community. It is the emergence of IOT, </a:t>
+            </a:r>
+            <a:r>
+              <a:rPr lang="en-US" baseline="0" dirty="0" err="1"/>
+              <a:t>arrduino</a:t>
+            </a:r>
+            <a:r>
+              <a:rPr lang="en-US" baseline="0" dirty="0"/>
+              <a:t> makes prototyping IOT so easy and affordable. People can you Arduino to make interesting projects on </a:t>
+            </a:r>
+            <a:r>
+              <a:rPr lang="en-US" baseline="0" dirty="0" err="1"/>
+              <a:t>IoT</a:t>
+            </a:r>
+            <a:r>
+              <a:rPr lang="en-US" baseline="0" dirty="0"/>
+              <a:t>. We use Arduino to control analog component that is not make sense in digital world, and to communicate with physical world. So briefly you can see the system specification: we have micro controller, with a very low clock speed, it is operated at 5V which is quite high. We have a lot of digital and a number of analog pin. The ram and flash memory is extremely low so you must take into account this fact when you handle large and memory sucking project. For example when you declare a few thousands integer variable in the program, the memory start to not make any sense as memory is overridden and broken. Remember this is not a computer where you can easily use up any memory. Other communication port can be found such as Serial, Software Serial, I2C…</a:t>
+            </a:r>
+            <a:endParaRPr lang="en-GB" dirty="0"/>
+          </a:p>
+        </p:txBody>
+      </p:sp>
+      <p:sp>
+        <p:nvSpPr>
+          <p:cNvPr id="4" name="Slide Number Placeholder 3"/>
+          <p:cNvSpPr>
+            <a:spLocks noGrp="1"/>
+          </p:cNvSpPr>
+          <p:nvPr>
+            <p:ph type="sldNum" sz="quarter" idx="10"/>
+          </p:nvPr>
+        </p:nvSpPr>
+        <p:spPr/>
+        <p:txBody>
+          <a:bodyPr/>
+          <a:lstStyle/>
+          <a:p>
+            <a:fld id="{A608921E-EF16-442B-810C-BBFEEBD6655E}" type="slidenum">
+              <a:rPr lang="en-GB" smtClean="0"/>
+              <a:t>2</a:t>
+            </a:fld>
+            <a:endParaRPr lang="en-GB"/>
+          </a:p>
+        </p:txBody>
+      </p:sp>
+    </p:spTree>
+    <p:extLst>
+      <p:ext uri="{BB962C8B-B14F-4D97-AF65-F5344CB8AC3E}">
+        <p14:creationId xmlns:p14="http://schemas.microsoft.com/office/powerpoint/2010/main" val="3353198520"/>
+      </p:ext>
+    </p:extLst>
+  </p:cSld>
+  <p:clrMapOvr>
+    <a:masterClrMapping/>
+  </p:clrMapOvr>
+</p:notes>
+</file>
+
+<file path=ppt/notesSlides/notesSlide3.xml><?xml version="1.0" encoding="utf-8"?>
+<p:notes xmlns:a="http://schemas.openxmlformats.org/drawingml/2006/main" xmlns:r="http://schemas.openxmlformats.org/officeDocument/2006/relationships" xmlns:p="http://schemas.openxmlformats.org/presentationml/2006/main">
+  <p:cSld>
+    <p:spTree>
+      <p:nvGrpSpPr>
+        <p:cNvPr id="1" name=""/>
+        <p:cNvGrpSpPr/>
+        <p:nvPr/>
+      </p:nvGrpSpPr>
+      <p:grpSpPr>
+        <a:xfrm>
+          <a:off x="0" y="0"/>
+          <a:ext cx="0" cy="0"/>
+          <a:chOff x="0" y="0"/>
+          <a:chExt cx="0" cy="0"/>
+        </a:xfrm>
+      </p:grpSpPr>
+      <p:sp>
+        <p:nvSpPr>
+          <p:cNvPr id="2" name="Slide Image Placeholder 1"/>
+          <p:cNvSpPr>
+            <a:spLocks noGrp="1" noRot="1" noChangeAspect="1"/>
+          </p:cNvSpPr>
+          <p:nvPr>
+            <p:ph type="sldImg"/>
+          </p:nvPr>
+        </p:nvSpPr>
+        <p:spPr/>
+      </p:sp>
+      <p:sp>
+        <p:nvSpPr>
+          <p:cNvPr id="3" name="Notes Placeholder 2"/>
+          <p:cNvSpPr>
+            <a:spLocks noGrp="1"/>
+          </p:cNvSpPr>
+          <p:nvPr>
+            <p:ph type="body" idx="1"/>
+          </p:nvPr>
+        </p:nvSpPr>
+        <p:spPr/>
+        <p:txBody>
+          <a:bodyPr/>
+          <a:lstStyle/>
+          <a:p>
+            <a:r>
+              <a:rPr lang="en-US" dirty="0"/>
+              <a:t>We</a:t>
+            </a:r>
+            <a:r>
+              <a:rPr lang="en-US" baseline="0" dirty="0"/>
+              <a:t> have power pins (3.3 and 5V), analog pin, a lot of digital pins with some PWM function, pin 0 and 1 is purely use to </a:t>
+            </a:r>
+            <a:r>
+              <a:rPr lang="en-US" baseline="0"/>
+              <a:t>serial commucation</a:t>
+            </a:r>
+            <a:endParaRPr lang="en-GB" dirty="0"/>
+          </a:p>
+        </p:txBody>
+      </p:sp>
+      <p:sp>
+        <p:nvSpPr>
+          <p:cNvPr id="4" name="Slide Number Placeholder 3"/>
+          <p:cNvSpPr>
+            <a:spLocks noGrp="1"/>
+          </p:cNvSpPr>
+          <p:nvPr>
+            <p:ph type="sldNum" sz="quarter" idx="10"/>
+          </p:nvPr>
+        </p:nvSpPr>
+        <p:spPr/>
+        <p:txBody>
+          <a:bodyPr/>
+          <a:lstStyle/>
+          <a:p>
+            <a:fld id="{A608921E-EF16-442B-810C-BBFEEBD6655E}" type="slidenum">
+              <a:rPr lang="en-GB" smtClean="0"/>
+              <a:t>3</a:t>
+            </a:fld>
+            <a:endParaRPr lang="en-GB"/>
+          </a:p>
+        </p:txBody>
+      </p:sp>
+    </p:spTree>
+    <p:extLst>
+      <p:ext uri="{BB962C8B-B14F-4D97-AF65-F5344CB8AC3E}">
+        <p14:creationId xmlns:p14="http://schemas.microsoft.com/office/powerpoint/2010/main" val="385492098"/>
+      </p:ext>
+    </p:extLst>
+  </p:cSld>
+  <p:clrMapOvr>
+    <a:masterClrMapping/>
+  </p:clrMapOvr>
+</p:notes>
+</file>
+
+<file path=ppt/notesSlides/notesSlide4.xml><?xml version="1.0" encoding="utf-8"?>
+<p:notes xmlns:a="http://schemas.openxmlformats.org/drawingml/2006/main" xmlns:r="http://schemas.openxmlformats.org/officeDocument/2006/relationships" xmlns:p="http://schemas.openxmlformats.org/presentationml/2006/main">
+  <p:cSld>
+    <p:spTree>
+      <p:nvGrpSpPr>
+        <p:cNvPr id="1" name=""/>
+        <p:cNvGrpSpPr/>
+        <p:nvPr/>
+      </p:nvGrpSpPr>
+      <p:grpSpPr>
+        <a:xfrm>
+          <a:off x="0" y="0"/>
+          <a:ext cx="0" cy="0"/>
+          <a:chOff x="0" y="0"/>
+          <a:chExt cx="0" cy="0"/>
+        </a:xfrm>
+      </p:grpSpPr>
+      <p:sp>
+        <p:nvSpPr>
+          <p:cNvPr id="2" name="Slide Image Placeholder 1"/>
+          <p:cNvSpPr>
+            <a:spLocks noGrp="1" noRot="1" noChangeAspect="1"/>
+          </p:cNvSpPr>
+          <p:nvPr>
+            <p:ph type="sldImg"/>
+          </p:nvPr>
+        </p:nvSpPr>
+        <p:spPr/>
+      </p:sp>
+      <p:sp>
+        <p:nvSpPr>
+          <p:cNvPr id="3" name="Notes Placeholder 2"/>
+          <p:cNvSpPr>
+            <a:spLocks noGrp="1"/>
+          </p:cNvSpPr>
+          <p:nvPr>
+            <p:ph type="body" idx="1"/>
+          </p:nvPr>
+        </p:nvSpPr>
+        <p:spPr/>
+        <p:txBody>
+          <a:bodyPr/>
+          <a:lstStyle/>
+          <a:p>
+            <a:r>
+              <a:rPr lang="en-US" dirty="0"/>
+              <a:t>Arduino</a:t>
+            </a:r>
+            <a:r>
+              <a:rPr lang="en-US" baseline="0" dirty="0"/>
+              <a:t> is embedded with its own ADC and DAC for conversion of between analog and digital signal</a:t>
+            </a:r>
+            <a:endParaRPr lang="en-GB" dirty="0"/>
+          </a:p>
+        </p:txBody>
+      </p:sp>
+      <p:sp>
+        <p:nvSpPr>
+          <p:cNvPr id="4" name="Slide Number Placeholder 3"/>
+          <p:cNvSpPr>
+            <a:spLocks noGrp="1"/>
+          </p:cNvSpPr>
+          <p:nvPr>
+            <p:ph type="sldNum" sz="quarter" idx="10"/>
+          </p:nvPr>
+        </p:nvSpPr>
+        <p:spPr/>
+        <p:txBody>
+          <a:bodyPr/>
+          <a:lstStyle/>
+          <a:p>
+            <a:fld id="{A608921E-EF16-442B-810C-BBFEEBD6655E}" type="slidenum">
+              <a:rPr lang="en-GB" smtClean="0"/>
+              <a:t>4</a:t>
+            </a:fld>
+            <a:endParaRPr lang="en-GB"/>
+          </a:p>
+        </p:txBody>
+      </p:sp>
+    </p:spTree>
+    <p:extLst>
+      <p:ext uri="{BB962C8B-B14F-4D97-AF65-F5344CB8AC3E}">
+        <p14:creationId xmlns:p14="http://schemas.microsoft.com/office/powerpoint/2010/main" val="481122404"/>
+      </p:ext>
+    </p:extLst>
+  </p:cSld>
+  <p:clrMapOvr>
+    <a:masterClrMapping/>
+  </p:clrMapOvr>
+</p:notes>
+</file>
+
+<file path=ppt/notesSlides/notesSlide5.xml><?xml version="1.0" encoding="utf-8"?>
+<p:notes xmlns:a="http://schemas.openxmlformats.org/drawingml/2006/main" xmlns:r="http://schemas.openxmlformats.org/officeDocument/2006/relationships" xmlns:p="http://schemas.openxmlformats.org/presentationml/2006/main">
+  <p:cSld>
+    <p:spTree>
+      <p:nvGrpSpPr>
+        <p:cNvPr id="1" name=""/>
+        <p:cNvGrpSpPr/>
+        <p:nvPr/>
+      </p:nvGrpSpPr>
+      <p:grpSpPr>
+        <a:xfrm>
+          <a:off x="0" y="0"/>
+          <a:ext cx="0" cy="0"/>
+          <a:chOff x="0" y="0"/>
+          <a:chExt cx="0" cy="0"/>
+        </a:xfrm>
+      </p:grpSpPr>
+      <p:sp>
+        <p:nvSpPr>
+          <p:cNvPr id="2" name="Slide Image Placeholder 1"/>
+          <p:cNvSpPr>
+            <a:spLocks noGrp="1" noRot="1" noChangeAspect="1"/>
+          </p:cNvSpPr>
+          <p:nvPr>
+            <p:ph type="sldImg"/>
+          </p:nvPr>
+        </p:nvSpPr>
+        <p:spPr/>
+      </p:sp>
+      <p:sp>
+        <p:nvSpPr>
+          <p:cNvPr id="3" name="Notes Placeholder 2"/>
+          <p:cNvSpPr>
+            <a:spLocks noGrp="1"/>
+          </p:cNvSpPr>
+          <p:nvPr>
+            <p:ph type="body" idx="1"/>
+          </p:nvPr>
+        </p:nvSpPr>
+        <p:spPr/>
+        <p:txBody>
+          <a:bodyPr/>
+          <a:lstStyle/>
+          <a:p>
+            <a:r>
+              <a:rPr lang="en-US" dirty="0"/>
+              <a:t>When talk about the Arduino, we usually</a:t>
+            </a:r>
+            <a:r>
+              <a:rPr lang="en-US" baseline="0" dirty="0"/>
+              <a:t> talk about the Raspberry Pi, so what is difference. The big distinction is that the Pi is a complete computer with all necessary constituents. The Pi is much faster than Arduino, we have a microSD card slot and much more ram. The pi has more IO pins but only digital ones and they only work on 3.3V, making it only efficient on control digital signal transfer rather than output or input physical or analog signal from other components.</a:t>
+            </a:r>
+            <a:endParaRPr lang="en-GB" dirty="0"/>
+          </a:p>
+        </p:txBody>
+      </p:sp>
+      <p:sp>
+        <p:nvSpPr>
+          <p:cNvPr id="4" name="Slide Number Placeholder 3"/>
+          <p:cNvSpPr>
+            <a:spLocks noGrp="1"/>
+          </p:cNvSpPr>
+          <p:nvPr>
+            <p:ph type="sldNum" sz="quarter" idx="10"/>
+          </p:nvPr>
+        </p:nvSpPr>
+        <p:spPr/>
+        <p:txBody>
+          <a:bodyPr/>
+          <a:lstStyle/>
+          <a:p>
+            <a:fld id="{A608921E-EF16-442B-810C-BBFEEBD6655E}" type="slidenum">
+              <a:rPr lang="en-GB" smtClean="0"/>
+              <a:t>5</a:t>
+            </a:fld>
+            <a:endParaRPr lang="en-GB"/>
+          </a:p>
+        </p:txBody>
+      </p:sp>
+    </p:spTree>
+    <p:extLst>
+      <p:ext uri="{BB962C8B-B14F-4D97-AF65-F5344CB8AC3E}">
+        <p14:creationId xmlns:p14="http://schemas.microsoft.com/office/powerpoint/2010/main" val="2627433187"/>
+      </p:ext>
+    </p:extLst>
+  </p:cSld>
+  <p:clrMapOvr>
+    <a:masterClrMapping/>
+  </p:clrMapOvr>
+</p:notes>
+</file>
+
+<file path=ppt/notesSlides/notesSlide6.xml><?xml version="1.0" encoding="utf-8"?>
+<p:notes xmlns:a="http://schemas.openxmlformats.org/drawingml/2006/main" xmlns:r="http://schemas.openxmlformats.org/officeDocument/2006/relationships" xmlns:p="http://schemas.openxmlformats.org/presentationml/2006/main">
+  <p:cSld>
+    <p:spTree>
+      <p:nvGrpSpPr>
+        <p:cNvPr id="1" name=""/>
+        <p:cNvGrpSpPr/>
+        <p:nvPr/>
+      </p:nvGrpSpPr>
+      <p:grpSpPr>
+        <a:xfrm>
+          <a:off x="0" y="0"/>
+          <a:ext cx="0" cy="0"/>
+          <a:chOff x="0" y="0"/>
+          <a:chExt cx="0" cy="0"/>
+        </a:xfrm>
+      </p:grpSpPr>
+      <p:sp>
+        <p:nvSpPr>
+          <p:cNvPr id="2" name="Slide Image Placeholder 1"/>
+          <p:cNvSpPr>
+            <a:spLocks noGrp="1" noRot="1" noChangeAspect="1"/>
+          </p:cNvSpPr>
+          <p:nvPr>
+            <p:ph type="sldImg"/>
+          </p:nvPr>
+        </p:nvSpPr>
+        <p:spPr/>
+      </p:sp>
+      <p:sp>
+        <p:nvSpPr>
+          <p:cNvPr id="3" name="Notes Placeholder 2"/>
+          <p:cNvSpPr>
+            <a:spLocks noGrp="1"/>
+          </p:cNvSpPr>
+          <p:nvPr>
+            <p:ph type="body" idx="1"/>
+          </p:nvPr>
+        </p:nvSpPr>
+        <p:spPr/>
+        <p:txBody>
+          <a:bodyPr/>
+          <a:lstStyle/>
+          <a:p>
+            <a:r>
+              <a:rPr lang="en-US" dirty="0"/>
+              <a:t>Arduino</a:t>
+            </a:r>
+            <a:r>
+              <a:rPr lang="en-US" baseline="0" dirty="0"/>
+              <a:t> language is more and less C/C++, many people are convinced that it is just C. But I believe it is C++ because we have OOP functionality here. However, it lacks lots of C/</a:t>
+            </a:r>
+            <a:r>
+              <a:rPr lang="en-US" baseline="0" dirty="0" err="1"/>
+              <a:t>c++</a:t>
+            </a:r>
+            <a:r>
+              <a:rPr lang="en-US" baseline="0" dirty="0"/>
+              <a:t> built-in library like </a:t>
+            </a:r>
+            <a:r>
+              <a:rPr lang="en-US" baseline="0" dirty="0" err="1"/>
+              <a:t>osstream</a:t>
+            </a:r>
+            <a:r>
+              <a:rPr lang="en-US" baseline="0" dirty="0"/>
+              <a:t> or </a:t>
+            </a:r>
+            <a:r>
+              <a:rPr lang="en-US" baseline="0" dirty="0" err="1"/>
+              <a:t>std</a:t>
+            </a:r>
+            <a:r>
+              <a:rPr lang="en-US" baseline="0" dirty="0"/>
+              <a:t> namespace, but it contains other library which support the manipulation of some electrical component like the Servo.</a:t>
+            </a:r>
+            <a:endParaRPr lang="en-GB" dirty="0"/>
+          </a:p>
+        </p:txBody>
+      </p:sp>
+      <p:sp>
+        <p:nvSpPr>
+          <p:cNvPr id="4" name="Slide Number Placeholder 3"/>
+          <p:cNvSpPr>
+            <a:spLocks noGrp="1"/>
+          </p:cNvSpPr>
+          <p:nvPr>
+            <p:ph type="sldNum" sz="quarter" idx="10"/>
+          </p:nvPr>
+        </p:nvSpPr>
+        <p:spPr/>
+        <p:txBody>
+          <a:bodyPr/>
+          <a:lstStyle/>
+          <a:p>
+            <a:fld id="{A608921E-EF16-442B-810C-BBFEEBD6655E}" type="slidenum">
+              <a:rPr lang="en-GB" smtClean="0"/>
+              <a:t>7</a:t>
+            </a:fld>
+            <a:endParaRPr lang="en-GB"/>
+          </a:p>
+        </p:txBody>
+      </p:sp>
+    </p:spTree>
+    <p:extLst>
+      <p:ext uri="{BB962C8B-B14F-4D97-AF65-F5344CB8AC3E}">
+        <p14:creationId xmlns:p14="http://schemas.microsoft.com/office/powerpoint/2010/main" val="113173639"/>
+      </p:ext>
+    </p:extLst>
+  </p:cSld>
+  <p:clrMapOvr>
+    <a:masterClrMapping/>
+  </p:clrMapOvr>
+</p:notes>
+</file>
+
+<file path=ppt/notesSlides/notesSlide7.xml><?xml version="1.0" encoding="utf-8"?>
+<p:notes xmlns:a="http://schemas.openxmlformats.org/drawingml/2006/main" xmlns:r="http://schemas.openxmlformats.org/officeDocument/2006/relationships" xmlns:p="http://schemas.openxmlformats.org/presentationml/2006/main">
+  <p:cSld>
+    <p:spTree>
+      <p:nvGrpSpPr>
+        <p:cNvPr id="1" name=""/>
+        <p:cNvGrpSpPr/>
+        <p:nvPr/>
+      </p:nvGrpSpPr>
+      <p:grpSpPr>
+        <a:xfrm>
+          <a:off x="0" y="0"/>
+          <a:ext cx="0" cy="0"/>
+          <a:chOff x="0" y="0"/>
+          <a:chExt cx="0" cy="0"/>
+        </a:xfrm>
+      </p:grpSpPr>
+      <p:sp>
+        <p:nvSpPr>
+          <p:cNvPr id="2" name="Slide Image Placeholder 1"/>
+          <p:cNvSpPr>
+            <a:spLocks noGrp="1" noRot="1" noChangeAspect="1"/>
+          </p:cNvSpPr>
+          <p:nvPr>
+            <p:ph type="sldImg"/>
+          </p:nvPr>
+        </p:nvSpPr>
+        <p:spPr/>
+      </p:sp>
+      <p:sp>
+        <p:nvSpPr>
+          <p:cNvPr id="3" name="Notes Placeholder 2"/>
+          <p:cNvSpPr>
+            <a:spLocks noGrp="1"/>
+          </p:cNvSpPr>
+          <p:nvPr>
+            <p:ph type="body" idx="1"/>
+          </p:nvPr>
+        </p:nvSpPr>
+        <p:spPr/>
+        <p:txBody>
+          <a:bodyPr/>
+          <a:lstStyle/>
+          <a:p>
+            <a:r>
+              <a:rPr lang="en-US" dirty="0"/>
+              <a:t>What if we want</a:t>
+            </a:r>
+            <a:r>
+              <a:rPr lang="en-US" baseline="0" dirty="0"/>
+              <a:t> an analog output but only have a digital output. PWM mode is introduced to solve this problem. That is the digital output signal is blink so fast that it has an effectively equivalent effect that a analog signal can provide. That is, the output is on 5V for a proportion of time of a period of 20ms, say it is on for 10ms which is half the period. We then have a 50% duty circuit. This is effectively the same as we have an stable output of 2.5V as analog signal. So when it is injected to a LED, the </a:t>
+            </a:r>
+            <a:r>
+              <a:rPr lang="en-US" baseline="0" dirty="0" err="1"/>
+              <a:t>brightess</a:t>
+            </a:r>
+            <a:r>
+              <a:rPr lang="en-US" baseline="0" dirty="0"/>
+              <a:t> will indicate the analog value equivalently.</a:t>
+            </a:r>
+            <a:endParaRPr lang="en-GB" dirty="0"/>
+          </a:p>
+        </p:txBody>
+      </p:sp>
+      <p:sp>
+        <p:nvSpPr>
+          <p:cNvPr id="4" name="Slide Number Placeholder 3"/>
+          <p:cNvSpPr>
+            <a:spLocks noGrp="1"/>
+          </p:cNvSpPr>
+          <p:nvPr>
+            <p:ph type="sldNum" sz="quarter" idx="10"/>
+          </p:nvPr>
+        </p:nvSpPr>
+        <p:spPr/>
+        <p:txBody>
+          <a:bodyPr/>
+          <a:lstStyle/>
+          <a:p>
+            <a:fld id="{A608921E-EF16-442B-810C-BBFEEBD6655E}" type="slidenum">
+              <a:rPr lang="en-GB" smtClean="0"/>
+              <a:t>9</a:t>
+            </a:fld>
+            <a:endParaRPr lang="en-GB"/>
+          </a:p>
+        </p:txBody>
+      </p:sp>
+    </p:spTree>
+    <p:extLst>
+      <p:ext uri="{BB962C8B-B14F-4D97-AF65-F5344CB8AC3E}">
+        <p14:creationId xmlns:p14="http://schemas.microsoft.com/office/powerpoint/2010/main" val="58820818"/>
+      </p:ext>
+    </p:extLst>
+  </p:cSld>
+  <p:clrMapOvr>
+    <a:masterClrMapping/>
+  </p:clrMapOvr>
+</p:notes>
+</file>
+
+<file path=ppt/notesSlides/notesSlide8.xml><?xml version="1.0" encoding="utf-8"?>
+<p:notes xmlns:a="http://schemas.openxmlformats.org/drawingml/2006/main" xmlns:r="http://schemas.openxmlformats.org/officeDocument/2006/relationships" xmlns:p="http://schemas.openxmlformats.org/presentationml/2006/main">
+  <p:cSld>
+    <p:spTree>
+      <p:nvGrpSpPr>
+        <p:cNvPr id="1" name=""/>
+        <p:cNvGrpSpPr/>
+        <p:nvPr/>
+      </p:nvGrpSpPr>
+      <p:grpSpPr>
+        <a:xfrm>
+          <a:off x="0" y="0"/>
+          <a:ext cx="0" cy="0"/>
+          <a:chOff x="0" y="0"/>
+          <a:chExt cx="0" cy="0"/>
+        </a:xfrm>
+      </p:grpSpPr>
+      <p:sp>
+        <p:nvSpPr>
+          <p:cNvPr id="2" name="Slide Image Placeholder 1"/>
+          <p:cNvSpPr>
+            <a:spLocks noGrp="1" noRot="1" noChangeAspect="1"/>
+          </p:cNvSpPr>
+          <p:nvPr>
+            <p:ph type="sldImg"/>
+          </p:nvPr>
+        </p:nvSpPr>
+        <p:spPr/>
+      </p:sp>
+      <p:sp>
+        <p:nvSpPr>
+          <p:cNvPr id="3" name="Notes Placeholder 2"/>
+          <p:cNvSpPr>
+            <a:spLocks noGrp="1"/>
+          </p:cNvSpPr>
+          <p:nvPr>
+            <p:ph type="body" idx="1"/>
+          </p:nvPr>
+        </p:nvSpPr>
+        <p:spPr/>
+        <p:txBody>
+          <a:bodyPr/>
+          <a:lstStyle/>
+          <a:p>
+            <a:r>
+              <a:rPr lang="en-US" dirty="0"/>
+              <a:t>So we </a:t>
+            </a:r>
+            <a:r>
+              <a:rPr lang="en-US" dirty="0" err="1"/>
+              <a:t>gonna</a:t>
+            </a:r>
+            <a:r>
+              <a:rPr lang="en-US" baseline="0" dirty="0"/>
+              <a:t> make use PWM in the next tutorial. We </a:t>
+            </a:r>
+            <a:r>
+              <a:rPr lang="en-US" baseline="0" dirty="0" err="1"/>
+              <a:t>gonna</a:t>
+            </a:r>
+            <a:r>
+              <a:rPr lang="en-US" baseline="0" dirty="0"/>
+              <a:t> dimming an LED a push button. You can see the configuration of the button here, A-C, B-D is connected. All 4 port is connected when the button is press. So let’s make the circuit: pin 3 is deem as 0V when not pushed, when connection is make, pin 13 go straight to 5V as HIGH signal, a resistor  must be there to limit the current or else it would make a short circuit. The potentiometer is there to act as a voltage divider which change the voltage of A0 when we rotate this needle. Now we go to the program part.</a:t>
+            </a:r>
+            <a:endParaRPr lang="en-GB" dirty="0"/>
+          </a:p>
+        </p:txBody>
+      </p:sp>
+      <p:sp>
+        <p:nvSpPr>
+          <p:cNvPr id="4" name="Slide Number Placeholder 3"/>
+          <p:cNvSpPr>
+            <a:spLocks noGrp="1"/>
+          </p:cNvSpPr>
+          <p:nvPr>
+            <p:ph type="sldNum" sz="quarter" idx="10"/>
+          </p:nvPr>
+        </p:nvSpPr>
+        <p:spPr/>
+        <p:txBody>
+          <a:bodyPr/>
+          <a:lstStyle/>
+          <a:p>
+            <a:fld id="{A608921E-EF16-442B-810C-BBFEEBD6655E}" type="slidenum">
+              <a:rPr lang="en-GB" smtClean="0"/>
+              <a:t>10</a:t>
+            </a:fld>
+            <a:endParaRPr lang="en-GB"/>
+          </a:p>
+        </p:txBody>
+      </p:sp>
+    </p:spTree>
+    <p:extLst>
+      <p:ext uri="{BB962C8B-B14F-4D97-AF65-F5344CB8AC3E}">
+        <p14:creationId xmlns:p14="http://schemas.microsoft.com/office/powerpoint/2010/main" val="2292740246"/>
+      </p:ext>
+    </p:extLst>
+  </p:cSld>
+  <p:clrMapOvr>
+    <a:masterClrMapping/>
+  </p:clrMapOvr>
+</p:notes>
+</file>
+
+<file path=ppt/notesSlides/notesSlide9.xml><?xml version="1.0" encoding="utf-8"?>
+<p:notes xmlns:a="http://schemas.openxmlformats.org/drawingml/2006/main" xmlns:r="http://schemas.openxmlformats.org/officeDocument/2006/relationships" xmlns:p="http://schemas.openxmlformats.org/presentationml/2006/main">
+  <p:cSld>
+    <p:spTree>
+      <p:nvGrpSpPr>
+        <p:cNvPr id="1" name=""/>
+        <p:cNvGrpSpPr/>
+        <p:nvPr/>
+      </p:nvGrpSpPr>
+      <p:grpSpPr>
+        <a:xfrm>
+          <a:off x="0" y="0"/>
+          <a:ext cx="0" cy="0"/>
+          <a:chOff x="0" y="0"/>
+          <a:chExt cx="0" cy="0"/>
+        </a:xfrm>
+      </p:grpSpPr>
+      <p:sp>
+        <p:nvSpPr>
+          <p:cNvPr id="2" name="Slide Image Placeholder 1"/>
+          <p:cNvSpPr>
+            <a:spLocks noGrp="1" noRot="1" noChangeAspect="1"/>
+          </p:cNvSpPr>
+          <p:nvPr>
+            <p:ph type="sldImg"/>
+          </p:nvPr>
+        </p:nvSpPr>
+        <p:spPr/>
+      </p:sp>
+      <p:sp>
+        <p:nvSpPr>
+          <p:cNvPr id="3" name="Notes Placeholder 2"/>
+          <p:cNvSpPr>
+            <a:spLocks noGrp="1"/>
+          </p:cNvSpPr>
+          <p:nvPr>
+            <p:ph type="body" idx="1"/>
+          </p:nvPr>
+        </p:nvSpPr>
+        <p:spPr/>
+        <p:txBody>
+          <a:bodyPr/>
+          <a:lstStyle/>
+          <a:p>
+            <a:r>
+              <a:rPr lang="en-US" dirty="0"/>
+              <a:t>Next</a:t>
+            </a:r>
+            <a:r>
+              <a:rPr lang="en-US" baseline="0" dirty="0"/>
+              <a:t> I will introduce to you the photo resistor (light sensor) and the servo motor. Servo is a motor that is capable of maintaining a specific rotational position by controlling the PWM input. The light sensor, on the other hand, change its resistance according to the light condition surrounding it. It will become more conductive and source more current when more light intensity is injected. We </a:t>
+            </a:r>
+            <a:r>
+              <a:rPr lang="en-US" baseline="0" dirty="0" err="1"/>
+              <a:t>gonna</a:t>
+            </a:r>
+            <a:r>
+              <a:rPr lang="en-US" baseline="0" dirty="0"/>
+              <a:t> need a push button so that we will switch between 2 servo control modes: one is the sensor control the servo rotation, the other is the potentiometer control it instead. Let’s look into the code.</a:t>
+            </a:r>
+            <a:endParaRPr lang="en-GB" dirty="0"/>
+          </a:p>
+        </p:txBody>
+      </p:sp>
+      <p:sp>
+        <p:nvSpPr>
+          <p:cNvPr id="4" name="Slide Number Placeholder 3"/>
+          <p:cNvSpPr>
+            <a:spLocks noGrp="1"/>
+          </p:cNvSpPr>
+          <p:nvPr>
+            <p:ph type="sldNum" sz="quarter" idx="10"/>
+          </p:nvPr>
+        </p:nvSpPr>
+        <p:spPr/>
+        <p:txBody>
+          <a:bodyPr/>
+          <a:lstStyle/>
+          <a:p>
+            <a:fld id="{A608921E-EF16-442B-810C-BBFEEBD6655E}" type="slidenum">
+              <a:rPr lang="en-GB" smtClean="0"/>
+              <a:t>11</a:t>
+            </a:fld>
+            <a:endParaRPr lang="en-GB"/>
+          </a:p>
+        </p:txBody>
+      </p:sp>
+    </p:spTree>
+    <p:extLst>
+      <p:ext uri="{BB962C8B-B14F-4D97-AF65-F5344CB8AC3E}">
+        <p14:creationId xmlns:p14="http://schemas.microsoft.com/office/powerpoint/2010/main" val="2804495873"/>
+      </p:ext>
+    </p:extLst>
+  </p:cSld>
+  <p:clrMapOvr>
+    <a:masterClrMapping/>
+  </p:clrMapOvr>
+</p:notes>
+</file>
+
 <file path=ppt/slideLayouts/slideLayout1.xml><?xml version="1.0" encoding="utf-8"?>
 <p:sldLayout xmlns:a="http://schemas.openxmlformats.org/drawingml/2006/main" xmlns:r="http://schemas.openxmlformats.org/officeDocument/2006/relationships" xmlns:p="http://schemas.openxmlformats.org/presentationml/2006/main" type="title" preserve="1">
   <p:cSld name="Title Slide">
@@ -315,7 +1962,7 @@
             <a:fld id="{B61BEF0D-F0BB-DE4B-95CE-6DB70DBA9567}" type="datetimeFigureOut">
               <a:rPr lang="en-US" dirty="0"/>
               <a:pPr/>
-              <a:t>12/26/2016</a:t>
+              <a:t>3/7/2017</a:t>
             </a:fld>
             <a:endParaRPr lang="en-US" dirty="0"/>
           </a:p>
@@ -650,7 +2297,7 @@
             <a:fld id="{B61BEF0D-F0BB-DE4B-95CE-6DB70DBA9567}" type="datetimeFigureOut">
               <a:rPr lang="en-US" dirty="0"/>
               <a:pPr/>
-              <a:t>12/26/2016</a:t>
+              <a:t>3/7/2017</a:t>
             </a:fld>
             <a:endParaRPr lang="en-US" dirty="0"/>
           </a:p>
@@ -1048,7 +2695,7 @@
             <a:fld id="{B61BEF0D-F0BB-DE4B-95CE-6DB70DBA9567}" type="datetimeFigureOut">
               <a:rPr lang="en-US" dirty="0"/>
               <a:pPr/>
-              <a:t>12/26/2016</a:t>
+              <a:t>3/7/2017</a:t>
             </a:fld>
             <a:endParaRPr lang="en-US" dirty="0"/>
           </a:p>
@@ -1381,7 +3028,7 @@
             <a:fld id="{B61BEF0D-F0BB-DE4B-95CE-6DB70DBA9567}" type="datetimeFigureOut">
               <a:rPr lang="en-US" dirty="0"/>
               <a:pPr/>
-              <a:t>12/26/2016</a:t>
+              <a:t>3/7/2017</a:t>
             </a:fld>
             <a:endParaRPr lang="en-US" dirty="0"/>
           </a:p>
@@ -1698,7 +3345,7 @@
             <a:fld id="{B61BEF0D-F0BB-DE4B-95CE-6DB70DBA9567}" type="datetimeFigureOut">
               <a:rPr lang="en-US" dirty="0"/>
               <a:pPr/>
-              <a:t>12/26/2016</a:t>
+              <a:t>3/7/2017</a:t>
             </a:fld>
             <a:endParaRPr lang="en-US" dirty="0"/>
           </a:p>
@@ -2091,7 +3738,7 @@
             <a:fld id="{B61BEF0D-F0BB-DE4B-95CE-6DB70DBA9567}" type="datetimeFigureOut">
               <a:rPr lang="en-US" dirty="0"/>
               <a:pPr/>
-              <a:t>12/26/2016</a:t>
+              <a:t>3/7/2017</a:t>
             </a:fld>
             <a:endParaRPr lang="en-US" dirty="0"/>
           </a:p>
@@ -2345,7 +3992,7 @@
             <a:fld id="{B61BEF0D-F0BB-DE4B-95CE-6DB70DBA9567}" type="datetimeFigureOut">
               <a:rPr lang="en-US" dirty="0"/>
               <a:pPr/>
-              <a:t>12/26/2016</a:t>
+              <a:t>3/7/2017</a:t>
             </a:fld>
             <a:endParaRPr lang="en-US" dirty="0"/>
           </a:p>
@@ -2604,7 +4251,7 @@
             <a:fld id="{B61BEF0D-F0BB-DE4B-95CE-6DB70DBA9567}" type="datetimeFigureOut">
               <a:rPr lang="en-US" dirty="0"/>
               <a:pPr/>
-              <a:t>12/26/2016</a:t>
+              <a:t>3/7/2017</a:t>
             </a:fld>
             <a:endParaRPr lang="en-US" dirty="0"/>
           </a:p>
@@ -2863,7 +4510,7 @@
             <a:fld id="{B61BEF0D-F0BB-DE4B-95CE-6DB70DBA9567}" type="datetimeFigureOut">
               <a:rPr lang="en-US" dirty="0"/>
               <a:pPr/>
-              <a:t>12/26/2016</a:t>
+              <a:t>3/7/2017</a:t>
             </a:fld>
             <a:endParaRPr lang="en-US" dirty="0"/>
           </a:p>
@@ -3189,7 +4836,7 @@
             <a:fld id="{B61BEF0D-F0BB-DE4B-95CE-6DB70DBA9567}" type="datetimeFigureOut">
               <a:rPr lang="en-US" dirty="0"/>
               <a:pPr/>
-              <a:t>12/26/2016</a:t>
+              <a:t>3/7/2017</a:t>
             </a:fld>
             <a:endParaRPr lang="en-US" dirty="0"/>
           </a:p>
@@ -3509,7 +5156,7 @@
             <a:fld id="{B61BEF0D-F0BB-DE4B-95CE-6DB70DBA9567}" type="datetimeFigureOut">
               <a:rPr lang="en-US" dirty="0"/>
               <a:pPr/>
-              <a:t>12/26/2016</a:t>
+              <a:t>3/7/2017</a:t>
             </a:fld>
             <a:endParaRPr lang="en-US" dirty="0"/>
           </a:p>
@@ -3963,7 +5610,7 @@
             <a:fld id="{B61BEF0D-F0BB-DE4B-95CE-6DB70DBA9567}" type="datetimeFigureOut">
               <a:rPr lang="en-US" dirty="0"/>
               <a:pPr/>
-              <a:t>12/26/2016</a:t>
+              <a:t>3/7/2017</a:t>
             </a:fld>
             <a:endParaRPr lang="en-US" dirty="0"/>
           </a:p>
@@ -4165,7 +5812,7 @@
             <a:fld id="{B61BEF0D-F0BB-DE4B-95CE-6DB70DBA9567}" type="datetimeFigureOut">
               <a:rPr lang="en-US" dirty="0"/>
               <a:pPr/>
-              <a:t>12/26/2016</a:t>
+              <a:t>3/7/2017</a:t>
             </a:fld>
             <a:endParaRPr lang="en-US" dirty="0"/>
           </a:p>
@@ -4339,7 +5986,7 @@
             <a:fld id="{B61BEF0D-F0BB-DE4B-95CE-6DB70DBA9567}" type="datetimeFigureOut">
               <a:rPr lang="en-US" dirty="0"/>
               <a:pPr/>
-              <a:t>12/26/2016</a:t>
+              <a:t>3/7/2017</a:t>
             </a:fld>
             <a:endParaRPr lang="en-US" dirty="0"/>
           </a:p>
@@ -4669,7 +6316,7 @@
             <a:fld id="{B61BEF0D-F0BB-DE4B-95CE-6DB70DBA9567}" type="datetimeFigureOut">
               <a:rPr lang="en-US" dirty="0"/>
               <a:pPr/>
-              <a:t>12/26/2016</a:t>
+              <a:t>3/7/2017</a:t>
             </a:fld>
             <a:endParaRPr lang="en-US" dirty="0"/>
           </a:p>
@@ -5011,7 +6658,7 @@
             <a:fld id="{B61BEF0D-F0BB-DE4B-95CE-6DB70DBA9567}" type="datetimeFigureOut">
               <a:rPr lang="en-US" dirty="0"/>
               <a:pPr/>
-              <a:t>12/26/2016</a:t>
+              <a:t>3/7/2017</a:t>
             </a:fld>
             <a:endParaRPr lang="en-US" dirty="0"/>
           </a:p>
@@ -7125,7 +8772,7 @@
             <a:fld id="{B61BEF0D-F0BB-DE4B-95CE-6DB70DBA9567}" type="datetimeFigureOut">
               <a:rPr lang="en-US" dirty="0"/>
               <a:pPr/>
-              <a:t>12/26/2016</a:t>
+              <a:t>3/7/2017</a:t>
             </a:fld>
             <a:endParaRPr lang="en-US" dirty="0"/>
           </a:p>
@@ -8163,7 +9810,7 @@
           </p:nvPr>
         </p:nvPicPr>
         <p:blipFill>
-          <a:blip r:embed="rId2"/>
+          <a:blip r:embed="rId3"/>
           <a:stretch>
             <a:fillRect/>
           </a:stretch>
@@ -8184,7 +9831,7 @@
           <p:nvPr/>
         </p:nvPicPr>
         <p:blipFill>
-          <a:blip r:embed="rId3"/>
+          <a:blip r:embed="rId4"/>
           <a:stretch>
             <a:fillRect/>
           </a:stretch>
@@ -8270,7 +9917,7 @@
           </p:nvPr>
         </p:nvPicPr>
         <p:blipFill>
-          <a:blip r:embed="rId2"/>
+          <a:blip r:embed="rId3"/>
           <a:stretch>
             <a:fillRect/>
           </a:stretch>
@@ -8388,7 +10035,7 @@
           <p:nvPr/>
         </p:nvPicPr>
         <p:blipFill rotWithShape="1">
-          <a:blip r:embed="rId2"/>
+          <a:blip r:embed="rId3"/>
           <a:srcRect t="21907" b="20351"/>
           <a:stretch/>
         </p:blipFill>
@@ -8411,7 +10058,7 @@
           <p:nvPr/>
         </p:nvPicPr>
         <p:blipFill rotWithShape="1">
-          <a:blip r:embed="rId3"/>
+          <a:blip r:embed="rId4"/>
           <a:srcRect l="7891"/>
           <a:stretch/>
         </p:blipFill>
@@ -8492,6 +10139,21 @@
             </a:r>
           </a:p>
           <a:p>
+            <a:pPr lvl="1">
+              <a:spcBef>
+                <a:spcPts val="1200"/>
+              </a:spcBef>
+            </a:pPr>
+            <a:r>
+              <a:rPr lang="en-US" sz="1400" b="1" dirty="0">
+                <a:solidFill>
+                  <a:srgbClr val="000000"/>
+                </a:solidFill>
+              </a:rPr>
+              <a:t>Important: RS,  EN, DB4, DB5, DB6, DB7</a:t>
+            </a:r>
+          </a:p>
+          <a:p>
             <a:pPr>
               <a:spcBef>
                 <a:spcPts val="1200"/>
@@ -8503,22 +10165,7 @@
                   <a:srgbClr val="000000"/>
                 </a:solidFill>
               </a:rPr>
-              <a:t>Important: RS,  EN, DB4, DB5, DB6, DB7</a:t>
-            </a:r>
-          </a:p>
-          <a:p>
-            <a:pPr>
-              <a:spcBef>
-                <a:spcPts val="1200"/>
-              </a:spcBef>
-            </a:pPr>
-            <a:r>
-              <a:rPr lang="en-US" sz="1600" b="1" dirty="0">
-                <a:solidFill>
-                  <a:srgbClr val="000000"/>
-                </a:solidFill>
-              </a:rPr>
-              <a:t>Control contrast: LED pin next to DB7</a:t>
+              <a:t>Control contrast (backlight): LED pin next to DB7</a:t>
             </a:r>
           </a:p>
           <a:p>
@@ -8609,7 +10256,7 @@
           </p:nvPr>
         </p:nvPicPr>
         <p:blipFill>
-          <a:blip r:embed="rId2"/>
+          <a:blip r:embed="rId3"/>
           <a:stretch>
             <a:fillRect/>
           </a:stretch>
@@ -8817,7 +10464,7 @@
           </p:nvPr>
         </p:nvPicPr>
         <p:blipFill>
-          <a:blip r:embed="rId2"/>
+          <a:blip r:embed="rId3"/>
           <a:stretch>
             <a:fillRect/>
           </a:stretch>
@@ -8898,7 +10545,7 @@
           </p:nvPr>
         </p:nvPicPr>
         <p:blipFill>
-          <a:blip r:embed="rId2"/>
+          <a:blip r:embed="rId3"/>
           <a:stretch>
             <a:fillRect/>
           </a:stretch>
@@ -8919,7 +10566,7 @@
         <p:spPr>
           <a:xfrm>
             <a:off x="1030310" y="1609859"/>
-            <a:ext cx="7044744" cy="4970591"/>
+            <a:ext cx="7044744" cy="3908762"/>
           </a:xfrm>
           <a:prstGeom prst="rect">
             <a:avLst/>
@@ -8954,7 +10601,23 @@
             </a:pPr>
             <a:r>
               <a:rPr lang="en-US" dirty="0"/>
-              <a:t>Deal with Digital and Analog signal</a:t>
+              <a:t>Use for prototyping, studying and </a:t>
+            </a:r>
+            <a:r>
+              <a:rPr lang="en-US" b="1" dirty="0" err="1">
+                <a:solidFill>
+                  <a:srgbClr val="FF0000"/>
+                </a:solidFill>
+              </a:rPr>
+              <a:t>IoT</a:t>
+            </a:r>
+            <a:r>
+              <a:rPr lang="en-US" b="1" dirty="0">
+                <a:solidFill>
+                  <a:srgbClr val="FF0000"/>
+                </a:solidFill>
+              </a:rPr>
+              <a:t>…</a:t>
             </a:r>
           </a:p>
           <a:p>
@@ -8967,15 +10630,158 @@
             </a:pPr>
             <a:r>
               <a:rPr lang="en-US" dirty="0"/>
-              <a:t>Use for prototyping, studying and </a:t>
-            </a:r>
-            <a:r>
-              <a:rPr lang="en-US" b="1" dirty="0">
+              <a:t>System specification:</a:t>
+            </a:r>
+          </a:p>
+          <a:p>
+            <a:pPr marL="742950" lvl="1" indent="-285750">
+              <a:spcBef>
+                <a:spcPts val="600"/>
+              </a:spcBef>
+              <a:buFont typeface="Arial" panose="020B0604020202020204" pitchFamily="34" charset="0"/>
+              <a:buChar char="•"/>
+            </a:pPr>
+            <a:r>
+              <a:rPr lang="en-US" dirty="0" err="1"/>
+              <a:t>MicroController</a:t>
+            </a:r>
+            <a:r>
+              <a:rPr lang="en-US" dirty="0"/>
+              <a:t>:		ATmega328P</a:t>
+            </a:r>
+          </a:p>
+          <a:p>
+            <a:pPr marL="742950" lvl="1" indent="-285750">
+              <a:spcBef>
+                <a:spcPts val="600"/>
+              </a:spcBef>
+              <a:buFont typeface="Arial" panose="020B0604020202020204" pitchFamily="34" charset="0"/>
+              <a:buChar char="•"/>
+            </a:pPr>
+            <a:r>
+              <a:rPr lang="en-US" dirty="0"/>
+              <a:t>Clock speed:			16 MHz </a:t>
+            </a:r>
+            <a:r>
+              <a:rPr lang="en-US" dirty="0">
                 <a:solidFill>
                   <a:srgbClr val="FF0000"/>
                 </a:solidFill>
               </a:rPr>
-              <a:t>IOT…</a:t>
+              <a:t>(</a:t>
+            </a:r>
+            <a:r>
+              <a:rPr lang="en-US" dirty="0" err="1">
+                <a:solidFill>
+                  <a:srgbClr val="FF0000"/>
+                </a:solidFill>
+              </a:rPr>
+              <a:t>Veryyyy</a:t>
+            </a:r>
+            <a:r>
+              <a:rPr lang="en-US" dirty="0">
+                <a:solidFill>
+                  <a:srgbClr val="FF0000"/>
+                </a:solidFill>
+              </a:rPr>
+              <a:t> low)</a:t>
+            </a:r>
+          </a:p>
+          <a:p>
+            <a:pPr marL="742950" lvl="1" indent="-285750">
+              <a:spcBef>
+                <a:spcPts val="600"/>
+              </a:spcBef>
+              <a:buFont typeface="Arial" panose="020B0604020202020204" pitchFamily="34" charset="0"/>
+              <a:buChar char="•"/>
+            </a:pPr>
+            <a:r>
+              <a:rPr lang="en-US" dirty="0"/>
+              <a:t>Operating Voltage:	5V</a:t>
+            </a:r>
+          </a:p>
+          <a:p>
+            <a:pPr marL="742950" lvl="1" indent="-285750">
+              <a:spcBef>
+                <a:spcPts val="600"/>
+              </a:spcBef>
+              <a:buFont typeface="Arial" panose="020B0604020202020204" pitchFamily="34" charset="0"/>
+              <a:buChar char="•"/>
+            </a:pPr>
+            <a:r>
+              <a:rPr lang="en-US" dirty="0"/>
+              <a:t>Digital Pin:			14 (6 of which is PWM)</a:t>
+            </a:r>
+          </a:p>
+          <a:p>
+            <a:pPr marL="742950" lvl="1" indent="-285750">
+              <a:spcBef>
+                <a:spcPts val="600"/>
+              </a:spcBef>
+              <a:buFont typeface="Arial" panose="020B0604020202020204" pitchFamily="34" charset="0"/>
+              <a:buChar char="•"/>
+            </a:pPr>
+            <a:r>
+              <a:rPr lang="en-US" dirty="0"/>
+              <a:t>Analog pin:			6</a:t>
+            </a:r>
+          </a:p>
+          <a:p>
+            <a:pPr marL="742950" lvl="1" indent="-285750">
+              <a:spcBef>
+                <a:spcPts val="600"/>
+              </a:spcBef>
+              <a:buFont typeface="Arial" panose="020B0604020202020204" pitchFamily="34" charset="0"/>
+              <a:buChar char="•"/>
+            </a:pPr>
+            <a:r>
+              <a:rPr lang="en-US" dirty="0"/>
+              <a:t>RAM:					2KB </a:t>
+            </a:r>
+            <a:r>
+              <a:rPr lang="en-US" dirty="0">
+                <a:solidFill>
+                  <a:srgbClr val="FF0000"/>
+                </a:solidFill>
+              </a:rPr>
+              <a:t>(</a:t>
+            </a:r>
+            <a:r>
+              <a:rPr lang="en-US" dirty="0" err="1">
+                <a:solidFill>
+                  <a:srgbClr val="FF0000"/>
+                </a:solidFill>
+              </a:rPr>
+              <a:t>Veryyyy</a:t>
+            </a:r>
+            <a:r>
+              <a:rPr lang="en-US" dirty="0">
+                <a:solidFill>
+                  <a:srgbClr val="FF0000"/>
+                </a:solidFill>
+              </a:rPr>
+              <a:t> Small)</a:t>
+            </a:r>
+          </a:p>
+          <a:p>
+            <a:pPr marL="742950" lvl="1" indent="-285750">
+              <a:spcBef>
+                <a:spcPts val="600"/>
+              </a:spcBef>
+              <a:buFont typeface="Arial" panose="020B0604020202020204" pitchFamily="34" charset="0"/>
+              <a:buChar char="•"/>
+            </a:pPr>
+            <a:r>
+              <a:rPr lang="en-US" dirty="0"/>
+              <a:t>Flash memory:		32KB </a:t>
+            </a:r>
+            <a:r>
+              <a:rPr lang="en-US" dirty="0">
+                <a:solidFill>
+                  <a:srgbClr val="FF0000"/>
+                </a:solidFill>
+              </a:rPr>
+              <a:t>(Very small too)</a:t>
             </a:r>
           </a:p>
           <a:p>
@@ -8988,199 +10794,8 @@
             </a:pPr>
             <a:r>
               <a:rPr lang="en-US" dirty="0"/>
-              <a:t>System specification:</a:t>
-            </a:r>
-          </a:p>
-          <a:p>
-            <a:pPr marL="742950" lvl="1" indent="-285750">
-              <a:spcBef>
-                <a:spcPts val="600"/>
-              </a:spcBef>
-              <a:buFont typeface="Arial" panose="020B0604020202020204" pitchFamily="34" charset="0"/>
-              <a:buChar char="•"/>
-            </a:pPr>
-            <a:r>
-              <a:rPr lang="en-US" dirty="0" err="1"/>
-              <a:t>MicroController</a:t>
-            </a:r>
-            <a:r>
-              <a:rPr lang="en-US" dirty="0"/>
-              <a:t>:		ATmega328P</a:t>
-            </a:r>
-          </a:p>
-          <a:p>
-            <a:pPr marL="742950" lvl="1" indent="-285750">
-              <a:spcBef>
-                <a:spcPts val="600"/>
-              </a:spcBef>
-              <a:buFont typeface="Arial" panose="020B0604020202020204" pitchFamily="34" charset="0"/>
-              <a:buChar char="•"/>
-            </a:pPr>
-            <a:r>
-              <a:rPr lang="en-US" dirty="0"/>
-              <a:t>Clock speed:			16 MHz </a:t>
-            </a:r>
-            <a:r>
-              <a:rPr lang="en-US" dirty="0">
-                <a:solidFill>
-                  <a:srgbClr val="FF0000"/>
-                </a:solidFill>
-              </a:rPr>
-              <a:t>(</a:t>
-            </a:r>
-            <a:r>
-              <a:rPr lang="en-US" dirty="0" err="1">
-                <a:solidFill>
-                  <a:srgbClr val="FF0000"/>
-                </a:solidFill>
-              </a:rPr>
-              <a:t>Veryyyy</a:t>
-            </a:r>
-            <a:r>
-              <a:rPr lang="en-US" dirty="0">
-                <a:solidFill>
-                  <a:srgbClr val="FF0000"/>
-                </a:solidFill>
-              </a:rPr>
-              <a:t> small)</a:t>
-            </a:r>
-          </a:p>
-          <a:p>
-            <a:pPr marL="742950" lvl="1" indent="-285750">
-              <a:spcBef>
-                <a:spcPts val="600"/>
-              </a:spcBef>
-              <a:buFont typeface="Arial" panose="020B0604020202020204" pitchFamily="34" charset="0"/>
-              <a:buChar char="•"/>
-            </a:pPr>
-            <a:r>
-              <a:rPr lang="en-US" dirty="0"/>
-              <a:t>Operating Voltage:	5V</a:t>
-            </a:r>
-          </a:p>
-          <a:p>
-            <a:pPr marL="742950" lvl="1" indent="-285750">
-              <a:spcBef>
-                <a:spcPts val="600"/>
-              </a:spcBef>
-              <a:buFont typeface="Arial" panose="020B0604020202020204" pitchFamily="34" charset="0"/>
-              <a:buChar char="•"/>
-            </a:pPr>
-            <a:r>
-              <a:rPr lang="en-US" dirty="0"/>
-              <a:t>Digital Pin:			14 (6 of which is PWM)</a:t>
-            </a:r>
-          </a:p>
-          <a:p>
-            <a:pPr marL="742950" lvl="1" indent="-285750">
-              <a:spcBef>
-                <a:spcPts val="600"/>
-              </a:spcBef>
-              <a:buFont typeface="Arial" panose="020B0604020202020204" pitchFamily="34" charset="0"/>
-              <a:buChar char="•"/>
-            </a:pPr>
-            <a:r>
-              <a:rPr lang="en-US" dirty="0"/>
-              <a:t>Analog pin:			6</a:t>
-            </a:r>
-          </a:p>
-          <a:p>
-            <a:pPr marL="742950" lvl="1" indent="-285750">
-              <a:spcBef>
-                <a:spcPts val="600"/>
-              </a:spcBef>
-              <a:buFont typeface="Arial" panose="020B0604020202020204" pitchFamily="34" charset="0"/>
-              <a:buChar char="•"/>
-            </a:pPr>
-            <a:r>
-              <a:rPr lang="en-US" dirty="0"/>
-              <a:t>RAM:					2KB </a:t>
-            </a:r>
-            <a:r>
-              <a:rPr lang="en-US" dirty="0">
-                <a:solidFill>
-                  <a:srgbClr val="FF0000"/>
-                </a:solidFill>
-              </a:rPr>
-              <a:t>(</a:t>
-            </a:r>
-            <a:r>
-              <a:rPr lang="en-US" dirty="0" err="1">
-                <a:solidFill>
-                  <a:srgbClr val="FF0000"/>
-                </a:solidFill>
-              </a:rPr>
-              <a:t>Veryyyy</a:t>
-            </a:r>
-            <a:r>
-              <a:rPr lang="en-US" dirty="0">
-                <a:solidFill>
-                  <a:srgbClr val="FF0000"/>
-                </a:solidFill>
-              </a:rPr>
-              <a:t> Small)</a:t>
-            </a:r>
-          </a:p>
-          <a:p>
-            <a:pPr marL="742950" lvl="1" indent="-285750">
-              <a:spcBef>
-                <a:spcPts val="600"/>
-              </a:spcBef>
-              <a:buFont typeface="Arial" panose="020B0604020202020204" pitchFamily="34" charset="0"/>
-              <a:buChar char="•"/>
-            </a:pPr>
-            <a:r>
-              <a:rPr lang="en-US" dirty="0"/>
-              <a:t>Flash memory:		32KB </a:t>
-            </a:r>
-            <a:r>
-              <a:rPr lang="en-US" dirty="0">
-                <a:solidFill>
-                  <a:srgbClr val="FF0000"/>
-                </a:solidFill>
-              </a:rPr>
-              <a:t>(Very small too)</a:t>
-            </a:r>
-          </a:p>
-          <a:p>
-            <a:pPr marL="285750" indent="-285750">
-              <a:spcBef>
-                <a:spcPts val="600"/>
-              </a:spcBef>
-              <a:buFont typeface="Arial" panose="020B0604020202020204" pitchFamily="34" charset="0"/>
-              <a:buChar char="•"/>
-            </a:pPr>
-            <a:r>
-              <a:rPr lang="en-US" dirty="0"/>
               <a:t>Communication port: Serial, Software Serial, I2C</a:t>
             </a:r>
-          </a:p>
-          <a:p>
-            <a:pPr marL="285750" indent="-285750">
-              <a:spcBef>
-                <a:spcPts val="600"/>
-              </a:spcBef>
-              <a:buFont typeface="Arial" panose="020B0604020202020204" pitchFamily="34" charset="0"/>
-              <a:buChar char="•"/>
-            </a:pPr>
-            <a:r>
-              <a:rPr lang="en-US" b="1" dirty="0">
-                <a:solidFill>
-                  <a:srgbClr val="FF0000"/>
-                </a:solidFill>
-              </a:rPr>
-              <a:t>Connect the digital world to the physical world</a:t>
-            </a:r>
-          </a:p>
-          <a:p>
-            <a:pPr marL="285750" indent="-285750">
-              <a:spcBef>
-                <a:spcPts val="600"/>
-              </a:spcBef>
-              <a:buFont typeface="Arial" panose="020B0604020202020204" pitchFamily="34" charset="0"/>
-              <a:buChar char="•"/>
-            </a:pPr>
-            <a:endParaRPr lang="en-GB" dirty="0"/>
           </a:p>
         </p:txBody>
       </p:sp>
@@ -9225,7 +10840,7 @@
           </p:nvPr>
         </p:nvPicPr>
         <p:blipFill>
-          <a:blip r:embed="rId2"/>
+          <a:blip r:embed="rId3"/>
           <a:stretch>
             <a:fillRect/>
           </a:stretch>
@@ -9439,13 +11054,8 @@
           <a:p>
             <a:r>
               <a:rPr lang="en-US" dirty="0"/>
-              <a:t>1 – for Serial </a:t>
-            </a:r>
-            <a:r>
-              <a:rPr lang="en-US" dirty="0" err="1"/>
-              <a:t>Commnicate</a:t>
-            </a:r>
-            <a:endParaRPr lang="en-US" dirty="0"/>
+              <a:t>1 – for Serial Communicate</a:t>
+            </a:r>
           </a:p>
           <a:p>
             <a:r>
@@ -9510,7 +11120,7 @@
           <a:p>
             <a:r>
               <a:rPr lang="en-US" dirty="0"/>
-              <a:t>Digital vs Analog</a:t>
+              <a:t>Digital vs Analog Signals</a:t>
             </a:r>
             <a:endParaRPr lang="en-GB" dirty="0"/>
           </a:p>
@@ -9681,7 +11291,7 @@
           <p:nvPr/>
         </p:nvPicPr>
         <p:blipFill>
-          <a:blip r:embed="rId2"/>
+          <a:blip r:embed="rId3"/>
           <a:stretch>
             <a:fillRect/>
           </a:stretch>
@@ -9735,7 +11345,7 @@
           <p:nvPr/>
         </p:nvPicPr>
         <p:blipFill>
-          <a:blip r:embed="rId2"/>
+          <a:blip r:embed="rId3"/>
           <a:stretch>
             <a:fillRect/>
           </a:stretch>
@@ -10394,7 +12004,7 @@
           <p:nvPr/>
         </p:nvPicPr>
         <p:blipFill rotWithShape="1">
-          <a:blip r:embed="rId2"/>
+          <a:blip r:embed="rId3"/>
           <a:srcRect r="6781"/>
           <a:stretch/>
         </p:blipFill>
@@ -11522,7 +13132,7 @@
           <p:nvPr/>
         </p:nvPicPr>
         <p:blipFill>
-          <a:blip r:embed="rId2"/>
+          <a:blip r:embed="rId3"/>
           <a:stretch>
             <a:fillRect/>
           </a:stretch>
@@ -12090,4 +13700,299 @@
     </a:ext>
   </a:extLst>
 </a:theme>
+</file>
+
+<file path=ppt/theme/theme2.xml><?xml version="1.0" encoding="utf-8"?>
+<a:theme xmlns:a="http://schemas.openxmlformats.org/drawingml/2006/main" name="Office Theme">
+  <a:themeElements>
+    <a:clrScheme name="Office">
+      <a:dk1>
+        <a:sysClr val="windowText" lastClr="000000"/>
+      </a:dk1>
+      <a:lt1>
+        <a:sysClr val="window" lastClr="FFFFFF"/>
+      </a:lt1>
+      <a:dk2>
+        <a:srgbClr val="44546A"/>
+      </a:dk2>
+      <a:lt2>
+        <a:srgbClr val="E7E6E6"/>
+      </a:lt2>
+      <a:accent1>
+        <a:srgbClr val="5B9BD5"/>
+      </a:accent1>
+      <a:accent2>
+        <a:srgbClr val="ED7D31"/>
+      </a:accent2>
+      <a:accent3>
+        <a:srgbClr val="A5A5A5"/>
+      </a:accent3>
+      <a:accent4>
+        <a:srgbClr val="FFC000"/>
+      </a:accent4>
+      <a:accent5>
+        <a:srgbClr val="4472C4"/>
+      </a:accent5>
+      <a:accent6>
+        <a:srgbClr val="70AD47"/>
+      </a:accent6>
+      <a:hlink>
+        <a:srgbClr val="0563C1"/>
+      </a:hlink>
+      <a:folHlink>
+        <a:srgbClr val="954F72"/>
+      </a:folHlink>
+    </a:clrScheme>
+    <a:fontScheme name="Office">
+      <a:majorFont>
+        <a:latin typeface="Calibri Light" panose="020F0302020204030204"/>
+        <a:ea typeface=""/>
+        <a:cs typeface=""/>
+        <a:font script="Jpan" typeface="游ゴシック Light"/>
+        <a:font script="Hang" typeface="맑은 고딕"/>
+        <a:font script="Hans" typeface="等线 Light"/>
+        <a:font script="Hant" typeface="新細明體"/>
+        <a:font script="Arab" typeface="Times New Roman"/>
+        <a:font script="Hebr" typeface="Times New Roman"/>
+        <a:font script="Thai" typeface="Angsana New"/>
+        <a:font script="Ethi" typeface="Nyala"/>
+        <a:font script="Beng" typeface="Vrinda"/>
+        <a:font script="Gujr" typeface="Shruti"/>
+        <a:font script="Khmr" typeface="MoolBoran"/>
+        <a:font script="Knda" typeface="Tunga"/>
+        <a:font script="Guru" typeface="Raavi"/>
+        <a:font script="Cans" typeface="Euphemia"/>
+        <a:font script="Cher" typeface="Plantagenet Cherokee"/>
+        <a:font script="Yiii" typeface="Microsoft Yi Baiti"/>
+        <a:font script="Tibt" typeface="Microsoft Himalaya"/>
+        <a:font script="Thaa" typeface="MV Boli"/>
+        <a:font script="Deva" typeface="Mangal"/>
+        <a:font script="Telu" typeface="Gautami"/>
+        <a:font script="Taml" typeface="Latha"/>
+        <a:font script="Syrc" typeface="Estrangelo Edessa"/>
+        <a:font script="Orya" typeface="Kalinga"/>
+        <a:font script="Mlym" typeface="Kartika"/>
+        <a:font script="Laoo" typeface="DokChampa"/>
+        <a:font script="Sinh" typeface="Iskoola Pota"/>
+        <a:font script="Mong" typeface="Mongolian Baiti"/>
+        <a:font script="Viet" typeface="Times New Roman"/>
+        <a:font script="Uigh" typeface="Microsoft Uighur"/>
+        <a:font script="Geor" typeface="Sylfaen"/>
+        <a:font script="Armn" typeface="Arial"/>
+        <a:font script="Bugi" typeface="Leelawadee UI"/>
+        <a:font script="Bopo" typeface="Microsoft JhengHei"/>
+        <a:font script="Java" typeface="Javanese Text"/>
+        <a:font script="Lisu" typeface="Segoe UI"/>
+        <a:font script="Mymr" typeface="Myanmar Text"/>
+        <a:font script="Nkoo" typeface="Ebrima"/>
+        <a:font script="Olck" typeface="Nirmala UI"/>
+        <a:font script="Osma" typeface="Ebrima"/>
+        <a:font script="Phag" typeface="Phagspa"/>
+        <a:font script="Syrn" typeface="Estrangelo Edessa"/>
+        <a:font script="Syrj" typeface="Estrangelo Edessa"/>
+        <a:font script="Syre" typeface="Estrangelo Edessa"/>
+        <a:font script="Sora" typeface="Nirmala UI"/>
+        <a:font script="Tale" typeface="Microsoft Tai Le"/>
+        <a:font script="Talu" typeface="Microsoft New Tai Lue"/>
+        <a:font script="Tfng" typeface="Ebrima"/>
+      </a:majorFont>
+      <a:minorFont>
+        <a:latin typeface="Calibri" panose="020F0502020204030204"/>
+        <a:ea typeface=""/>
+        <a:cs typeface=""/>
+        <a:font script="Jpan" typeface="游ゴシック"/>
+        <a:font script="Hang" typeface="맑은 고딕"/>
+        <a:font script="Hans" typeface="等线"/>
+        <a:font script="Hant" typeface="新細明體"/>
+        <a:font script="Arab" typeface="Arial"/>
+        <a:font script="Hebr" typeface="Arial"/>
+        <a:font script="Thai" typeface="Cordia New"/>
+        <a:font script="Ethi" typeface="Nyala"/>
+        <a:font script="Beng" typeface="Vrinda"/>
+        <a:font script="Gujr" typeface="Shruti"/>
+        <a:font script="Khmr" typeface="DaunPenh"/>
+        <a:font script="Knda" typeface="Tunga"/>
+        <a:font script="Guru" typeface="Raavi"/>
+        <a:font script="Cans" typeface="Euphemia"/>
+        <a:font script="Cher" typeface="Plantagenet Cherokee"/>
+        <a:font script="Yiii" typeface="Microsoft Yi Baiti"/>
+        <a:font script="Tibt" typeface="Microsoft Himalaya"/>
+        <a:font script="Thaa" typeface="MV Boli"/>
+        <a:font script="Deva" typeface="Mangal"/>
+        <a:font script="Telu" typeface="Gautami"/>
+        <a:font script="Taml" typeface="Latha"/>
+        <a:font script="Syrc" typeface="Estrangelo Edessa"/>
+        <a:font script="Orya" typeface="Kalinga"/>
+        <a:font script="Mlym" typeface="Kartika"/>
+        <a:font script="Laoo" typeface="DokChampa"/>
+        <a:font script="Sinh" typeface="Iskoola Pota"/>
+        <a:font script="Mong" typeface="Mongolian Baiti"/>
+        <a:font script="Viet" typeface="Arial"/>
+        <a:font script="Uigh" typeface="Microsoft Uighur"/>
+        <a:font script="Geor" typeface="Sylfaen"/>
+        <a:font script="Armn" typeface="Arial"/>
+        <a:font script="Bugi" typeface="Leelawadee UI"/>
+        <a:font script="Bopo" typeface="Microsoft JhengHei"/>
+        <a:font script="Java" typeface="Javanese Text"/>
+        <a:font script="Lisu" typeface="Segoe UI"/>
+        <a:font script="Mymr" typeface="Myanmar Text"/>
+        <a:font script="Nkoo" typeface="Ebrima"/>
+        <a:font script="Olck" typeface="Nirmala UI"/>
+        <a:font script="Osma" typeface="Ebrima"/>
+        <a:font script="Phag" typeface="Phagspa"/>
+        <a:font script="Syrn" typeface="Estrangelo Edessa"/>
+        <a:font script="Syrj" typeface="Estrangelo Edessa"/>
+        <a:font script="Syre" typeface="Estrangelo Edessa"/>
+        <a:font script="Sora" typeface="Nirmala UI"/>
+        <a:font script="Tale" typeface="Microsoft Tai Le"/>
+        <a:font script="Talu" typeface="Microsoft New Tai Lue"/>
+        <a:font script="Tfng" typeface="Ebrima"/>
+      </a:minorFont>
+    </a:fontScheme>
+    <a:fmtScheme name="Office">
+      <a:fillStyleLst>
+        <a:solidFill>
+          <a:schemeClr val="phClr"/>
+        </a:solidFill>
+        <a:gradFill rotWithShape="1">
+          <a:gsLst>
+            <a:gs pos="0">
+              <a:schemeClr val="phClr">
+                <a:lumMod val="110000"/>
+                <a:satMod val="105000"/>
+                <a:tint val="67000"/>
+              </a:schemeClr>
+            </a:gs>
+            <a:gs pos="50000">
+              <a:schemeClr val="phClr">
+                <a:lumMod val="105000"/>
+                <a:satMod val="103000"/>
+                <a:tint val="73000"/>
+              </a:schemeClr>
+            </a:gs>
+            <a:gs pos="100000">
+              <a:schemeClr val="phClr">
+                <a:lumMod val="105000"/>
+                <a:satMod val="109000"/>
+                <a:tint val="81000"/>
+              </a:schemeClr>
+            </a:gs>
+          </a:gsLst>
+          <a:lin ang="5400000" scaled="0"/>
+        </a:gradFill>
+        <a:gradFill rotWithShape="1">
+          <a:gsLst>
+            <a:gs pos="0">
+              <a:schemeClr val="phClr">
+                <a:satMod val="103000"/>
+                <a:lumMod val="102000"/>
+                <a:tint val="94000"/>
+              </a:schemeClr>
+            </a:gs>
+            <a:gs pos="50000">
+              <a:schemeClr val="phClr">
+                <a:satMod val="110000"/>
+                <a:lumMod val="100000"/>
+                <a:shade val="100000"/>
+              </a:schemeClr>
+            </a:gs>
+            <a:gs pos="100000">
+              <a:schemeClr val="phClr">
+                <a:lumMod val="99000"/>
+                <a:satMod val="120000"/>
+                <a:shade val="78000"/>
+              </a:schemeClr>
+            </a:gs>
+          </a:gsLst>
+          <a:lin ang="5400000" scaled="0"/>
+        </a:gradFill>
+      </a:fillStyleLst>
+      <a:lnStyleLst>
+        <a:ln w="6350" cap="flat" cmpd="sng" algn="ctr">
+          <a:solidFill>
+            <a:schemeClr val="phClr"/>
+          </a:solidFill>
+          <a:prstDash val="solid"/>
+          <a:miter lim="800000"/>
+        </a:ln>
+        <a:ln w="12700" cap="flat" cmpd="sng" algn="ctr">
+          <a:solidFill>
+            <a:schemeClr val="phClr"/>
+          </a:solidFill>
+          <a:prstDash val="solid"/>
+          <a:miter lim="800000"/>
+        </a:ln>
+        <a:ln w="19050" cap="flat" cmpd="sng" algn="ctr">
+          <a:solidFill>
+            <a:schemeClr val="phClr"/>
+          </a:solidFill>
+          <a:prstDash val="solid"/>
+          <a:miter lim="800000"/>
+        </a:ln>
+      </a:lnStyleLst>
+      <a:effectStyleLst>
+        <a:effectStyle>
+          <a:effectLst/>
+        </a:effectStyle>
+        <a:effectStyle>
+          <a:effectLst/>
+        </a:effectStyle>
+        <a:effectStyle>
+          <a:effectLst>
+            <a:outerShdw blurRad="57150" dist="19050" dir="5400000" algn="ctr" rotWithShape="0">
+              <a:srgbClr val="000000">
+                <a:alpha val="63000"/>
+              </a:srgbClr>
+            </a:outerShdw>
+          </a:effectLst>
+        </a:effectStyle>
+      </a:effectStyleLst>
+      <a:bgFillStyleLst>
+        <a:solidFill>
+          <a:schemeClr val="phClr"/>
+        </a:solidFill>
+        <a:solidFill>
+          <a:schemeClr val="phClr">
+            <a:tint val="95000"/>
+            <a:satMod val="170000"/>
+          </a:schemeClr>
+        </a:solidFill>
+        <a:gradFill rotWithShape="1">
+          <a:gsLst>
+            <a:gs pos="0">
+              <a:schemeClr val="phClr">
+                <a:tint val="93000"/>
+                <a:satMod val="150000"/>
+                <a:shade val="98000"/>
+                <a:lumMod val="102000"/>
+              </a:schemeClr>
+            </a:gs>
+            <a:gs pos="50000">
+              <a:schemeClr val="phClr">
+                <a:tint val="98000"/>
+                <a:satMod val="130000"/>
+                <a:shade val="90000"/>
+                <a:lumMod val="103000"/>
+              </a:schemeClr>
+            </a:gs>
+            <a:gs pos="100000">
+              <a:schemeClr val="phClr">
+                <a:shade val="63000"/>
+                <a:satMod val="120000"/>
+              </a:schemeClr>
+            </a:gs>
+          </a:gsLst>
+          <a:lin ang="5400000" scaled="0"/>
+        </a:gradFill>
+      </a:bgFillStyleLst>
+    </a:fmtScheme>
+  </a:themeElements>
+  <a:objectDefaults/>
+  <a:extraClrSchemeLst/>
+  <a:extLst>
+    <a:ext uri="{05A4C25C-085E-4340-85A3-A5531E510DB2}">
+      <thm15:themeFamily xmlns:thm15="http://schemas.microsoft.com/office/thememl/2012/main" name="Office Theme" id="{62F939B6-93AF-4DB8-9C6B-D6C7DFDC589F}" vid="{4A3C46E8-61CC-4603-A589-7422A47A8E4A}"/>
+    </a:ext>
+  </a:extLst>
+</a:theme>
 </file>
--- a/Arduino_workshop.pptx
+++ b/Arduino_workshop.pptx
@@ -12,7 +12,7 @@
     <p:sldId id="257" r:id="rId3"/>
     <p:sldId id="258" r:id="rId4"/>
     <p:sldId id="259" r:id="rId5"/>
-    <p:sldId id="260" r:id="rId6"/>
+    <p:sldId id="271" r:id="rId6"/>
     <p:sldId id="261" r:id="rId7"/>
     <p:sldId id="262" r:id="rId8"/>
     <p:sldId id="263" r:id="rId9"/>
@@ -129,6 +129,32 @@
 </p:presentation>
 </file>
 
+<file path=ppt/commentAuthors.xml><?xml version="1.0" encoding="utf-8"?>
+<p:cmAuthorLst xmlns:a="http://schemas.openxmlformats.org/drawingml/2006/main" xmlns:r="http://schemas.openxmlformats.org/officeDocument/2006/relationships" xmlns:p="http://schemas.openxmlformats.org/presentationml/2006/main">
+  <p:cmAuthor id="1" name="Phi Nguyen" initials="PN" lastIdx="1" clrIdx="0">
+    <p:extLst>
+      <p:ext uri="{19B8F6BF-5375-455C-9EA6-DF929625EA0E}">
+        <p15:presenceInfo xmlns:p15="http://schemas.microsoft.com/office/powerpoint/2012/main" userId="63ddf437ab13820a" providerId="Windows Live"/>
+      </p:ext>
+    </p:extLst>
+  </p:cmAuthor>
+</p:cmAuthorLst>
+</file>
+
+<file path=ppt/comments/comment1.xml><?xml version="1.0" encoding="utf-8"?>
+<p:cmLst xmlns:a="http://schemas.openxmlformats.org/drawingml/2006/main" xmlns:r="http://schemas.openxmlformats.org/officeDocument/2006/relationships" xmlns:p="http://schemas.openxmlformats.org/presentationml/2006/main">
+  <p:cm authorId="1" dt="2017-03-09T22:38:10.564" idx="1">
+    <p:pos x="10" y="10"/>
+    <p:text/>
+    <p:extLst>
+      <p:ext uri="{C676402C-5697-4E1C-873F-D02D1690AC5C}">
+        <p15:threadingInfo xmlns:p15="http://schemas.microsoft.com/office/powerpoint/2012/main" timeZoneBias="-480"/>
+      </p:ext>
+    </p:extLst>
+  </p:cm>
+</p:cmLst>
+</file>
+
 <file path=ppt/notesMasters/notesMaster1.xml><?xml version="1.0" encoding="utf-8"?>
 <p:notesMaster xmlns:a="http://schemas.openxmlformats.org/drawingml/2006/main" xmlns:r="http://schemas.openxmlformats.org/officeDocument/2006/relationships" xmlns:p="http://schemas.openxmlformats.org/presentationml/2006/main">
   <p:cSld>
@@ -211,7 +237,7 @@
           <a:p>
             <a:fld id="{00B599B6-0DE1-494F-A8B8-3317A2F04D10}" type="datetimeFigureOut">
               <a:rPr lang="en-GB" smtClean="0"/>
-              <a:t>07/03/2017</a:t>
+              <a:t>09/03/2017</a:t>
             </a:fld>
             <a:endParaRPr lang="en-GB"/>
           </a:p>
@@ -523,6 +549,30 @@
           <a:bodyPr/>
           <a:lstStyle/>
           <a:p>
+            <a:r>
+              <a:rPr lang="en-US" dirty="0"/>
+              <a:t>Good evening, I am Xuan</a:t>
+            </a:r>
+            <a:r>
+              <a:rPr lang="en-US" baseline="0" dirty="0"/>
+              <a:t> Phi, I am the technical director of NTUOSS, today I </a:t>
+            </a:r>
+            <a:r>
+              <a:rPr lang="en-US" baseline="0" dirty="0" err="1"/>
+              <a:t>gonna</a:t>
+            </a:r>
+            <a:r>
+              <a:rPr lang="en-US" baseline="0" dirty="0"/>
+              <a:t> guide you through Arduino workshop. I will show you guys what the Arduino is, why it is becoming more important and later we will have hands-on experience with a simulator that you will do yourself on your </a:t>
+            </a:r>
+            <a:r>
+              <a:rPr lang="en-US" baseline="0" dirty="0" err="1"/>
+              <a:t>favourite</a:t>
+            </a:r>
+            <a:r>
+              <a:rPr lang="en-US" baseline="0" dirty="0"/>
+              <a:t> browsers.</a:t>
+            </a:r>
             <a:endParaRPr lang="en-GB" dirty="0"/>
           </a:p>
         </p:txBody>
@@ -1023,7 +1073,7 @@
             </a:r>
             <a:r>
               <a:rPr lang="en-US" baseline="0" dirty="0"/>
-              <a:t> makes prototyping IOT so easy and affordable. People can you Arduino to make interesting projects on </a:t>
+              <a:t> makes prototyping IOT so easy and affordable. People can use Arduino to make interesting projects on </a:t>
             </a:r>
             <a:r>
               <a:rPr lang="en-US" baseline="0" dirty="0" err="1"/>
@@ -1031,7 +1081,7 @@
             </a:r>
             <a:r>
               <a:rPr lang="en-US" baseline="0" dirty="0"/>
-              <a:t>. We use Arduino to control analog component that is not make sense in digital world, and to communicate with physical world. So briefly you can see the system specification: we have micro controller, with a very low clock speed, it is operated at 5V which is quite high. We have a lot of digital and a number of analog pin. The ram and flash memory is extremely low so you must take into account this fact when you handle large and memory sucking project. For example when you declare a few thousands integer variable in the program, the memory start to not make any sense as memory is overridden and broken. Remember this is not a computer where you can easily use up any memory. Other communication port can be found such as Serial, Software Serial, I2C…</a:t>
+              <a:t>. We use Arduino to control analog component that is not make sense in digital world, and to communicate with physical world. So briefly you can see the system specification: we have micro controller, with a very low clock speed, it is operated at 5V which is quite high. We have a lot of digital and a number of analog pin. The ram and flash memory is extremely low so you must take into account this fact when you handle large and memory exhausting project. For example when you declare a few thousands integer variable in the program, the memory start to not make any sense as memory is overridden and broken. Remember this is not a computer where you can easily use up any memory. Other communication port can be found such as Serial, Software Serial, I2C…</a:t>
             </a:r>
             <a:endParaRPr lang="en-GB" dirty="0"/>
           </a:p>
@@ -1123,11 +1173,11 @@
             </a:r>
             <a:r>
               <a:rPr lang="en-US" baseline="0" dirty="0"/>
-              <a:t> have power pins (3.3 and 5V), analog pin, a lot of digital pins with some PWM function, pin 0 and 1 is purely use to </a:t>
-            </a:r>
-            <a:r>
-              <a:rPr lang="en-US" baseline="0"/>
-              <a:t>serial commucation</a:t>
+              <a:t> have power pins (3.3 and 5V), analog pin, a lot of digital pins with some PWM function, pin 0 and 1 is purely use to serial </a:t>
+            </a:r>
+            <a:r>
+              <a:rPr lang="en-US" baseline="0" dirty="0" err="1"/>
+              <a:t>commucation</a:t>
             </a:r>
             <a:endParaRPr lang="en-GB" dirty="0"/>
           </a:p>
@@ -1307,11 +1357,11 @@
           <a:p>
             <a:r>
               <a:rPr lang="en-US" dirty="0"/>
-              <a:t>When talk about the Arduino, we usually</a:t>
+              <a:t>Arduino</a:t>
             </a:r>
             <a:r>
               <a:rPr lang="en-US" baseline="0" dirty="0"/>
-              <a:t> talk about the Raspberry Pi, so what is difference. The big distinction is that the Pi is a complete computer with all necessary constituents. The Pi is much faster than Arduino, we have a microSD card slot and much more ram. The pi has more IO pins but only digital ones and they only work on 3.3V, making it only efficient on control digital signal transfer rather than output or input physical or analog signal from other components.</a:t>
+              <a:t> is embedded with its own ADC and DAC for conversion of between analog and digital signal</a:t>
             </a:r>
             <a:endParaRPr lang="en-GB" dirty="0"/>
           </a:p>
@@ -1343,7 +1393,7 @@
     </p:spTree>
     <p:extLst>
       <p:ext uri="{BB962C8B-B14F-4D97-AF65-F5344CB8AC3E}">
-        <p14:creationId xmlns:p14="http://schemas.microsoft.com/office/powerpoint/2010/main" val="2627433187"/>
+        <p14:creationId xmlns:p14="http://schemas.microsoft.com/office/powerpoint/2010/main" val="3404378153"/>
       </p:ext>
     </p:extLst>
   </p:cSld>
@@ -1962,7 +2012,7 @@
             <a:fld id="{B61BEF0D-F0BB-DE4B-95CE-6DB70DBA9567}" type="datetimeFigureOut">
               <a:rPr lang="en-US" dirty="0"/>
               <a:pPr/>
-              <a:t>3/7/2017</a:t>
+              <a:t>3/9/2017</a:t>
             </a:fld>
             <a:endParaRPr lang="en-US" dirty="0"/>
           </a:p>
@@ -2297,7 +2347,7 @@
             <a:fld id="{B61BEF0D-F0BB-DE4B-95CE-6DB70DBA9567}" type="datetimeFigureOut">
               <a:rPr lang="en-US" dirty="0"/>
               <a:pPr/>
-              <a:t>3/7/2017</a:t>
+              <a:t>3/9/2017</a:t>
             </a:fld>
             <a:endParaRPr lang="en-US" dirty="0"/>
           </a:p>
@@ -2695,7 +2745,7 @@
             <a:fld id="{B61BEF0D-F0BB-DE4B-95CE-6DB70DBA9567}" type="datetimeFigureOut">
               <a:rPr lang="en-US" dirty="0"/>
               <a:pPr/>
-              <a:t>3/7/2017</a:t>
+              <a:t>3/9/2017</a:t>
             </a:fld>
             <a:endParaRPr lang="en-US" dirty="0"/>
           </a:p>
@@ -3028,7 +3078,7 @@
             <a:fld id="{B61BEF0D-F0BB-DE4B-95CE-6DB70DBA9567}" type="datetimeFigureOut">
               <a:rPr lang="en-US" dirty="0"/>
               <a:pPr/>
-              <a:t>3/7/2017</a:t>
+              <a:t>3/9/2017</a:t>
             </a:fld>
             <a:endParaRPr lang="en-US" dirty="0"/>
           </a:p>
@@ -3345,7 +3395,7 @@
             <a:fld id="{B61BEF0D-F0BB-DE4B-95CE-6DB70DBA9567}" type="datetimeFigureOut">
               <a:rPr lang="en-US" dirty="0"/>
               <a:pPr/>
-              <a:t>3/7/2017</a:t>
+              <a:t>3/9/2017</a:t>
             </a:fld>
             <a:endParaRPr lang="en-US" dirty="0"/>
           </a:p>
@@ -3738,7 +3788,7 @@
             <a:fld id="{B61BEF0D-F0BB-DE4B-95CE-6DB70DBA9567}" type="datetimeFigureOut">
               <a:rPr lang="en-US" dirty="0"/>
               <a:pPr/>
-              <a:t>3/7/2017</a:t>
+              <a:t>3/9/2017</a:t>
             </a:fld>
             <a:endParaRPr lang="en-US" dirty="0"/>
           </a:p>
@@ -3992,7 +4042,7 @@
             <a:fld id="{B61BEF0D-F0BB-DE4B-95CE-6DB70DBA9567}" type="datetimeFigureOut">
               <a:rPr lang="en-US" dirty="0"/>
               <a:pPr/>
-              <a:t>3/7/2017</a:t>
+              <a:t>3/9/2017</a:t>
             </a:fld>
             <a:endParaRPr lang="en-US" dirty="0"/>
           </a:p>
@@ -4251,7 +4301,7 @@
             <a:fld id="{B61BEF0D-F0BB-DE4B-95CE-6DB70DBA9567}" type="datetimeFigureOut">
               <a:rPr lang="en-US" dirty="0"/>
               <a:pPr/>
-              <a:t>3/7/2017</a:t>
+              <a:t>3/9/2017</a:t>
             </a:fld>
             <a:endParaRPr lang="en-US" dirty="0"/>
           </a:p>
@@ -4510,7 +4560,7 @@
             <a:fld id="{B61BEF0D-F0BB-DE4B-95CE-6DB70DBA9567}" type="datetimeFigureOut">
               <a:rPr lang="en-US" dirty="0"/>
               <a:pPr/>
-              <a:t>3/7/2017</a:t>
+              <a:t>3/9/2017</a:t>
             </a:fld>
             <a:endParaRPr lang="en-US" dirty="0"/>
           </a:p>
@@ -4836,7 +4886,7 @@
             <a:fld id="{B61BEF0D-F0BB-DE4B-95CE-6DB70DBA9567}" type="datetimeFigureOut">
               <a:rPr lang="en-US" dirty="0"/>
               <a:pPr/>
-              <a:t>3/7/2017</a:t>
+              <a:t>3/9/2017</a:t>
             </a:fld>
             <a:endParaRPr lang="en-US" dirty="0"/>
           </a:p>
@@ -5156,7 +5206,7 @@
             <a:fld id="{B61BEF0D-F0BB-DE4B-95CE-6DB70DBA9567}" type="datetimeFigureOut">
               <a:rPr lang="en-US" dirty="0"/>
               <a:pPr/>
-              <a:t>3/7/2017</a:t>
+              <a:t>3/9/2017</a:t>
             </a:fld>
             <a:endParaRPr lang="en-US" dirty="0"/>
           </a:p>
@@ -5610,7 +5660,7 @@
             <a:fld id="{B61BEF0D-F0BB-DE4B-95CE-6DB70DBA9567}" type="datetimeFigureOut">
               <a:rPr lang="en-US" dirty="0"/>
               <a:pPr/>
-              <a:t>3/7/2017</a:t>
+              <a:t>3/9/2017</a:t>
             </a:fld>
             <a:endParaRPr lang="en-US" dirty="0"/>
           </a:p>
@@ -5812,7 +5862,7 @@
             <a:fld id="{B61BEF0D-F0BB-DE4B-95CE-6DB70DBA9567}" type="datetimeFigureOut">
               <a:rPr lang="en-US" dirty="0"/>
               <a:pPr/>
-              <a:t>3/7/2017</a:t>
+              <a:t>3/9/2017</a:t>
             </a:fld>
             <a:endParaRPr lang="en-US" dirty="0"/>
           </a:p>
@@ -5986,7 +6036,7 @@
             <a:fld id="{B61BEF0D-F0BB-DE4B-95CE-6DB70DBA9567}" type="datetimeFigureOut">
               <a:rPr lang="en-US" dirty="0"/>
               <a:pPr/>
-              <a:t>3/7/2017</a:t>
+              <a:t>3/9/2017</a:t>
             </a:fld>
             <a:endParaRPr lang="en-US" dirty="0"/>
           </a:p>
@@ -6316,7 +6366,7 @@
             <a:fld id="{B61BEF0D-F0BB-DE4B-95CE-6DB70DBA9567}" type="datetimeFigureOut">
               <a:rPr lang="en-US" dirty="0"/>
               <a:pPr/>
-              <a:t>3/7/2017</a:t>
+              <a:t>3/9/2017</a:t>
             </a:fld>
             <a:endParaRPr lang="en-US" dirty="0"/>
           </a:p>
@@ -6658,7 +6708,7 @@
             <a:fld id="{B61BEF0D-F0BB-DE4B-95CE-6DB70DBA9567}" type="datetimeFigureOut">
               <a:rPr lang="en-US" dirty="0"/>
               <a:pPr/>
-              <a:t>3/7/2017</a:t>
+              <a:t>3/9/2017</a:t>
             </a:fld>
             <a:endParaRPr lang="en-US" dirty="0"/>
           </a:p>
@@ -8772,7 +8822,7 @@
             <a:fld id="{B61BEF0D-F0BB-DE4B-95CE-6DB70DBA9567}" type="datetimeFigureOut">
               <a:rPr lang="en-US" dirty="0"/>
               <a:pPr/>
-              <a:t>3/7/2017</a:t>
+              <a:t>3/9/2017</a:t>
             </a:fld>
             <a:endParaRPr lang="en-US" dirty="0"/>
           </a:p>
@@ -9302,7 +9352,7 @@
           <a:p>
             <a:r>
               <a:rPr lang="en-US" dirty="0"/>
-              <a:t>Arduino Workshop</a:t>
+              <a:t>Arduino 101</a:t>
             </a:r>
             <a:endParaRPr lang="en-GB" dirty="0"/>
           </a:p>
@@ -9801,13 +9851,11 @@
       </p:sp>
       <p:pic>
         <p:nvPicPr>
-          <p:cNvPr id="4" name="Content Placeholder 3"/>
+          <p:cNvPr id="6" name="Content Placeholder 3"/>
           <p:cNvPicPr>
-            <a:picLocks noGrp="1" noChangeAspect="1"/>
+            <a:picLocks noChangeAspect="1"/>
           </p:cNvPicPr>
-          <p:nvPr>
-            <p:ph idx="1"/>
-          </p:nvPr>
+          <p:nvPr/>
         </p:nvPicPr>
         <p:blipFill>
           <a:blip r:embed="rId3"/>
@@ -9817,18 +9865,23 @@
         </p:blipFill>
         <p:spPr>
           <a:xfrm>
-            <a:off x="850380" y="1168453"/>
-            <a:ext cx="7840609" cy="3892944"/>
+            <a:off x="8450317" y="3957292"/>
+            <a:ext cx="3572748" cy="2491992"/>
           </a:xfrm>
+          <a:prstGeom prst="rect">
+            <a:avLst/>
+          </a:prstGeom>
         </p:spPr>
       </p:pic>
       <p:pic>
         <p:nvPicPr>
-          <p:cNvPr id="6" name="Content Placeholder 3"/>
+          <p:cNvPr id="5" name="Content Placeholder 4"/>
           <p:cNvPicPr>
-            <a:picLocks noChangeAspect="1"/>
+            <a:picLocks noGrp="1" noChangeAspect="1"/>
           </p:cNvPicPr>
-          <p:nvPr/>
+          <p:nvPr>
+            <p:ph idx="1"/>
+          </p:nvPr>
         </p:nvPicPr>
         <p:blipFill>
           <a:blip r:embed="rId4"/>
@@ -9838,12 +9891,9 @@
         </p:blipFill>
         <p:spPr>
           <a:xfrm>
-            <a:off x="8176326" y="3815402"/>
-            <a:ext cx="3572748" cy="2491992"/>
+            <a:off x="1038035" y="1283147"/>
+            <a:ext cx="7412282" cy="4836179"/>
           </a:xfrm>
-          <a:prstGeom prst="rect">
-            <a:avLst/>
-          </a:prstGeom>
         </p:spPr>
       </p:pic>
     </p:spTree>
@@ -9876,39 +9926,9 @@
           <a:chExt cx="0" cy="0"/>
         </a:xfrm>
       </p:grpSpPr>
-      <p:sp>
-        <p:nvSpPr>
-          <p:cNvPr id="2" name="Title 1"/>
-          <p:cNvSpPr>
-            <a:spLocks noGrp="1"/>
-          </p:cNvSpPr>
-          <p:nvPr>
-            <p:ph type="title"/>
-          </p:nvPr>
-        </p:nvSpPr>
-        <p:spPr>
-          <a:xfrm>
-            <a:off x="1622739" y="624110"/>
-            <a:ext cx="9881874" cy="638020"/>
-          </a:xfrm>
-        </p:spPr>
-        <p:txBody>
-          <a:bodyPr>
-            <a:normAutofit fontScale="90000"/>
-          </a:bodyPr>
-          <a:lstStyle/>
-          <a:p>
-            <a:r>
-              <a:rPr lang="en-US" dirty="0"/>
-              <a:t>Tutorial 3 – Servo and photo resistor</a:t>
-            </a:r>
-            <a:endParaRPr lang="en-GB" dirty="0"/>
-          </a:p>
-        </p:txBody>
-      </p:sp>
       <p:pic>
         <p:nvPicPr>
-          <p:cNvPr id="4" name="Content Placeholder 3"/>
+          <p:cNvPr id="6" name="Content Placeholder 5"/>
           <p:cNvPicPr>
             <a:picLocks noGrp="1" noChangeAspect="1"/>
           </p:cNvPicPr>
@@ -9924,11 +9944,41 @@
         </p:blipFill>
         <p:spPr>
           <a:xfrm>
-            <a:off x="4043966" y="1262131"/>
-            <a:ext cx="7460646" cy="3773508"/>
+            <a:off x="3276600" y="1671557"/>
+            <a:ext cx="8915400" cy="3767709"/>
           </a:xfrm>
         </p:spPr>
       </p:pic>
+      <p:sp>
+        <p:nvSpPr>
+          <p:cNvPr id="2" name="Title 1"/>
+          <p:cNvSpPr>
+            <a:spLocks noGrp="1"/>
+          </p:cNvSpPr>
+          <p:nvPr>
+            <p:ph type="title"/>
+          </p:nvPr>
+        </p:nvSpPr>
+        <p:spPr>
+          <a:xfrm>
+            <a:off x="1622739" y="624110"/>
+            <a:ext cx="9881874" cy="638020"/>
+          </a:xfrm>
+        </p:spPr>
+        <p:txBody>
+          <a:bodyPr>
+            <a:normAutofit fontScale="90000"/>
+          </a:bodyPr>
+          <a:lstStyle/>
+          <a:p>
+            <a:r>
+              <a:rPr lang="en-US" dirty="0"/>
+              <a:t>Tutorial 3 – Servo and photo resistor</a:t>
+            </a:r>
+            <a:endParaRPr lang="en-GB" dirty="0"/>
+          </a:p>
+        </p:txBody>
+      </p:sp>
       <p:sp>
         <p:nvSpPr>
           <p:cNvPr id="5" name="TextBox 4"/>
@@ -10455,7 +10505,7 @@
       </p:sp>
       <p:pic>
         <p:nvPicPr>
-          <p:cNvPr id="5" name="Content Placeholder 4"/>
+          <p:cNvPr id="4" name="Content Placeholder 3"/>
           <p:cNvPicPr>
             <a:picLocks noGrp="1" noChangeAspect="1"/>
           </p:cNvPicPr>
@@ -10471,8 +10521,8 @@
         </p:blipFill>
         <p:spPr>
           <a:xfrm>
-            <a:off x="219499" y="1236372"/>
-            <a:ext cx="12006835" cy="4446976"/>
+            <a:off x="236483" y="1292418"/>
+            <a:ext cx="11955754" cy="4793071"/>
           </a:xfrm>
         </p:spPr>
       </p:pic>
@@ -11336,13 +11386,45 @@
           <a:chExt cx="0" cy="0"/>
         </a:xfrm>
       </p:grpSpPr>
+      <p:sp>
+        <p:nvSpPr>
+          <p:cNvPr id="2" name="Title 1"/>
+          <p:cNvSpPr>
+            <a:spLocks noGrp="1"/>
+          </p:cNvSpPr>
+          <p:nvPr>
+            <p:ph type="title"/>
+          </p:nvPr>
+        </p:nvSpPr>
+        <p:spPr>
+          <a:xfrm>
+            <a:off x="2593943" y="392291"/>
+            <a:ext cx="8911687" cy="406200"/>
+          </a:xfrm>
+        </p:spPr>
+        <p:txBody>
+          <a:bodyPr>
+            <a:normAutofit fontScale="90000"/>
+          </a:bodyPr>
+          <a:lstStyle/>
+          <a:p>
+            <a:r>
+              <a:rPr lang="en-US" dirty="0"/>
+              <a:t>Different Kinds of Arduino</a:t>
+            </a:r>
+            <a:endParaRPr lang="en-GB" dirty="0"/>
+          </a:p>
+        </p:txBody>
+      </p:sp>
       <p:pic>
         <p:nvPicPr>
-          <p:cNvPr id="7" name="Picture 6"/>
+          <p:cNvPr id="12" name="Content Placeholder 11"/>
           <p:cNvPicPr>
-            <a:picLocks noChangeAspect="1"/>
+            <a:picLocks noGrp="1" noChangeAspect="1"/>
           </p:cNvPicPr>
-          <p:nvPr/>
+          <p:nvPr>
+            <p:ph sz="half" idx="2"/>
+          </p:nvPr>
         </p:nvPicPr>
         <p:blipFill>
           <a:blip r:embed="rId3"/>
@@ -11352,8 +11434,52 @@
         </p:blipFill>
         <p:spPr>
           <a:xfrm>
-            <a:off x="8026388" y="-222362"/>
-            <a:ext cx="2802338" cy="2547580"/>
+            <a:off x="177354" y="868544"/>
+            <a:ext cx="4216634" cy="3354387"/>
+          </a:xfrm>
+        </p:spPr>
+      </p:pic>
+      <p:pic>
+        <p:nvPicPr>
+          <p:cNvPr id="13" name="Content Placeholder 12"/>
+          <p:cNvPicPr>
+            <a:picLocks noGrp="1" noChangeAspect="1"/>
+          </p:cNvPicPr>
+          <p:nvPr>
+            <p:ph sz="quarter" idx="4"/>
+          </p:nvPr>
+        </p:nvPicPr>
+        <p:blipFill>
+          <a:blip r:embed="rId4"/>
+          <a:stretch>
+            <a:fillRect/>
+          </a:stretch>
+        </p:blipFill>
+        <p:spPr>
+          <a:xfrm>
+            <a:off x="3716071" y="3881263"/>
+            <a:ext cx="3756784" cy="2657807"/>
+          </a:xfrm>
+        </p:spPr>
+      </p:pic>
+      <p:pic>
+        <p:nvPicPr>
+          <p:cNvPr id="14" name="Picture 13"/>
+          <p:cNvPicPr>
+            <a:picLocks noChangeAspect="1"/>
+          </p:cNvPicPr>
+          <p:nvPr/>
+        </p:nvPicPr>
+        <p:blipFill>
+          <a:blip r:embed="rId5"/>
+          <a:stretch>
+            <a:fillRect/>
+          </a:stretch>
+        </p:blipFill>
+        <p:spPr>
+          <a:xfrm>
+            <a:off x="6321972" y="1011505"/>
+            <a:ext cx="5870028" cy="2963789"/>
           </a:xfrm>
           <a:prstGeom prst="rect">
             <a:avLst/>
@@ -11362,29 +11488,29 @@
       </p:pic>
       <p:sp>
         <p:nvSpPr>
-          <p:cNvPr id="2" name="Title 1"/>
-          <p:cNvSpPr>
-            <a:spLocks noGrp="1"/>
-          </p:cNvSpPr>
-          <p:nvPr>
-            <p:ph type="title"/>
-          </p:nvPr>
+          <p:cNvPr id="15" name="TextBox 14"/>
+          <p:cNvSpPr txBox="1"/>
+          <p:nvPr/>
         </p:nvSpPr>
         <p:spPr>
           <a:xfrm>
-            <a:off x="2476261" y="521079"/>
-            <a:ext cx="8911687" cy="534989"/>
+            <a:off x="1379998" y="4407597"/>
+            <a:ext cx="2806262" cy="369332"/>
           </a:xfrm>
+          <a:prstGeom prst="rect">
+            <a:avLst/>
+          </a:prstGeom>
+          <a:noFill/>
         </p:spPr>
         <p:txBody>
-          <a:bodyPr>
-            <a:normAutofit fontScale="90000"/>
+          <a:bodyPr wrap="square" rtlCol="0">
+            <a:spAutoFit/>
           </a:bodyPr>
           <a:lstStyle/>
           <a:p>
             <a:r>
               <a:rPr lang="en-US" dirty="0"/>
-              <a:t>Arduino vs Raspberry Pi</a:t>
+              <a:t>Arduino Nano</a:t>
             </a:r>
             <a:endParaRPr lang="en-GB" dirty="0"/>
           </a:p>
@@ -11392,27 +11518,29 @@
       </p:sp>
       <p:sp>
         <p:nvSpPr>
-          <p:cNvPr id="3" name="Text Placeholder 2"/>
-          <p:cNvSpPr>
-            <a:spLocks noGrp="1"/>
-          </p:cNvSpPr>
-          <p:nvPr>
-            <p:ph type="body" idx="1"/>
-          </p:nvPr>
+          <p:cNvPr id="16" name="TextBox 15"/>
+          <p:cNvSpPr txBox="1"/>
+          <p:nvPr/>
         </p:nvSpPr>
         <p:spPr>
           <a:xfrm>
-            <a:off x="1123452" y="1051428"/>
-            <a:ext cx="3992732" cy="576262"/>
+            <a:off x="3899669" y="3511931"/>
+            <a:ext cx="2033752" cy="369332"/>
           </a:xfrm>
+          <a:prstGeom prst="rect">
+            <a:avLst/>
+          </a:prstGeom>
+          <a:noFill/>
         </p:spPr>
         <p:txBody>
-          <a:bodyPr/>
+          <a:bodyPr wrap="square" rtlCol="0">
+            <a:spAutoFit/>
+          </a:bodyPr>
           <a:lstStyle/>
           <a:p>
             <a:r>
               <a:rPr lang="en-US" dirty="0"/>
-              <a:t>Arduino</a:t>
+              <a:t>Arduino micro</a:t>
             </a:r>
             <a:endParaRPr lang="en-GB" dirty="0"/>
           </a:p>
@@ -11420,225 +11548,38 @@
       </p:sp>
       <p:sp>
         <p:nvSpPr>
-          <p:cNvPr id="4" name="Content Placeholder 3"/>
-          <p:cNvSpPr>
-            <a:spLocks noGrp="1"/>
-          </p:cNvSpPr>
-          <p:nvPr>
-            <p:ph sz="half" idx="2"/>
-          </p:nvPr>
+          <p:cNvPr id="17" name="TextBox 16"/>
+          <p:cNvSpPr txBox="1"/>
+          <p:nvPr/>
         </p:nvSpPr>
         <p:spPr>
           <a:xfrm>
-            <a:off x="1123451" y="1725145"/>
-            <a:ext cx="4992259" cy="4366561"/>
+            <a:off x="8205310" y="4062278"/>
+            <a:ext cx="2806262" cy="369332"/>
           </a:xfrm>
+          <a:prstGeom prst="rect">
+            <a:avLst/>
+          </a:prstGeom>
+          <a:noFill/>
         </p:spPr>
         <p:txBody>
-          <a:bodyPr>
-            <a:normAutofit/>
+          <a:bodyPr wrap="square" rtlCol="0">
+            <a:spAutoFit/>
           </a:bodyPr>
           <a:lstStyle/>
           <a:p>
             <a:r>
-              <a:rPr lang="en-US" b="1" dirty="0"/>
-              <a:t>CPU:  	16MHz		RAM:	2KB</a:t>
-            </a:r>
-          </a:p>
-          <a:p>
-            <a:r>
-              <a:rPr lang="en-US" b="1" dirty="0"/>
-              <a:t>Memory:	Built-in flash memory (32KB)</a:t>
-            </a:r>
-          </a:p>
-          <a:p>
-            <a:r>
-              <a:rPr lang="en-US" b="1" dirty="0"/>
-              <a:t>IO Pin: 	 20 (both Digital &amp; Analog) </a:t>
-            </a:r>
-            <a:r>
-              <a:rPr lang="en-US" b="1" dirty="0">
-                <a:solidFill>
-                  <a:srgbClr val="FF0000"/>
-                </a:solidFill>
-              </a:rPr>
-              <a:t>5V</a:t>
-            </a:r>
-          </a:p>
-          <a:p>
-            <a:r>
-              <a:rPr lang="en-US" b="1" dirty="0"/>
-              <a:t>Software: NO</a:t>
-            </a:r>
-          </a:p>
-          <a:p>
-            <a:r>
-              <a:rPr lang="en-US" b="1" dirty="0"/>
-              <a:t>Price:	Cheap</a:t>
-            </a:r>
-          </a:p>
-          <a:p>
-            <a:pPr algn="just"/>
-            <a:r>
-              <a:rPr lang="en-US" b="1" dirty="0">
-                <a:solidFill>
-                  <a:srgbClr val="00B050"/>
-                </a:solidFill>
-              </a:rPr>
-              <a:t>Good</a:t>
-            </a:r>
-            <a:r>
               <a:rPr lang="en-US" dirty="0"/>
-              <a:t>:	Control electrical component (sensor, motors…), work with digital and analog signals, making robot, prototyping IOT</a:t>
-            </a:r>
-          </a:p>
-          <a:p>
-            <a:pPr algn="just"/>
-            <a:r>
-              <a:rPr lang="en-US" b="1" dirty="0">
-                <a:solidFill>
-                  <a:srgbClr val="FF0000"/>
-                </a:solidFill>
-              </a:rPr>
-              <a:t>Bad</a:t>
-            </a:r>
-            <a:r>
-              <a:rPr lang="en-US" dirty="0"/>
-              <a:t>:		Slow, low memory, limit computational power.</a:t>
+              <a:t>Arduino Mega</a:t>
             </a:r>
             <a:endParaRPr lang="en-GB" dirty="0"/>
-          </a:p>
-        </p:txBody>
-      </p:sp>
-      <p:sp>
-        <p:nvSpPr>
-          <p:cNvPr id="5" name="Text Placeholder 4"/>
-          <p:cNvSpPr>
-            <a:spLocks noGrp="1"/>
-          </p:cNvSpPr>
-          <p:nvPr>
-            <p:ph type="body" sz="quarter" idx="3"/>
-          </p:nvPr>
-        </p:nvSpPr>
-        <p:spPr>
-          <a:xfrm>
-            <a:off x="6115710" y="1056068"/>
-            <a:ext cx="3999001" cy="576262"/>
-          </a:xfrm>
-        </p:spPr>
-        <p:txBody>
-          <a:bodyPr/>
-          <a:lstStyle/>
-          <a:p>
-            <a:r>
-              <a:rPr lang="en-US" dirty="0"/>
-              <a:t>Raspberry Pi</a:t>
-            </a:r>
-            <a:endParaRPr lang="en-GB" dirty="0"/>
-          </a:p>
-        </p:txBody>
-      </p:sp>
-      <p:sp>
-        <p:nvSpPr>
-          <p:cNvPr id="6" name="Content Placeholder 5"/>
-          <p:cNvSpPr>
-            <a:spLocks noGrp="1"/>
-          </p:cNvSpPr>
-          <p:nvPr>
-            <p:ph sz="quarter" idx="4"/>
-          </p:nvPr>
-        </p:nvSpPr>
-        <p:spPr>
-          <a:xfrm>
-            <a:off x="6115710" y="1725146"/>
-            <a:ext cx="5272237" cy="4366560"/>
-          </a:xfrm>
-        </p:spPr>
-        <p:txBody>
-          <a:bodyPr/>
-          <a:lstStyle/>
-          <a:p>
-            <a:r>
-              <a:rPr lang="en-US" b="1" dirty="0"/>
-              <a:t>CPU: 	ARM 1.2GHz		RAM:	1GB</a:t>
-            </a:r>
-          </a:p>
-          <a:p>
-            <a:r>
-              <a:rPr lang="en-US" b="1" dirty="0"/>
-              <a:t>Memory:	MicroSD card</a:t>
-            </a:r>
-          </a:p>
-          <a:p>
-            <a:r>
-              <a:rPr lang="en-US" b="1" dirty="0"/>
-              <a:t>IO Pin:	40 (digital only) </a:t>
-            </a:r>
-            <a:r>
-              <a:rPr lang="en-US" b="1" dirty="0">
-                <a:solidFill>
-                  <a:srgbClr val="FF0000"/>
-                </a:solidFill>
-              </a:rPr>
-              <a:t>3.3V</a:t>
-            </a:r>
-          </a:p>
-          <a:p>
-            <a:r>
-              <a:rPr lang="en-US" b="1" dirty="0"/>
-              <a:t>Software: LINUX ( </a:t>
-            </a:r>
-            <a:r>
-              <a:rPr lang="en-US" b="1" dirty="0" err="1"/>
-              <a:t>Debian</a:t>
-            </a:r>
-            <a:r>
-              <a:rPr lang="en-US" b="1" dirty="0"/>
-              <a:t>-based)</a:t>
-            </a:r>
-          </a:p>
-          <a:p>
-            <a:r>
-              <a:rPr lang="en-US" b="1" dirty="0"/>
-              <a:t>Price:	More expensive</a:t>
-            </a:r>
-          </a:p>
-          <a:p>
-            <a:pPr algn="just"/>
-            <a:r>
-              <a:rPr lang="en-US" b="1" dirty="0">
-                <a:solidFill>
-                  <a:srgbClr val="00B050"/>
-                </a:solidFill>
-              </a:rPr>
-              <a:t>Good</a:t>
-            </a:r>
-            <a:r>
-              <a:rPr lang="en-US" dirty="0"/>
-              <a:t>:	compact computer with all features &amp; connection, fast, more memory for intensive computational process, low-voltage IOT project.</a:t>
-            </a:r>
-          </a:p>
-          <a:p>
-            <a:pPr algn="just"/>
-            <a:r>
-              <a:rPr lang="en-US" b="1" dirty="0">
-                <a:solidFill>
-                  <a:srgbClr val="FF0000"/>
-                </a:solidFill>
-              </a:rPr>
-              <a:t>Bad</a:t>
-            </a:r>
-            <a:r>
-              <a:rPr lang="en-US" dirty="0"/>
-              <a:t>:		Low voltage(3.3V), lack of analog process, </a:t>
-            </a:r>
           </a:p>
         </p:txBody>
       </p:sp>
     </p:spTree>
     <p:extLst>
       <p:ext uri="{BB962C8B-B14F-4D97-AF65-F5344CB8AC3E}">
-        <p14:creationId xmlns:p14="http://schemas.microsoft.com/office/powerpoint/2010/main" val="2290464425"/>
+        <p14:creationId xmlns:p14="http://schemas.microsoft.com/office/powerpoint/2010/main" val="1093994070"/>
       </p:ext>
     </p:extLst>
   </p:cSld>

--- a/Arduino_workshop.pptx
+++ b/Arduino_workshop.pptx
@@ -237,7 +237,7 @@
           <a:p>
             <a:fld id="{00B599B6-0DE1-494F-A8B8-3317A2F04D10}" type="datetimeFigureOut">
               <a:rPr lang="en-GB" smtClean="0"/>
-              <a:t>09/03/2017</a:t>
+              <a:t>10/03/2017</a:t>
             </a:fld>
             <a:endParaRPr lang="en-GB"/>
           </a:p>
@@ -1681,7 +1681,15 @@
             </a:r>
             <a:r>
               <a:rPr lang="en-US" baseline="0" dirty="0"/>
-              <a:t> dimming an LED a push button. You can see the configuration of the button here, A-C, B-D is connected. All 4 port is connected when the button is press. So let’s make the circuit: pin 3 is deem as 0V when not pushed, when connection is make, pin 13 go straight to 5V as HIGH signal, a resistor  must be there to limit the current or else it would make a short circuit. The potentiometer is there to act as a voltage divider which change the voltage of A0 when we rotate this needle. Now we go to the program part.</a:t>
+              <a:t> dimming an LED a push button. You can see the configuration of the button here, A-C, B-D is connected. All 4 port is connected when the button is press. So let’s make the circuit: pin 13 </a:t>
+            </a:r>
+            <a:r>
+              <a:rPr lang="en-US" baseline="0"/>
+              <a:t>is deem </a:t>
+            </a:r>
+            <a:r>
+              <a:rPr lang="en-US" baseline="0" dirty="0"/>
+              <a:t>as 0V when not pushed, when connection is make, pin 13 go straight to 5V as HIGH signal, a resistor  must be there to limit the current or else it would make a short circuit. The potentiometer is there to act as a voltage divider which change the voltage of A0 when we rotate this needle. Now we go to the program part.</a:t>
             </a:r>
             <a:endParaRPr lang="en-GB" dirty="0"/>
           </a:p>
@@ -2012,7 +2020,7 @@
             <a:fld id="{B61BEF0D-F0BB-DE4B-95CE-6DB70DBA9567}" type="datetimeFigureOut">
               <a:rPr lang="en-US" dirty="0"/>
               <a:pPr/>
-              <a:t>3/9/2017</a:t>
+              <a:t>3/10/2017</a:t>
             </a:fld>
             <a:endParaRPr lang="en-US" dirty="0"/>
           </a:p>
@@ -2347,7 +2355,7 @@
             <a:fld id="{B61BEF0D-F0BB-DE4B-95CE-6DB70DBA9567}" type="datetimeFigureOut">
               <a:rPr lang="en-US" dirty="0"/>
               <a:pPr/>
-              <a:t>3/9/2017</a:t>
+              <a:t>3/10/2017</a:t>
             </a:fld>
             <a:endParaRPr lang="en-US" dirty="0"/>
           </a:p>
@@ -2745,7 +2753,7 @@
             <a:fld id="{B61BEF0D-F0BB-DE4B-95CE-6DB70DBA9567}" type="datetimeFigureOut">
               <a:rPr lang="en-US" dirty="0"/>
               <a:pPr/>
-              <a:t>3/9/2017</a:t>
+              <a:t>3/10/2017</a:t>
             </a:fld>
             <a:endParaRPr lang="en-US" dirty="0"/>
           </a:p>
@@ -3078,7 +3086,7 @@
             <a:fld id="{B61BEF0D-F0BB-DE4B-95CE-6DB70DBA9567}" type="datetimeFigureOut">
               <a:rPr lang="en-US" dirty="0"/>
               <a:pPr/>
-              <a:t>3/9/2017</a:t>
+              <a:t>3/10/2017</a:t>
             </a:fld>
             <a:endParaRPr lang="en-US" dirty="0"/>
           </a:p>
@@ -3395,7 +3403,7 @@
             <a:fld id="{B61BEF0D-F0BB-DE4B-95CE-6DB70DBA9567}" type="datetimeFigureOut">
               <a:rPr lang="en-US" dirty="0"/>
               <a:pPr/>
-              <a:t>3/9/2017</a:t>
+              <a:t>3/10/2017</a:t>
             </a:fld>
             <a:endParaRPr lang="en-US" dirty="0"/>
           </a:p>
@@ -3788,7 +3796,7 @@
             <a:fld id="{B61BEF0D-F0BB-DE4B-95CE-6DB70DBA9567}" type="datetimeFigureOut">
               <a:rPr lang="en-US" dirty="0"/>
               <a:pPr/>
-              <a:t>3/9/2017</a:t>
+              <a:t>3/10/2017</a:t>
             </a:fld>
             <a:endParaRPr lang="en-US" dirty="0"/>
           </a:p>
@@ -4042,7 +4050,7 @@
             <a:fld id="{B61BEF0D-F0BB-DE4B-95CE-6DB70DBA9567}" type="datetimeFigureOut">
               <a:rPr lang="en-US" dirty="0"/>
               <a:pPr/>
-              <a:t>3/9/2017</a:t>
+              <a:t>3/10/2017</a:t>
             </a:fld>
             <a:endParaRPr lang="en-US" dirty="0"/>
           </a:p>
@@ -4301,7 +4309,7 @@
             <a:fld id="{B61BEF0D-F0BB-DE4B-95CE-6DB70DBA9567}" type="datetimeFigureOut">
               <a:rPr lang="en-US" dirty="0"/>
               <a:pPr/>
-              <a:t>3/9/2017</a:t>
+              <a:t>3/10/2017</a:t>
             </a:fld>
             <a:endParaRPr lang="en-US" dirty="0"/>
           </a:p>
@@ -4560,7 +4568,7 @@
             <a:fld id="{B61BEF0D-F0BB-DE4B-95CE-6DB70DBA9567}" type="datetimeFigureOut">
               <a:rPr lang="en-US" dirty="0"/>
               <a:pPr/>
-              <a:t>3/9/2017</a:t>
+              <a:t>3/10/2017</a:t>
             </a:fld>
             <a:endParaRPr lang="en-US" dirty="0"/>
           </a:p>
@@ -4886,7 +4894,7 @@
             <a:fld id="{B61BEF0D-F0BB-DE4B-95CE-6DB70DBA9567}" type="datetimeFigureOut">
               <a:rPr lang="en-US" dirty="0"/>
               <a:pPr/>
-              <a:t>3/9/2017</a:t>
+              <a:t>3/10/2017</a:t>
             </a:fld>
             <a:endParaRPr lang="en-US" dirty="0"/>
           </a:p>
@@ -5206,7 +5214,7 @@
             <a:fld id="{B61BEF0D-F0BB-DE4B-95CE-6DB70DBA9567}" type="datetimeFigureOut">
               <a:rPr lang="en-US" dirty="0"/>
               <a:pPr/>
-              <a:t>3/9/2017</a:t>
+              <a:t>3/10/2017</a:t>
             </a:fld>
             <a:endParaRPr lang="en-US" dirty="0"/>
           </a:p>
@@ -5660,7 +5668,7 @@
             <a:fld id="{B61BEF0D-F0BB-DE4B-95CE-6DB70DBA9567}" type="datetimeFigureOut">
               <a:rPr lang="en-US" dirty="0"/>
               <a:pPr/>
-              <a:t>3/9/2017</a:t>
+              <a:t>3/10/2017</a:t>
             </a:fld>
             <a:endParaRPr lang="en-US" dirty="0"/>
           </a:p>
@@ -5862,7 +5870,7 @@
             <a:fld id="{B61BEF0D-F0BB-DE4B-95CE-6DB70DBA9567}" type="datetimeFigureOut">
               <a:rPr lang="en-US" dirty="0"/>
               <a:pPr/>
-              <a:t>3/9/2017</a:t>
+              <a:t>3/10/2017</a:t>
             </a:fld>
             <a:endParaRPr lang="en-US" dirty="0"/>
           </a:p>
@@ -6036,7 +6044,7 @@
             <a:fld id="{B61BEF0D-F0BB-DE4B-95CE-6DB70DBA9567}" type="datetimeFigureOut">
               <a:rPr lang="en-US" dirty="0"/>
               <a:pPr/>
-              <a:t>3/9/2017</a:t>
+              <a:t>3/10/2017</a:t>
             </a:fld>
             <a:endParaRPr lang="en-US" dirty="0"/>
           </a:p>
@@ -6366,7 +6374,7 @@
             <a:fld id="{B61BEF0D-F0BB-DE4B-95CE-6DB70DBA9567}" type="datetimeFigureOut">
               <a:rPr lang="en-US" dirty="0"/>
               <a:pPr/>
-              <a:t>3/9/2017</a:t>
+              <a:t>3/10/2017</a:t>
             </a:fld>
             <a:endParaRPr lang="en-US" dirty="0"/>
           </a:p>
@@ -6708,7 +6716,7 @@
             <a:fld id="{B61BEF0D-F0BB-DE4B-95CE-6DB70DBA9567}" type="datetimeFigureOut">
               <a:rPr lang="en-US" dirty="0"/>
               <a:pPr/>
-              <a:t>3/9/2017</a:t>
+              <a:t>3/10/2017</a:t>
             </a:fld>
             <a:endParaRPr lang="en-US" dirty="0"/>
           </a:p>
@@ -8822,7 +8830,7 @@
             <a:fld id="{B61BEF0D-F0BB-DE4B-95CE-6DB70DBA9567}" type="datetimeFigureOut">
               <a:rPr lang="en-US" dirty="0"/>
               <a:pPr/>
-              <a:t>3/9/2017</a:t>
+              <a:t>3/10/2017</a:t>
             </a:fld>
             <a:endParaRPr lang="en-US" dirty="0"/>
           </a:p>
@@ -12811,6 +12819,12 @@
             <a:r>
               <a:rPr lang="en-US" dirty="0"/>
               <a:t>Load the program</a:t>
+            </a:r>
+          </a:p>
+          <a:p>
+            <a:r>
+              <a:rPr lang="en-US" dirty="0"/>
+              <a:t>Serial Communication</a:t>
             </a:r>
           </a:p>
         </p:txBody>
